--- a/presentation/PRESENTATION1-CSIZG628T-2019HT66015_16Apr21.pptx
+++ b/presentation/PRESENTATION1-CSIZG628T-2019HT66015_16Apr21.pptx
@@ -3338,7 +3338,7 @@
                 </a:uFill>
                 <a:latin typeface="Arial"/>
               </a:rPr>
-              <a:t>Click </a:t>
+              <a:t>Cli</a:t>
             </a:r>
             <a:r>
               <a:rPr b="0" lang="en-US" sz="4400" spc="-1" strike="noStrike">
@@ -3352,7 +3352,7 @@
                 </a:uFill>
                 <a:latin typeface="Arial"/>
               </a:rPr>
-              <a:t>to edit </a:t>
+              <a:t>ck </a:t>
             </a:r>
             <a:r>
               <a:rPr b="0" lang="en-US" sz="4400" spc="-1" strike="noStrike">
@@ -3366,6 +3366,34 @@
                 </a:uFill>
                 <a:latin typeface="Arial"/>
               </a:rPr>
+              <a:t>to </a:t>
+            </a:r>
+            <a:r>
+              <a:rPr b="0" lang="en-US" sz="4400" spc="-1" strike="noStrike">
+                <a:solidFill>
+                  <a:srgbClr val="000000"/>
+                </a:solidFill>
+                <a:uFill>
+                  <a:solidFill>
+                    <a:srgbClr val="ffffff"/>
+                  </a:solidFill>
+                </a:uFill>
+                <a:latin typeface="Arial"/>
+              </a:rPr>
+              <a:t>edit </a:t>
+            </a:r>
+            <a:r>
+              <a:rPr b="0" lang="en-US" sz="4400" spc="-1" strike="noStrike">
+                <a:solidFill>
+                  <a:srgbClr val="000000"/>
+                </a:solidFill>
+                <a:uFill>
+                  <a:solidFill>
+                    <a:srgbClr val="ffffff"/>
+                  </a:solidFill>
+                </a:uFill>
+                <a:latin typeface="Arial"/>
+              </a:rPr>
               <a:t>the </a:t>
             </a:r>
             <a:r>
@@ -3408,7 +3436,35 @@
                 </a:uFill>
                 <a:latin typeface="Arial"/>
               </a:rPr>
-              <a:t>format</a:t>
+              <a:t>for</a:t>
+            </a:r>
+            <a:r>
+              <a:rPr b="0" lang="en-US" sz="4400" spc="-1" strike="noStrike">
+                <a:solidFill>
+                  <a:srgbClr val="000000"/>
+                </a:solidFill>
+                <a:uFill>
+                  <a:solidFill>
+                    <a:srgbClr val="ffffff"/>
+                  </a:solidFill>
+                </a:uFill>
+                <a:latin typeface="Arial"/>
+              </a:rPr>
+              <a:t>ma</a:t>
+            </a:r>
+            <a:r>
+              <a:rPr b="0" lang="en-US" sz="4400" spc="-1" strike="noStrike">
+                <a:solidFill>
+                  <a:srgbClr val="000000"/>
+                </a:solidFill>
+                <a:uFill>
+                  <a:solidFill>
+                    <a:srgbClr val="ffffff"/>
+                  </a:solidFill>
+                </a:uFill>
+                <a:latin typeface="Arial"/>
+              </a:rPr>
+              <a:t>t</a:t>
             </a:r>
             <a:endParaRPr b="0" lang="en-US" sz="4400" spc="-1" strike="noStrike">
               <a:solidFill>
@@ -3810,49 +3866,7 @@
                 </a:uFill>
                 <a:latin typeface="Arial"/>
               </a:rPr>
-              <a:t>Click to </a:t>
-            </a:r>
-            <a:r>
-              <a:rPr b="0" lang="en-US" sz="4400" spc="-1" strike="noStrike">
-                <a:solidFill>
-                  <a:srgbClr val="000000"/>
-                </a:solidFill>
-                <a:uFill>
-                  <a:solidFill>
-                    <a:srgbClr val="ffffff"/>
-                  </a:solidFill>
-                </a:uFill>
-                <a:latin typeface="Arial"/>
-              </a:rPr>
-              <a:t>edit the </a:t>
-            </a:r>
-            <a:r>
-              <a:rPr b="0" lang="en-US" sz="4400" spc="-1" strike="noStrike">
-                <a:solidFill>
-                  <a:srgbClr val="000000"/>
-                </a:solidFill>
-                <a:uFill>
-                  <a:solidFill>
-                    <a:srgbClr val="ffffff"/>
-                  </a:solidFill>
-                </a:uFill>
-                <a:latin typeface="Arial"/>
-              </a:rPr>
-              <a:t>title text </a:t>
-            </a:r>
-            <a:r>
-              <a:rPr b="0" lang="en-US" sz="4400" spc="-1" strike="noStrike">
-                <a:solidFill>
-                  <a:srgbClr val="000000"/>
-                </a:solidFill>
-                <a:uFill>
-                  <a:solidFill>
-                    <a:srgbClr val="ffffff"/>
-                  </a:solidFill>
-                </a:uFill>
-                <a:latin typeface="Arial"/>
-              </a:rPr>
-              <a:t>format</a:t>
+              <a:t>Click to edit the title text format</a:t>
             </a:r>
             <a:endParaRPr b="0" lang="en-US" sz="4400" spc="-1" strike="noStrike">
               <a:solidFill>
@@ -4590,21 +4604,7 @@
                 </a:uFill>
                 <a:latin typeface="Arial"/>
               </a:rPr>
-              <a:t>DEMONSTRATION </a:t>
-            </a:r>
-            <a:r>
-              <a:rPr b="0" lang="en-US" sz="1800" spc="-1" strike="noStrike">
-                <a:solidFill>
-                  <a:srgbClr val="000000"/>
-                </a:solidFill>
-                <a:uFill>
-                  <a:solidFill>
-                    <a:srgbClr val="ffffff"/>
-                  </a:solidFill>
-                </a:uFill>
-                <a:latin typeface="Arial"/>
-              </a:rPr>
-              <a:t>VIDEO</a:t>
+              <a:t>DEMONSTRATION VIDEO</a:t>
             </a:r>
             <a:endParaRPr b="0" lang="en-US" sz="1800" spc="-1" strike="noStrike">
               <a:solidFill>
@@ -4721,6 +4721,33 @@
       </p:sp>
     </p:spTree>
   </p:cSld>
+  <p:timing>
+    <p:tnLst>
+      <p:par>
+        <p:cTn id="21" dur="indefinite" restart="never" nodeType="tmRoot">
+          <p:childTnLst>
+            <p:seq>
+              <p:cTn id="22" nodeType="mainSeq"/>
+              <p:prevCondLst>
+                <p:cond delay="0" evt="onPrev">
+                  <p:tgtEl>
+                    <p:sldTgt/>
+                  </p:tgtEl>
+                </p:cond>
+              </p:prevCondLst>
+              <p:nextCondLst>
+                <p:cond delay="0" evt="onNext">
+                  <p:tgtEl>
+                    <p:sldTgt/>
+                  </p:tgtEl>
+                </p:cond>
+              </p:nextCondLst>
+            </p:seq>
+          </p:childTnLst>
+        </p:cTn>
+      </p:par>
+    </p:tnLst>
+  </p:timing>
 </p:sld>
 </file>
 
@@ -7545,7 +7572,7 @@
                 </a:uFill>
                 <a:latin typeface="Arial"/>
               </a:rPr>
-              <a:t> can </a:t>
+              <a:t> can be defined as any useful application or software available for use over computer </a:t>
             </a:r>
             <a:r>
               <a:rPr b="0" lang="en-US" sz="1400" spc="-1" strike="noStrike">
@@ -7559,245 +7586,7 @@
                 </a:uFill>
                 <a:latin typeface="Arial"/>
               </a:rPr>
-              <a:t>be defined </a:t>
-            </a:r>
-            <a:r>
-              <a:rPr b="0" lang="en-US" sz="1400" spc="-1" strike="noStrike">
-                <a:solidFill>
-                  <a:srgbClr val="000000"/>
-                </a:solidFill>
-                <a:uFill>
-                  <a:solidFill>
-                    <a:srgbClr val="ffffff"/>
-                  </a:solidFill>
-                </a:uFill>
-                <a:latin typeface="Arial"/>
-              </a:rPr>
-              <a:t>as any </a:t>
-            </a:r>
-            <a:r>
-              <a:rPr b="0" lang="en-US" sz="1400" spc="-1" strike="noStrike">
-                <a:solidFill>
-                  <a:srgbClr val="000000"/>
-                </a:solidFill>
-                <a:uFill>
-                  <a:solidFill>
-                    <a:srgbClr val="ffffff"/>
-                  </a:solidFill>
-                </a:uFill>
-                <a:latin typeface="Arial"/>
-              </a:rPr>
-              <a:t>useful </a:t>
-            </a:r>
-            <a:r>
-              <a:rPr b="0" lang="en-US" sz="1400" spc="-1" strike="noStrike">
-                <a:solidFill>
-                  <a:srgbClr val="000000"/>
-                </a:solidFill>
-                <a:uFill>
-                  <a:solidFill>
-                    <a:srgbClr val="ffffff"/>
-                  </a:solidFill>
-                </a:uFill>
-                <a:latin typeface="Arial"/>
-              </a:rPr>
-              <a:t>application </a:t>
-            </a:r>
-            <a:r>
-              <a:rPr b="0" lang="en-US" sz="1400" spc="-1" strike="noStrike">
-                <a:solidFill>
-                  <a:srgbClr val="000000"/>
-                </a:solidFill>
-                <a:uFill>
-                  <a:solidFill>
-                    <a:srgbClr val="ffffff"/>
-                  </a:solidFill>
-                </a:uFill>
-                <a:latin typeface="Arial"/>
-              </a:rPr>
-              <a:t>or software </a:t>
-            </a:r>
-            <a:r>
-              <a:rPr b="0" lang="en-US" sz="1400" spc="-1" strike="noStrike">
-                <a:solidFill>
-                  <a:srgbClr val="000000"/>
-                </a:solidFill>
-                <a:uFill>
-                  <a:solidFill>
-                    <a:srgbClr val="ffffff"/>
-                  </a:solidFill>
-                </a:uFill>
-                <a:latin typeface="Arial"/>
-              </a:rPr>
-              <a:t>available </a:t>
-            </a:r>
-            <a:r>
-              <a:rPr b="0" lang="en-US" sz="1400" spc="-1" strike="noStrike">
-                <a:solidFill>
-                  <a:srgbClr val="000000"/>
-                </a:solidFill>
-                <a:uFill>
-                  <a:solidFill>
-                    <a:srgbClr val="ffffff"/>
-                  </a:solidFill>
-                </a:uFill>
-                <a:latin typeface="Arial"/>
-              </a:rPr>
-              <a:t>for use </a:t>
-            </a:r>
-            <a:r>
-              <a:rPr b="0" lang="en-US" sz="1400" spc="-1" strike="noStrike">
-                <a:solidFill>
-                  <a:srgbClr val="000000"/>
-                </a:solidFill>
-                <a:uFill>
-                  <a:solidFill>
-                    <a:srgbClr val="ffffff"/>
-                  </a:solidFill>
-                </a:uFill>
-                <a:latin typeface="Arial"/>
-              </a:rPr>
-              <a:t>over </a:t>
-            </a:r>
-            <a:r>
-              <a:rPr b="0" lang="en-US" sz="1400" spc="-1" strike="noStrike">
-                <a:solidFill>
-                  <a:srgbClr val="000000"/>
-                </a:solidFill>
-                <a:uFill>
-                  <a:solidFill>
-                    <a:srgbClr val="ffffff"/>
-                  </a:solidFill>
-                </a:uFill>
-                <a:latin typeface="Arial"/>
-              </a:rPr>
-              <a:t>computer </a:t>
-            </a:r>
-            <a:r>
-              <a:rPr b="0" lang="en-US" sz="1400" spc="-1" strike="noStrike">
-                <a:solidFill>
-                  <a:srgbClr val="000000"/>
-                </a:solidFill>
-                <a:uFill>
-                  <a:solidFill>
-                    <a:srgbClr val="ffffff"/>
-                  </a:solidFill>
-                </a:uFill>
-                <a:latin typeface="Arial"/>
-              </a:rPr>
-              <a:t>networks </a:t>
-            </a:r>
-            <a:r>
-              <a:rPr b="0" lang="en-US" sz="1400" spc="-1" strike="noStrike">
-                <a:solidFill>
-                  <a:srgbClr val="000000"/>
-                </a:solidFill>
-                <a:uFill>
-                  <a:solidFill>
-                    <a:srgbClr val="ffffff"/>
-                  </a:solidFill>
-                </a:uFill>
-                <a:latin typeface="Arial"/>
-              </a:rPr>
-              <a:t>which is </a:t>
-            </a:r>
-            <a:r>
-              <a:rPr b="0" lang="en-US" sz="1400" spc="-1" strike="noStrike">
-                <a:solidFill>
-                  <a:srgbClr val="000000"/>
-                </a:solidFill>
-                <a:uFill>
-                  <a:solidFill>
-                    <a:srgbClr val="ffffff"/>
-                  </a:solidFill>
-                </a:uFill>
-                <a:latin typeface="Arial"/>
-              </a:rPr>
-              <a:t>accessible </a:t>
-            </a:r>
-            <a:r>
-              <a:rPr b="0" lang="en-US" sz="1400" spc="-1" strike="noStrike">
-                <a:solidFill>
-                  <a:srgbClr val="000000"/>
-                </a:solidFill>
-                <a:uFill>
-                  <a:solidFill>
-                    <a:srgbClr val="ffffff"/>
-                  </a:solidFill>
-                </a:uFill>
-                <a:latin typeface="Arial"/>
-              </a:rPr>
-              <a:t>over the </a:t>
-            </a:r>
-            <a:r>
-              <a:rPr b="0" lang="en-US" sz="1400" spc="-1" strike="noStrike">
-                <a:solidFill>
-                  <a:srgbClr val="000000"/>
-                </a:solidFill>
-                <a:uFill>
-                  <a:solidFill>
-                    <a:srgbClr val="ffffff"/>
-                  </a:solidFill>
-                </a:uFill>
-                <a:latin typeface="Arial"/>
-              </a:rPr>
-              <a:t>Internet or </a:t>
-            </a:r>
-            <a:r>
-              <a:rPr b="0" lang="en-US" sz="1400" spc="-1" strike="noStrike">
-                <a:solidFill>
-                  <a:srgbClr val="000000"/>
-                </a:solidFill>
-                <a:uFill>
-                  <a:solidFill>
-                    <a:srgbClr val="ffffff"/>
-                  </a:solidFill>
-                </a:uFill>
-                <a:latin typeface="Arial"/>
-              </a:rPr>
-              <a:t>private </a:t>
-            </a:r>
-            <a:r>
-              <a:rPr b="0" lang="en-US" sz="1400" spc="-1" strike="noStrike">
-                <a:solidFill>
-                  <a:srgbClr val="000000"/>
-                </a:solidFill>
-                <a:uFill>
-                  <a:solidFill>
-                    <a:srgbClr val="ffffff"/>
-                  </a:solidFill>
-                </a:uFill>
-                <a:latin typeface="Arial"/>
-              </a:rPr>
-              <a:t>interconne</a:t>
-            </a:r>
-            <a:r>
-              <a:rPr b="0" lang="en-US" sz="1400" spc="-1" strike="noStrike">
-                <a:solidFill>
-                  <a:srgbClr val="000000"/>
-                </a:solidFill>
-                <a:uFill>
-                  <a:solidFill>
-                    <a:srgbClr val="ffffff"/>
-                  </a:solidFill>
-                </a:uFill>
-                <a:latin typeface="Arial"/>
-              </a:rPr>
-              <a:t>cted </a:t>
-            </a:r>
-            <a:r>
-              <a:rPr b="0" lang="en-US" sz="1400" spc="-1" strike="noStrike">
-                <a:solidFill>
-                  <a:srgbClr val="000000"/>
-                </a:solidFill>
-                <a:uFill>
-                  <a:solidFill>
-                    <a:srgbClr val="ffffff"/>
-                  </a:solidFill>
-                </a:uFill>
-                <a:latin typeface="Arial"/>
-              </a:rPr>
-              <a:t>networks.</a:t>
+              <a:t>networks which is accessible over the Internet or private interconnected networks.</a:t>
             </a:r>
             <a:endParaRPr b="0" lang="en-US" sz="1400" spc="-1" strike="noStrike">
               <a:solidFill>
@@ -7967,21 +7756,7 @@
                 </a:uFill>
                 <a:latin typeface="Arial"/>
               </a:rPr>
-              <a:t>From the perspective of the service provider, they would have to satisfy the expectations of the </a:t>
-            </a:r>
-            <a:r>
-              <a:rPr b="0" lang="en-US" sz="1400" spc="-1" strike="noStrike">
-                <a:solidFill>
-                  <a:srgbClr val="000000"/>
-                </a:solidFill>
-                <a:uFill>
-                  <a:solidFill>
-                    <a:srgbClr val="ffffff"/>
-                  </a:solidFill>
-                </a:uFill>
-                <a:latin typeface="Arial"/>
-              </a:rPr>
-              <a:t>end users and facilitate the best experience.</a:t>
+              <a:t>From the perspective of the service provider, they would have to satisfy the expectations of the end users and facilitate the best experience.</a:t>
             </a:r>
             <a:endParaRPr b="0" lang="en-US" sz="1400" spc="-1" strike="noStrike">
               <a:solidFill>
@@ -8033,7 +7808,35 @@
                 </a:uFill>
                 <a:latin typeface="Arial"/>
               </a:rPr>
-              <a:t>A reliable site is one where the users of the sites would fall back for the services of the service provider. </a:t>
+              <a:t>A reliable site is one where the users of the sites </a:t>
+            </a:r>
+            <a:r>
+              <a:rPr b="0" lang="en-US" sz="1400" spc="-1" strike="noStrike">
+                <a:solidFill>
+                  <a:srgbClr val="000000"/>
+                </a:solidFill>
+                <a:uFill>
+                  <a:solidFill>
+                    <a:srgbClr val="ffffff"/>
+                  </a:solidFill>
+                </a:uFill>
+                <a:latin typeface="Arial"/>
+              </a:rPr>
+              <a:t>would fall back for the services of the service </a:t>
+            </a:r>
+            <a:r>
+              <a:rPr b="0" lang="en-US" sz="1400" spc="-1" strike="noStrike">
+                <a:solidFill>
+                  <a:srgbClr val="000000"/>
+                </a:solidFill>
+                <a:uFill>
+                  <a:solidFill>
+                    <a:srgbClr val="ffffff"/>
+                  </a:solidFill>
+                </a:uFill>
+                <a:latin typeface="Arial"/>
+              </a:rPr>
+              <a:t>provider. </a:t>
             </a:r>
             <a:endParaRPr b="0" lang="en-US" sz="1400" spc="-1" strike="noStrike">
               <a:solidFill>
@@ -8073,7 +7876,35 @@
                 </a:uFill>
                 <a:latin typeface="Arial"/>
               </a:rPr>
-              <a:t>Sites are considered reliable from user experience perspective, which becomes the primary goal for anyone providing information services.</a:t>
+              <a:t>Sites are considered reliable from user experience </a:t>
+            </a:r>
+            <a:r>
+              <a:rPr b="0" lang="en-US" sz="1400" spc="-1" strike="noStrike">
+                <a:solidFill>
+                  <a:srgbClr val="000000"/>
+                </a:solidFill>
+                <a:uFill>
+                  <a:solidFill>
+                    <a:srgbClr val="ffffff"/>
+                  </a:solidFill>
+                </a:uFill>
+                <a:latin typeface="Arial"/>
+              </a:rPr>
+              <a:t>perspective, which becomes the primary goal for </a:t>
+            </a:r>
+            <a:r>
+              <a:rPr b="0" lang="en-US" sz="1400" spc="-1" strike="noStrike">
+                <a:solidFill>
+                  <a:srgbClr val="000000"/>
+                </a:solidFill>
+                <a:uFill>
+                  <a:solidFill>
+                    <a:srgbClr val="ffffff"/>
+                  </a:solidFill>
+                </a:uFill>
+                <a:latin typeface="Arial"/>
+              </a:rPr>
+              <a:t>anyone providing information services.</a:t>
             </a:r>
             <a:endParaRPr b="0" lang="en-US" sz="1400" spc="-1" strike="noStrike">
               <a:solidFill>
@@ -8113,7 +7944,35 @@
                 </a:uFill>
                 <a:latin typeface="Arial"/>
               </a:rPr>
-              <a:t>When reliable services are realized with the hosted websites, then the sites are meant to have an added quality called as </a:t>
+              <a:t>When reliable services are realized with the </a:t>
+            </a:r>
+            <a:r>
+              <a:rPr b="0" lang="en-US" sz="1400" spc="-1" strike="noStrike">
+                <a:solidFill>
+                  <a:srgbClr val="000000"/>
+                </a:solidFill>
+                <a:uFill>
+                  <a:solidFill>
+                    <a:srgbClr val="ffffff"/>
+                  </a:solidFill>
+                </a:uFill>
+                <a:latin typeface="Arial"/>
+              </a:rPr>
+              <a:t>hosted websites, then the sites are meant to have </a:t>
+            </a:r>
+            <a:r>
+              <a:rPr b="0" lang="en-US" sz="1400" spc="-1" strike="noStrike">
+                <a:solidFill>
+                  <a:srgbClr val="000000"/>
+                </a:solidFill>
+                <a:uFill>
+                  <a:solidFill>
+                    <a:srgbClr val="ffffff"/>
+                  </a:solidFill>
+                </a:uFill>
+                <a:latin typeface="Arial"/>
+              </a:rPr>
+              <a:t>an added quality called as </a:t>
             </a:r>
             <a:r>
               <a:rPr b="1" lang="en-US" sz="1400" spc="-1" strike="noStrike">
@@ -8167,7 +8026,35 @@
                 </a:uFill>
                 <a:latin typeface="Arial"/>
               </a:rPr>
-              <a:t>The art of practicing the principles to meet the expectations from reliability perspective can be named as </a:t>
+              <a:t>The art of practicing the principles to meet the </a:t>
+            </a:r>
+            <a:r>
+              <a:rPr b="0" lang="en-US" sz="1400" spc="-1" strike="noStrike">
+                <a:solidFill>
+                  <a:srgbClr val="000000"/>
+                </a:solidFill>
+                <a:uFill>
+                  <a:solidFill>
+                    <a:srgbClr val="ffffff"/>
+                  </a:solidFill>
+                </a:uFill>
+                <a:latin typeface="Arial"/>
+              </a:rPr>
+              <a:t>expectations from reliability perspective can be </a:t>
+            </a:r>
+            <a:r>
+              <a:rPr b="0" lang="en-US" sz="1400" spc="-1" strike="noStrike">
+                <a:solidFill>
+                  <a:srgbClr val="000000"/>
+                </a:solidFill>
+                <a:uFill>
+                  <a:solidFill>
+                    <a:srgbClr val="ffffff"/>
+                  </a:solidFill>
+                </a:uFill>
+                <a:latin typeface="Arial"/>
+              </a:rPr>
+              <a:t>named as </a:t>
             </a:r>
             <a:r>
               <a:rPr b="1" lang="en-US" sz="1400" spc="-1" strike="noStrike">

--- a/presentation/PRESENTATION1-CSIZG628T-2019HT66015_16Apr21.pptx
+++ b/presentation/PRESENTATION1-CSIZG628T-2019HT66015_16Apr21.pptx
@@ -17,6 +17,8 @@
     <p:sldId id="264" r:id="rId12"/>
     <p:sldId id="265" r:id="rId13"/>
     <p:sldId id="266" r:id="rId14"/>
+    <p:sldId id="267" r:id="rId15"/>
+    <p:sldId id="268" r:id="rId16"/>
   </p:sldIdLst>
   <p:sldSz cx="10080625" cy="5670550"/>
   <p:notesSz cx="7772400" cy="10058400"/>
@@ -3293,7 +3295,7 @@
         <p:spPr>
           <a:xfrm>
             <a:off x="0" y="0"/>
-            <a:ext cx="10081800" cy="5666040"/>
+            <a:ext cx="10081440" cy="5665680"/>
           </a:xfrm>
           <a:prstGeom prst="rect">
             <a:avLst/>
@@ -3338,133 +3340,7 @@
                 </a:uFill>
                 <a:latin typeface="Arial"/>
               </a:rPr>
-              <a:t>Cli</a:t>
-            </a:r>
-            <a:r>
-              <a:rPr b="0" lang="en-US" sz="4400" spc="-1" strike="noStrike">
-                <a:solidFill>
-                  <a:srgbClr val="000000"/>
-                </a:solidFill>
-                <a:uFill>
-                  <a:solidFill>
-                    <a:srgbClr val="ffffff"/>
-                  </a:solidFill>
-                </a:uFill>
-                <a:latin typeface="Arial"/>
-              </a:rPr>
-              <a:t>ck </a:t>
-            </a:r>
-            <a:r>
-              <a:rPr b="0" lang="en-US" sz="4400" spc="-1" strike="noStrike">
-                <a:solidFill>
-                  <a:srgbClr val="000000"/>
-                </a:solidFill>
-                <a:uFill>
-                  <a:solidFill>
-                    <a:srgbClr val="ffffff"/>
-                  </a:solidFill>
-                </a:uFill>
-                <a:latin typeface="Arial"/>
-              </a:rPr>
-              <a:t>to </a:t>
-            </a:r>
-            <a:r>
-              <a:rPr b="0" lang="en-US" sz="4400" spc="-1" strike="noStrike">
-                <a:solidFill>
-                  <a:srgbClr val="000000"/>
-                </a:solidFill>
-                <a:uFill>
-                  <a:solidFill>
-                    <a:srgbClr val="ffffff"/>
-                  </a:solidFill>
-                </a:uFill>
-                <a:latin typeface="Arial"/>
-              </a:rPr>
-              <a:t>edit </a:t>
-            </a:r>
-            <a:r>
-              <a:rPr b="0" lang="en-US" sz="4400" spc="-1" strike="noStrike">
-                <a:solidFill>
-                  <a:srgbClr val="000000"/>
-                </a:solidFill>
-                <a:uFill>
-                  <a:solidFill>
-                    <a:srgbClr val="ffffff"/>
-                  </a:solidFill>
-                </a:uFill>
-                <a:latin typeface="Arial"/>
-              </a:rPr>
-              <a:t>the </a:t>
-            </a:r>
-            <a:r>
-              <a:rPr b="0" lang="en-US" sz="4400" spc="-1" strike="noStrike">
-                <a:solidFill>
-                  <a:srgbClr val="000000"/>
-                </a:solidFill>
-                <a:uFill>
-                  <a:solidFill>
-                    <a:srgbClr val="ffffff"/>
-                  </a:solidFill>
-                </a:uFill>
-                <a:latin typeface="Arial"/>
-              </a:rPr>
-              <a:t>title </a:t>
-            </a:r>
-            <a:r>
-              <a:rPr b="0" lang="en-US" sz="4400" spc="-1" strike="noStrike">
-                <a:solidFill>
-                  <a:srgbClr val="000000"/>
-                </a:solidFill>
-                <a:uFill>
-                  <a:solidFill>
-                    <a:srgbClr val="ffffff"/>
-                  </a:solidFill>
-                </a:uFill>
-                <a:latin typeface="Arial"/>
-              </a:rPr>
-              <a:t>text </a:t>
-            </a:r>
-            <a:r>
-              <a:rPr b="0" lang="en-US" sz="4400" spc="-1" strike="noStrike">
-                <a:solidFill>
-                  <a:srgbClr val="000000"/>
-                </a:solidFill>
-                <a:uFill>
-                  <a:solidFill>
-                    <a:srgbClr val="ffffff"/>
-                  </a:solidFill>
-                </a:uFill>
-                <a:latin typeface="Arial"/>
-              </a:rPr>
-              <a:t>for</a:t>
-            </a:r>
-            <a:r>
-              <a:rPr b="0" lang="en-US" sz="4400" spc="-1" strike="noStrike">
-                <a:solidFill>
-                  <a:srgbClr val="000000"/>
-                </a:solidFill>
-                <a:uFill>
-                  <a:solidFill>
-                    <a:srgbClr val="ffffff"/>
-                  </a:solidFill>
-                </a:uFill>
-                <a:latin typeface="Arial"/>
-              </a:rPr>
-              <a:t>ma</a:t>
-            </a:r>
-            <a:r>
-              <a:rPr b="0" lang="en-US" sz="4400" spc="-1" strike="noStrike">
-                <a:solidFill>
-                  <a:srgbClr val="000000"/>
-                </a:solidFill>
-                <a:uFill>
-                  <a:solidFill>
-                    <a:srgbClr val="ffffff"/>
-                  </a:solidFill>
-                </a:uFill>
-                <a:latin typeface="Arial"/>
-              </a:rPr>
-              <a:t>t</a:t>
+              <a:t>Click to edit the title text format</a:t>
             </a:r>
             <a:endParaRPr b="0" lang="en-US" sz="4400" spc="-1" strike="noStrike">
               <a:solidFill>
@@ -3821,7 +3697,7 @@
         <p:spPr>
           <a:xfrm>
             <a:off x="0" y="0"/>
-            <a:ext cx="10081800" cy="5666040"/>
+            <a:ext cx="10081440" cy="5665680"/>
           </a:xfrm>
           <a:prstGeom prst="rect">
             <a:avLst/>
@@ -4219,7 +4095,7 @@
         <p:spPr>
           <a:xfrm>
             <a:off x="1620000" y="1368000"/>
-            <a:ext cx="8096040" cy="3284280"/>
+            <a:ext cx="8095680" cy="3283920"/>
           </a:xfrm>
           <a:prstGeom prst="rect">
             <a:avLst/>
@@ -4572,14 +4448,14 @@
       </p:grpSpPr>
       <p:sp>
         <p:nvSpPr>
-          <p:cNvPr id="118" name="TextShape 1"/>
-          <p:cNvSpPr txBox="1"/>
+          <p:cNvPr id="117" name="CustomShape 1"/>
+          <p:cNvSpPr/>
           <p:nvPr/>
         </p:nvSpPr>
         <p:spPr>
           <a:xfrm>
-            <a:off x="4023360" y="1463040"/>
-            <a:ext cx="3383280" cy="457200"/>
+            <a:off x="678600" y="253080"/>
+            <a:ext cx="8095680" cy="931680"/>
           </a:xfrm>
           <a:prstGeom prst="rect">
             <a:avLst/>
@@ -4589,24 +4465,44 @@
             <a:noFill/>
           </a:ln>
         </p:spPr>
+        <p:style>
+          <a:lnRef idx="0"/>
+          <a:fillRef idx="0"/>
+          <a:effectRef idx="0"/>
+          <a:fontRef idx="minor"/>
+        </p:style>
         <p:txBody>
-          <a:bodyPr lIns="90000" rIns="90000" tIns="45000" bIns="45000"/>
-          <a:p>
-            <a:r>
-              <a:rPr b="0" lang="en-US" sz="1800" spc="-1" strike="noStrike">
-                <a:solidFill>
-                  <a:srgbClr val="000000"/>
-                </a:solidFill>
-                <a:uFill>
-                  <a:solidFill>
-                    <a:srgbClr val="ffffff"/>
-                  </a:solidFill>
-                </a:uFill>
-                <a:latin typeface="Arial"/>
-              </a:rPr>
-              <a:t>DEMONSTRATION VIDEO</a:t>
-            </a:r>
-            <a:endParaRPr b="0" lang="en-US" sz="1800" spc="-1" strike="noStrike">
+          <a:bodyPr lIns="0" rIns="0" tIns="0" bIns="0" anchor="ctr">
+            <a:normAutofit/>
+          </a:bodyPr>
+          <a:p>
+            <a:pPr lvl="2" marL="648000" indent="-211680" algn="ctr">
+              <a:lnSpc>
+                <a:spcPct val="100000"/>
+              </a:lnSpc>
+              <a:buClr>
+                <a:srgbClr val="000000"/>
+              </a:buClr>
+              <a:buSzPct val="45000"/>
+              <a:buFont typeface="Wingdings" charset="2"/>
+              <a:buChar char=""/>
+            </a:pPr>
+            <a:r>
+              <a:rPr b="0" lang="en-US" sz="2600" spc="-1" strike="noStrike">
+                <a:solidFill>
+                  <a:srgbClr val="050505"/>
+                </a:solidFill>
+                <a:uFill>
+                  <a:solidFill>
+                    <a:srgbClr val="ffffff"/>
+                  </a:solidFill>
+                </a:uFill>
+                <a:latin typeface="Times New Roman"/>
+                <a:ea typeface="DejaVu Sans"/>
+              </a:rPr>
+              <a:t>Use case for Monitoring and Alerting</a:t>
+            </a:r>
+            <a:endParaRPr b="0" lang="en-US" sz="2600" spc="-1" strike="noStrike">
               <a:solidFill>
                 <a:srgbClr val="000000"/>
               </a:solidFill>
@@ -4619,6 +4515,721 @@
             </a:endParaRPr>
           </a:p>
         </p:txBody>
+      </p:sp>
+      <p:sp>
+        <p:nvSpPr>
+          <p:cNvPr id="118" name="CustomShape 2"/>
+          <p:cNvSpPr/>
+          <p:nvPr/>
+        </p:nvSpPr>
+        <p:spPr>
+          <a:xfrm>
+            <a:off x="2430360" y="1319040"/>
+            <a:ext cx="6214320" cy="4258440"/>
+          </a:xfrm>
+          <a:prstGeom prst="rect">
+            <a:avLst/>
+          </a:prstGeom>
+          <a:noFill/>
+          <a:ln>
+            <a:noFill/>
+          </a:ln>
+        </p:spPr>
+        <p:style>
+          <a:lnRef idx="0"/>
+          <a:fillRef idx="0"/>
+          <a:effectRef idx="0"/>
+          <a:fontRef idx="minor"/>
+        </p:style>
+        <p:txBody>
+          <a:bodyPr wrap="none" lIns="0" rIns="0" tIns="0" bIns="0"/>
+          <a:p>
+            <a:pPr>
+              <a:lnSpc>
+                <a:spcPct val="100000"/>
+              </a:lnSpc>
+            </a:pPr>
+            <a:r>
+              <a:rPr b="0" lang="en-US" sz="1400" spc="-1" strike="noStrike">
+                <a:solidFill>
+                  <a:srgbClr val="050505"/>
+                </a:solidFill>
+                <a:uFill>
+                  <a:solidFill>
+                    <a:srgbClr val="ffffff"/>
+                  </a:solidFill>
+                </a:uFill>
+                <a:latin typeface="Arial"/>
+                <a:ea typeface="DejaVu Sans"/>
+              </a:rPr>
+              <a:t>Project designed to check the following two basic information on the server.</a:t>
+            </a:r>
+            <a:endParaRPr b="0" lang="en-US" sz="1400" spc="-1" strike="noStrike">
+              <a:solidFill>
+                <a:srgbClr val="000000"/>
+              </a:solidFill>
+              <a:uFill>
+                <a:solidFill>
+                  <a:srgbClr val="ffffff"/>
+                </a:solidFill>
+              </a:uFill>
+              <a:latin typeface="Arial"/>
+            </a:endParaRPr>
+          </a:p>
+          <a:p>
+            <a:pPr>
+              <a:lnSpc>
+                <a:spcPct val="100000"/>
+              </a:lnSpc>
+            </a:pPr>
+            <a:endParaRPr b="0" lang="en-US" sz="1400" spc="-1" strike="noStrike">
+              <a:solidFill>
+                <a:srgbClr val="000000"/>
+              </a:solidFill>
+              <a:uFill>
+                <a:solidFill>
+                  <a:srgbClr val="ffffff"/>
+                </a:solidFill>
+              </a:uFill>
+              <a:latin typeface="Arial"/>
+            </a:endParaRPr>
+          </a:p>
+          <a:p>
+            <a:pPr marL="216000" indent="-215640">
+              <a:lnSpc>
+                <a:spcPct val="100000"/>
+              </a:lnSpc>
+              <a:buClr>
+                <a:srgbClr val="000000"/>
+              </a:buClr>
+              <a:buSzPct val="45000"/>
+              <a:buFont typeface="Wingdings" charset="2"/>
+              <a:buChar char=""/>
+            </a:pPr>
+            <a:r>
+              <a:rPr b="0" lang="en-US" sz="1200" spc="-1" strike="noStrike">
+                <a:solidFill>
+                  <a:srgbClr val="050505"/>
+                </a:solidFill>
+                <a:uFill>
+                  <a:solidFill>
+                    <a:srgbClr val="ffffff"/>
+                  </a:solidFill>
+                </a:uFill>
+                <a:latin typeface="Arial"/>
+                <a:ea typeface="DejaVu Sans"/>
+              </a:rPr>
+              <a:t>TCP Echo Server Running Status – up (1) or down (0)</a:t>
+            </a:r>
+            <a:endParaRPr b="0" lang="en-US" sz="1200" spc="-1" strike="noStrike">
+              <a:solidFill>
+                <a:srgbClr val="000000"/>
+              </a:solidFill>
+              <a:uFill>
+                <a:solidFill>
+                  <a:srgbClr val="ffffff"/>
+                </a:solidFill>
+              </a:uFill>
+              <a:latin typeface="Arial"/>
+            </a:endParaRPr>
+          </a:p>
+          <a:p>
+            <a:pPr marL="216000" indent="-215640">
+              <a:lnSpc>
+                <a:spcPct val="100000"/>
+              </a:lnSpc>
+              <a:buClr>
+                <a:srgbClr val="000000"/>
+              </a:buClr>
+              <a:buSzPct val="45000"/>
+              <a:buFont typeface="Wingdings" charset="2"/>
+              <a:buChar char=""/>
+            </a:pPr>
+            <a:r>
+              <a:rPr b="0" lang="en-US" sz="1200" spc="-1" strike="noStrike">
+                <a:solidFill>
+                  <a:srgbClr val="050505"/>
+                </a:solidFill>
+                <a:uFill>
+                  <a:solidFill>
+                    <a:srgbClr val="ffffff"/>
+                  </a:solidFill>
+                </a:uFill>
+                <a:latin typeface="Arial"/>
+                <a:ea typeface="DejaVu Sans"/>
+              </a:rPr>
+              <a:t>TCP Echo Server Socket State – Listening (1) or Not listening (0)</a:t>
+            </a:r>
+            <a:endParaRPr b="0" lang="en-US" sz="1200" spc="-1" strike="noStrike">
+              <a:solidFill>
+                <a:srgbClr val="000000"/>
+              </a:solidFill>
+              <a:uFill>
+                <a:solidFill>
+                  <a:srgbClr val="ffffff"/>
+                </a:solidFill>
+              </a:uFill>
+              <a:latin typeface="Arial"/>
+            </a:endParaRPr>
+          </a:p>
+          <a:p>
+            <a:pPr>
+              <a:lnSpc>
+                <a:spcPct val="100000"/>
+              </a:lnSpc>
+            </a:pPr>
+            <a:endParaRPr b="0" lang="en-US" sz="1200" spc="-1" strike="noStrike">
+              <a:solidFill>
+                <a:srgbClr val="000000"/>
+              </a:solidFill>
+              <a:uFill>
+                <a:solidFill>
+                  <a:srgbClr val="ffffff"/>
+                </a:solidFill>
+              </a:uFill>
+              <a:latin typeface="Arial"/>
+            </a:endParaRPr>
+          </a:p>
+          <a:p>
+            <a:pPr>
+              <a:lnSpc>
+                <a:spcPct val="100000"/>
+              </a:lnSpc>
+            </a:pPr>
+            <a:r>
+              <a:rPr b="0" lang="en-US" sz="1400" spc="-1" strike="noStrike">
+                <a:solidFill>
+                  <a:srgbClr val="050505"/>
+                </a:solidFill>
+                <a:uFill>
+                  <a:solidFill>
+                    <a:srgbClr val="ffffff"/>
+                  </a:solidFill>
+                </a:uFill>
+                <a:latin typeface="Arial"/>
+                <a:ea typeface="DejaVu Sans"/>
+              </a:rPr>
+              <a:t>Using Node Exporter Standard Dashboard the following metrics are visualized.</a:t>
+            </a:r>
+            <a:endParaRPr b="0" lang="en-US" sz="1400" spc="-1" strike="noStrike">
+              <a:solidFill>
+                <a:srgbClr val="000000"/>
+              </a:solidFill>
+              <a:uFill>
+                <a:solidFill>
+                  <a:srgbClr val="ffffff"/>
+                </a:solidFill>
+              </a:uFill>
+              <a:latin typeface="Arial"/>
+            </a:endParaRPr>
+          </a:p>
+          <a:p>
+            <a:pPr>
+              <a:lnSpc>
+                <a:spcPct val="100000"/>
+              </a:lnSpc>
+            </a:pPr>
+            <a:endParaRPr b="0" lang="en-US" sz="1400" spc="-1" strike="noStrike">
+              <a:solidFill>
+                <a:srgbClr val="000000"/>
+              </a:solidFill>
+              <a:uFill>
+                <a:solidFill>
+                  <a:srgbClr val="ffffff"/>
+                </a:solidFill>
+              </a:uFill>
+              <a:latin typeface="Arial"/>
+            </a:endParaRPr>
+          </a:p>
+          <a:p>
+            <a:pPr marL="457200" indent="-215640">
+              <a:lnSpc>
+                <a:spcPct val="115000"/>
+              </a:lnSpc>
+              <a:buClr>
+                <a:srgbClr val="000000"/>
+              </a:buClr>
+              <a:buSzPct val="45000"/>
+              <a:buFont typeface="Wingdings" charset="2"/>
+              <a:buChar char=""/>
+            </a:pPr>
+            <a:r>
+              <a:rPr b="0" lang="en-US" sz="1200" spc="-1" strike="noStrike">
+                <a:solidFill>
+                  <a:srgbClr val="000000"/>
+                </a:solidFill>
+                <a:uFill>
+                  <a:solidFill>
+                    <a:srgbClr val="ffffff"/>
+                  </a:solidFill>
+                </a:uFill>
+                <a:latin typeface="Arial"/>
+                <a:ea typeface="DejaVu Sans"/>
+              </a:rPr>
+              <a:t>CPU Usage</a:t>
+            </a:r>
+            <a:endParaRPr b="0" lang="en-US" sz="1200" spc="-1" strike="noStrike">
+              <a:solidFill>
+                <a:srgbClr val="000000"/>
+              </a:solidFill>
+              <a:uFill>
+                <a:solidFill>
+                  <a:srgbClr val="ffffff"/>
+                </a:solidFill>
+              </a:uFill>
+              <a:latin typeface="Arial"/>
+            </a:endParaRPr>
+          </a:p>
+          <a:p>
+            <a:pPr marL="457200" indent="-215640">
+              <a:lnSpc>
+                <a:spcPct val="115000"/>
+              </a:lnSpc>
+              <a:buClr>
+                <a:srgbClr val="000000"/>
+              </a:buClr>
+              <a:buSzPct val="45000"/>
+              <a:buFont typeface="Wingdings" charset="2"/>
+              <a:buChar char=""/>
+            </a:pPr>
+            <a:r>
+              <a:rPr b="0" lang="en-US" sz="1200" spc="-1" strike="noStrike">
+                <a:solidFill>
+                  <a:srgbClr val="000000"/>
+                </a:solidFill>
+                <a:uFill>
+                  <a:solidFill>
+                    <a:srgbClr val="ffffff"/>
+                  </a:solidFill>
+                </a:uFill>
+                <a:latin typeface="Arial"/>
+                <a:ea typeface="DejaVu Sans"/>
+              </a:rPr>
+              <a:t>Load Average</a:t>
+            </a:r>
+            <a:endParaRPr b="0" lang="en-US" sz="1200" spc="-1" strike="noStrike">
+              <a:solidFill>
+                <a:srgbClr val="000000"/>
+              </a:solidFill>
+              <a:uFill>
+                <a:solidFill>
+                  <a:srgbClr val="ffffff"/>
+                </a:solidFill>
+              </a:uFill>
+              <a:latin typeface="Arial"/>
+            </a:endParaRPr>
+          </a:p>
+          <a:p>
+            <a:pPr marL="457200" indent="-215640">
+              <a:lnSpc>
+                <a:spcPct val="115000"/>
+              </a:lnSpc>
+              <a:buClr>
+                <a:srgbClr val="000000"/>
+              </a:buClr>
+              <a:buSzPct val="45000"/>
+              <a:buFont typeface="Wingdings" charset="2"/>
+              <a:buChar char=""/>
+            </a:pPr>
+            <a:r>
+              <a:rPr b="0" lang="en-US" sz="1200" spc="-1" strike="noStrike">
+                <a:solidFill>
+                  <a:srgbClr val="000000"/>
+                </a:solidFill>
+                <a:uFill>
+                  <a:solidFill>
+                    <a:srgbClr val="ffffff"/>
+                  </a:solidFill>
+                </a:uFill>
+                <a:latin typeface="Arial"/>
+                <a:ea typeface="DejaVu Sans"/>
+              </a:rPr>
+              <a:t>Memory Usage</a:t>
+            </a:r>
+            <a:endParaRPr b="0" lang="en-US" sz="1200" spc="-1" strike="noStrike">
+              <a:solidFill>
+                <a:srgbClr val="000000"/>
+              </a:solidFill>
+              <a:uFill>
+                <a:solidFill>
+                  <a:srgbClr val="ffffff"/>
+                </a:solidFill>
+              </a:uFill>
+              <a:latin typeface="Arial"/>
+            </a:endParaRPr>
+          </a:p>
+          <a:p>
+            <a:pPr marL="457200" indent="-215640">
+              <a:lnSpc>
+                <a:spcPct val="115000"/>
+              </a:lnSpc>
+              <a:buClr>
+                <a:srgbClr val="000000"/>
+              </a:buClr>
+              <a:buSzPct val="45000"/>
+              <a:buFont typeface="Wingdings" charset="2"/>
+              <a:buChar char=""/>
+            </a:pPr>
+            <a:r>
+              <a:rPr b="0" lang="en-US" sz="1200" spc="-1" strike="noStrike">
+                <a:solidFill>
+                  <a:srgbClr val="000000"/>
+                </a:solidFill>
+                <a:uFill>
+                  <a:solidFill>
+                    <a:srgbClr val="ffffff"/>
+                  </a:solidFill>
+                </a:uFill>
+                <a:latin typeface="Arial"/>
+                <a:ea typeface="DejaVu Sans"/>
+              </a:rPr>
+              <a:t>Disk I/O</a:t>
+            </a:r>
+            <a:endParaRPr b="0" lang="en-US" sz="1200" spc="-1" strike="noStrike">
+              <a:solidFill>
+                <a:srgbClr val="000000"/>
+              </a:solidFill>
+              <a:uFill>
+                <a:solidFill>
+                  <a:srgbClr val="ffffff"/>
+                </a:solidFill>
+              </a:uFill>
+              <a:latin typeface="Arial"/>
+            </a:endParaRPr>
+          </a:p>
+          <a:p>
+            <a:pPr marL="457200" indent="-215640">
+              <a:lnSpc>
+                <a:spcPct val="115000"/>
+              </a:lnSpc>
+              <a:buClr>
+                <a:srgbClr val="000000"/>
+              </a:buClr>
+              <a:buSzPct val="45000"/>
+              <a:buFont typeface="Wingdings" charset="2"/>
+              <a:buChar char=""/>
+            </a:pPr>
+            <a:r>
+              <a:rPr b="0" lang="en-US" sz="1200" spc="-1" strike="noStrike">
+                <a:solidFill>
+                  <a:srgbClr val="000000"/>
+                </a:solidFill>
+                <a:uFill>
+                  <a:solidFill>
+                    <a:srgbClr val="ffffff"/>
+                  </a:solidFill>
+                </a:uFill>
+                <a:latin typeface="Arial"/>
+                <a:ea typeface="DejaVu Sans"/>
+              </a:rPr>
+              <a:t>Disk Usage</a:t>
+            </a:r>
+            <a:endParaRPr b="0" lang="en-US" sz="1200" spc="-1" strike="noStrike">
+              <a:solidFill>
+                <a:srgbClr val="000000"/>
+              </a:solidFill>
+              <a:uFill>
+                <a:solidFill>
+                  <a:srgbClr val="ffffff"/>
+                </a:solidFill>
+              </a:uFill>
+              <a:latin typeface="Arial"/>
+            </a:endParaRPr>
+          </a:p>
+          <a:p>
+            <a:pPr marL="457200" indent="-215640">
+              <a:lnSpc>
+                <a:spcPct val="115000"/>
+              </a:lnSpc>
+              <a:buClr>
+                <a:srgbClr val="000000"/>
+              </a:buClr>
+              <a:buSzPct val="45000"/>
+              <a:buFont typeface="Wingdings" charset="2"/>
+              <a:buChar char=""/>
+            </a:pPr>
+            <a:r>
+              <a:rPr b="0" lang="en-US" sz="1200" spc="-1" strike="noStrike">
+                <a:solidFill>
+                  <a:srgbClr val="000000"/>
+                </a:solidFill>
+                <a:uFill>
+                  <a:solidFill>
+                    <a:srgbClr val="ffffff"/>
+                  </a:solidFill>
+                </a:uFill>
+                <a:latin typeface="Arial"/>
+                <a:ea typeface="DejaVu Sans"/>
+              </a:rPr>
+              <a:t>Network Received</a:t>
+            </a:r>
+            <a:endParaRPr b="0" lang="en-US" sz="1200" spc="-1" strike="noStrike">
+              <a:solidFill>
+                <a:srgbClr val="000000"/>
+              </a:solidFill>
+              <a:uFill>
+                <a:solidFill>
+                  <a:srgbClr val="ffffff"/>
+                </a:solidFill>
+              </a:uFill>
+              <a:latin typeface="Arial"/>
+            </a:endParaRPr>
+          </a:p>
+          <a:p>
+            <a:pPr marL="457200" indent="-215640">
+              <a:lnSpc>
+                <a:spcPct val="115000"/>
+              </a:lnSpc>
+              <a:buClr>
+                <a:srgbClr val="000000"/>
+              </a:buClr>
+              <a:buSzPct val="45000"/>
+              <a:buFont typeface="Wingdings" charset="2"/>
+              <a:buChar char=""/>
+            </a:pPr>
+            <a:r>
+              <a:rPr b="0" lang="en-US" sz="1200" spc="-1" strike="noStrike">
+                <a:solidFill>
+                  <a:srgbClr val="000000"/>
+                </a:solidFill>
+                <a:uFill>
+                  <a:solidFill>
+                    <a:srgbClr val="ffffff"/>
+                  </a:solidFill>
+                </a:uFill>
+                <a:latin typeface="Arial"/>
+                <a:ea typeface="DejaVu Sans"/>
+              </a:rPr>
+              <a:t>Network Transmitted</a:t>
+            </a:r>
+            <a:endParaRPr b="0" lang="en-US" sz="1200" spc="-1" strike="noStrike">
+              <a:solidFill>
+                <a:srgbClr val="000000"/>
+              </a:solidFill>
+              <a:uFill>
+                <a:solidFill>
+                  <a:srgbClr val="ffffff"/>
+                </a:solidFill>
+              </a:uFill>
+              <a:latin typeface="Arial"/>
+            </a:endParaRPr>
+          </a:p>
+          <a:p>
+            <a:pPr>
+              <a:lnSpc>
+                <a:spcPct val="115000"/>
+              </a:lnSpc>
+            </a:pPr>
+            <a:endParaRPr b="0" lang="en-US" sz="1200" spc="-1" strike="noStrike">
+              <a:solidFill>
+                <a:srgbClr val="000000"/>
+              </a:solidFill>
+              <a:uFill>
+                <a:solidFill>
+                  <a:srgbClr val="ffffff"/>
+                </a:solidFill>
+              </a:uFill>
+              <a:latin typeface="Arial"/>
+            </a:endParaRPr>
+          </a:p>
+          <a:p>
+            <a:pPr>
+              <a:lnSpc>
+                <a:spcPct val="115000"/>
+              </a:lnSpc>
+            </a:pPr>
+            <a:r>
+              <a:rPr b="0" lang="en-US" sz="1400" spc="-1" strike="noStrike">
+                <a:solidFill>
+                  <a:srgbClr val="050505"/>
+                </a:solidFill>
+                <a:uFill>
+                  <a:solidFill>
+                    <a:srgbClr val="ffffff"/>
+                  </a:solidFill>
+                </a:uFill>
+                <a:latin typeface="Arial"/>
+                <a:ea typeface="DejaVu Sans"/>
+              </a:rPr>
+              <a:t>Monitoring tools used are prometheus and node_exporter  </a:t>
+            </a:r>
+            <a:endParaRPr b="0" lang="en-US" sz="1400" spc="-1" strike="noStrike">
+              <a:solidFill>
+                <a:srgbClr val="000000"/>
+              </a:solidFill>
+              <a:uFill>
+                <a:solidFill>
+                  <a:srgbClr val="ffffff"/>
+                </a:solidFill>
+              </a:uFill>
+              <a:latin typeface="Arial"/>
+            </a:endParaRPr>
+          </a:p>
+          <a:p>
+            <a:pPr>
+              <a:lnSpc>
+                <a:spcPct val="115000"/>
+              </a:lnSpc>
+            </a:pPr>
+            <a:endParaRPr b="0" lang="en-US" sz="1400" spc="-1" strike="noStrike">
+              <a:solidFill>
+                <a:srgbClr val="000000"/>
+              </a:solidFill>
+              <a:uFill>
+                <a:solidFill>
+                  <a:srgbClr val="ffffff"/>
+                </a:solidFill>
+              </a:uFill>
+              <a:latin typeface="Arial"/>
+            </a:endParaRPr>
+          </a:p>
+          <a:p>
+            <a:pPr>
+              <a:lnSpc>
+                <a:spcPct val="115000"/>
+              </a:lnSpc>
+            </a:pPr>
+            <a:r>
+              <a:rPr b="0" lang="en-US" sz="1400" spc="-1" strike="noStrike">
+                <a:solidFill>
+                  <a:srgbClr val="050505"/>
+                </a:solidFill>
+                <a:uFill>
+                  <a:solidFill>
+                    <a:srgbClr val="ffffff"/>
+                  </a:solidFill>
+                </a:uFill>
+                <a:latin typeface="Arial"/>
+                <a:ea typeface="DejaVu Sans"/>
+              </a:rPr>
+              <a:t>Visual dashboards are created using Grafana</a:t>
+            </a:r>
+            <a:endParaRPr b="0" lang="en-US" sz="1400" spc="-1" strike="noStrike">
+              <a:solidFill>
+                <a:srgbClr val="000000"/>
+              </a:solidFill>
+              <a:uFill>
+                <a:solidFill>
+                  <a:srgbClr val="ffffff"/>
+                </a:solidFill>
+              </a:uFill>
+              <a:latin typeface="Arial"/>
+            </a:endParaRPr>
+          </a:p>
+          <a:p>
+            <a:pPr>
+              <a:lnSpc>
+                <a:spcPct val="115000"/>
+              </a:lnSpc>
+            </a:pPr>
+            <a:endParaRPr b="0" lang="en-US" sz="1400" spc="-1" strike="noStrike">
+              <a:solidFill>
+                <a:srgbClr val="000000"/>
+              </a:solidFill>
+              <a:uFill>
+                <a:solidFill>
+                  <a:srgbClr val="ffffff"/>
+                </a:solidFill>
+              </a:uFill>
+              <a:latin typeface="Arial"/>
+            </a:endParaRPr>
+          </a:p>
+          <a:p>
+            <a:pPr>
+              <a:lnSpc>
+                <a:spcPct val="115000"/>
+              </a:lnSpc>
+            </a:pPr>
+            <a:r>
+              <a:rPr b="0" lang="en-US" sz="1400" spc="-1" strike="noStrike">
+                <a:solidFill>
+                  <a:srgbClr val="050505"/>
+                </a:solidFill>
+                <a:uFill>
+                  <a:solidFill>
+                    <a:srgbClr val="ffffff"/>
+                  </a:solidFill>
+                </a:uFill>
+                <a:latin typeface="Arial"/>
+                <a:ea typeface="DejaVu Sans"/>
+              </a:rPr>
+              <a:t>E-mail sent to support personnel when </a:t>
+            </a:r>
+            <a:endParaRPr b="0" lang="en-US" sz="1400" spc="-1" strike="noStrike">
+              <a:solidFill>
+                <a:srgbClr val="000000"/>
+              </a:solidFill>
+              <a:uFill>
+                <a:solidFill>
+                  <a:srgbClr val="ffffff"/>
+                </a:solidFill>
+              </a:uFill>
+              <a:latin typeface="Arial"/>
+            </a:endParaRPr>
+          </a:p>
+          <a:p>
+            <a:pPr>
+              <a:lnSpc>
+                <a:spcPct val="115000"/>
+              </a:lnSpc>
+            </a:pPr>
+            <a:endParaRPr b="0" lang="en-US" sz="1400" spc="-1" strike="noStrike">
+              <a:solidFill>
+                <a:srgbClr val="000000"/>
+              </a:solidFill>
+              <a:uFill>
+                <a:solidFill>
+                  <a:srgbClr val="ffffff"/>
+                </a:solidFill>
+              </a:uFill>
+              <a:latin typeface="Arial"/>
+            </a:endParaRPr>
+          </a:p>
+          <a:p>
+            <a:pPr>
+              <a:lnSpc>
+                <a:spcPct val="115000"/>
+              </a:lnSpc>
+            </a:pPr>
+            <a:endParaRPr b="0" lang="en-US" sz="1400" spc="-1" strike="noStrike">
+              <a:solidFill>
+                <a:srgbClr val="000000"/>
+              </a:solidFill>
+              <a:uFill>
+                <a:solidFill>
+                  <a:srgbClr val="ffffff"/>
+                </a:solidFill>
+              </a:uFill>
+              <a:latin typeface="Arial"/>
+            </a:endParaRPr>
+          </a:p>
+        </p:txBody>
+      </p:sp>
+      <p:sp>
+        <p:nvSpPr>
+          <p:cNvPr id="119" name="CustomShape 3"/>
+          <p:cNvSpPr/>
+          <p:nvPr/>
+        </p:nvSpPr>
+        <p:spPr>
+          <a:xfrm>
+            <a:off x="2103120" y="3679560"/>
+            <a:ext cx="4660200" cy="367920"/>
+          </a:xfrm>
+          <a:prstGeom prst="rect">
+            <a:avLst/>
+          </a:prstGeom>
+          <a:noFill/>
+          <a:ln>
+            <a:noFill/>
+          </a:ln>
+        </p:spPr>
+        <p:style>
+          <a:lnRef idx="0"/>
+          <a:fillRef idx="0"/>
+          <a:effectRef idx="0"/>
+          <a:fontRef idx="minor"/>
+        </p:style>
       </p:sp>
     </p:spTree>
   </p:cSld>
@@ -4671,14 +5282,304 @@
       </p:grpSpPr>
       <p:sp>
         <p:nvSpPr>
-          <p:cNvPr id="119" name="TextShape 1"/>
+          <p:cNvPr id="120" name="CustomShape 1"/>
+          <p:cNvSpPr/>
+          <p:nvPr/>
+        </p:nvSpPr>
+        <p:spPr>
+          <a:xfrm>
+            <a:off x="3108960" y="1828800"/>
+            <a:ext cx="4572000" cy="1645920"/>
+          </a:xfrm>
+          <a:prstGeom prst="rect">
+            <a:avLst/>
+          </a:prstGeom>
+          <a:noFill/>
+          <a:ln>
+            <a:noFill/>
+          </a:ln>
+        </p:spPr>
+        <p:style>
+          <a:lnRef idx="0"/>
+          <a:fillRef idx="0"/>
+          <a:effectRef idx="0"/>
+          <a:fontRef idx="minor"/>
+        </p:style>
+        <p:txBody>
+          <a:bodyPr lIns="90000" rIns="90000" tIns="45000" bIns="45000"/>
+          <a:p>
+            <a:r>
+              <a:rPr b="1" lang="en-US" sz="1800" spc="-1" strike="noStrike">
+                <a:solidFill>
+                  <a:srgbClr val="000000"/>
+                </a:solidFill>
+                <a:uFill>
+                  <a:solidFill>
+                    <a:srgbClr val="ffffff"/>
+                  </a:solidFill>
+                </a:uFill>
+                <a:latin typeface="Arial"/>
+              </a:rPr>
+              <a:t>DEMONSTRATION VIDEO</a:t>
+            </a:r>
+            <a:endParaRPr b="0" lang="en-US" sz="1800" spc="-1" strike="noStrike">
+              <a:solidFill>
+                <a:srgbClr val="000000"/>
+              </a:solidFill>
+              <a:uFill>
+                <a:solidFill>
+                  <a:srgbClr val="ffffff"/>
+                </a:solidFill>
+              </a:uFill>
+              <a:latin typeface="Arial"/>
+            </a:endParaRPr>
+          </a:p>
+          <a:p>
+            <a:endParaRPr b="0" lang="en-US" sz="1800" spc="-1" strike="noStrike">
+              <a:solidFill>
+                <a:srgbClr val="000000"/>
+              </a:solidFill>
+              <a:uFill>
+                <a:solidFill>
+                  <a:srgbClr val="ffffff"/>
+                </a:solidFill>
+              </a:uFill>
+              <a:latin typeface="Arial"/>
+            </a:endParaRPr>
+          </a:p>
+          <a:p>
+            <a:pPr marL="216000" indent="-216000">
+              <a:buClr>
+                <a:srgbClr val="000000"/>
+              </a:buClr>
+              <a:buFont typeface="Wingdings" charset="2"/>
+              <a:buChar char=""/>
+            </a:pPr>
+            <a:r>
+              <a:rPr b="0" lang="en-US" sz="1800" spc="-1" strike="noStrike">
+                <a:solidFill>
+                  <a:srgbClr val="000000"/>
+                </a:solidFill>
+                <a:uFill>
+                  <a:solidFill>
+                    <a:srgbClr val="ffffff"/>
+                  </a:solidFill>
+                </a:uFill>
+                <a:latin typeface="Arial"/>
+              </a:rPr>
+              <a:t>Automation using Ansible</a:t>
+            </a:r>
+            <a:endParaRPr b="0" lang="en-US" sz="1800" spc="-1" strike="noStrike">
+              <a:solidFill>
+                <a:srgbClr val="000000"/>
+              </a:solidFill>
+              <a:uFill>
+                <a:solidFill>
+                  <a:srgbClr val="ffffff"/>
+                </a:solidFill>
+              </a:uFill>
+              <a:latin typeface="Arial"/>
+            </a:endParaRPr>
+          </a:p>
+          <a:p>
+            <a:pPr marL="216000" indent="-216000">
+              <a:buClr>
+                <a:srgbClr val="000000"/>
+              </a:buClr>
+              <a:buFont typeface="Wingdings" charset="2"/>
+              <a:buChar char=""/>
+            </a:pPr>
+            <a:r>
+              <a:rPr b="0" lang="en-US" sz="1800" spc="-1" strike="noStrike">
+                <a:solidFill>
+                  <a:srgbClr val="000000"/>
+                </a:solidFill>
+                <a:uFill>
+                  <a:solidFill>
+                    <a:srgbClr val="ffffff"/>
+                  </a:solidFill>
+                </a:uFill>
+                <a:latin typeface="Arial"/>
+              </a:rPr>
+              <a:t>Monitoring with Prometheus</a:t>
+            </a:r>
+            <a:endParaRPr b="0" lang="en-US" sz="1800" spc="-1" strike="noStrike">
+              <a:solidFill>
+                <a:srgbClr val="000000"/>
+              </a:solidFill>
+              <a:uFill>
+                <a:solidFill>
+                  <a:srgbClr val="ffffff"/>
+                </a:solidFill>
+              </a:uFill>
+              <a:latin typeface="Arial"/>
+            </a:endParaRPr>
+          </a:p>
+          <a:p>
+            <a:pPr marL="216000" indent="-216000">
+              <a:buClr>
+                <a:srgbClr val="000000"/>
+              </a:buClr>
+              <a:buFont typeface="Wingdings" charset="2"/>
+              <a:buChar char=""/>
+            </a:pPr>
+            <a:r>
+              <a:rPr b="0" lang="en-US" sz="1800" spc="-1" strike="noStrike">
+                <a:solidFill>
+                  <a:srgbClr val="000000"/>
+                </a:solidFill>
+                <a:uFill>
+                  <a:solidFill>
+                    <a:srgbClr val="ffffff"/>
+                  </a:solidFill>
+                </a:uFill>
+                <a:latin typeface="Arial"/>
+              </a:rPr>
+              <a:t>Visualization and Alerting with Grafana</a:t>
+            </a:r>
+            <a:endParaRPr b="0" lang="en-US" sz="1800" spc="-1" strike="noStrike">
+              <a:solidFill>
+                <a:srgbClr val="000000"/>
+              </a:solidFill>
+              <a:uFill>
+                <a:solidFill>
+                  <a:srgbClr val="ffffff"/>
+                </a:solidFill>
+              </a:uFill>
+              <a:latin typeface="Arial"/>
+            </a:endParaRPr>
+          </a:p>
+        </p:txBody>
+      </p:sp>
+    </p:spTree>
+  </p:cSld>
+  <p:timing>
+    <p:tnLst>
+      <p:par>
+        <p:cTn id="21" dur="indefinite" restart="never" nodeType="tmRoot">
+          <p:childTnLst>
+            <p:seq>
+              <p:cTn id="22" nodeType="mainSeq"/>
+              <p:prevCondLst>
+                <p:cond delay="0" evt="onPrev">
+                  <p:tgtEl>
+                    <p:sldTgt/>
+                  </p:tgtEl>
+                </p:cond>
+              </p:prevCondLst>
+              <p:nextCondLst>
+                <p:cond delay="0" evt="onNext">
+                  <p:tgtEl>
+                    <p:sldTgt/>
+                  </p:tgtEl>
+                </p:cond>
+              </p:nextCondLst>
+            </p:seq>
+          </p:childTnLst>
+        </p:cTn>
+      </p:par>
+    </p:tnLst>
+  </p:timing>
+</p:sld>
+</file>
+
+<file path=ppt/slides/slide12.xml><?xml version="1.0" encoding="utf-8"?>
+<p:sld xmlns:a="http://schemas.openxmlformats.org/drawingml/2006/main" xmlns:p="http://schemas.openxmlformats.org/presentationml/2006/main" xmlns:r="http://schemas.openxmlformats.org/officeDocument/2006/relationships" xmlns:p14="http://schemas.microsoft.com/office/powerpoint/2010/main" xmlns:p15="http://schemas.microsoft.com/office/powerpoint/2012/main" xmlns:mc="http://schemas.openxmlformats.org/markup-compatibility/2006">
+  <p:cSld>
+    <p:spTree>
+      <p:nvGrpSpPr>
+        <p:cNvPr id="1" name=""/>
+        <p:cNvGrpSpPr/>
+        <p:nvPr/>
+      </p:nvGrpSpPr>
+      <p:grpSpPr>
+        <a:xfrm>
+          <a:off x="0" y="0"/>
+          <a:ext cx="0" cy="0"/>
+          <a:chOff x="0" y="0"/>
+          <a:chExt cx="0" cy="0"/>
+        </a:xfrm>
+      </p:grpSpPr>
+      <p:sp>
+        <p:nvSpPr>
+          <p:cNvPr id="121" name="CustomShape 1"/>
+          <p:cNvSpPr/>
+          <p:nvPr/>
+        </p:nvSpPr>
+        <p:spPr>
+          <a:xfrm>
+            <a:off x="678600" y="253080"/>
+            <a:ext cx="8095680" cy="931680"/>
+          </a:xfrm>
+          <a:prstGeom prst="rect">
+            <a:avLst/>
+          </a:prstGeom>
+          <a:noFill/>
+          <a:ln>
+            <a:noFill/>
+          </a:ln>
+        </p:spPr>
+        <p:style>
+          <a:lnRef idx="0"/>
+          <a:fillRef idx="0"/>
+          <a:effectRef idx="0"/>
+          <a:fontRef idx="minor"/>
+        </p:style>
+        <p:txBody>
+          <a:bodyPr lIns="0" rIns="0" tIns="0" bIns="0" anchor="ctr">
+            <a:normAutofit/>
+          </a:bodyPr>
+          <a:p>
+            <a:pPr lvl="2" marL="648000" indent="-211680" algn="ctr">
+              <a:lnSpc>
+                <a:spcPct val="100000"/>
+              </a:lnSpc>
+              <a:buClr>
+                <a:srgbClr val="000000"/>
+              </a:buClr>
+              <a:buSzPct val="45000"/>
+              <a:buFont typeface="Wingdings" charset="2"/>
+              <a:buChar char=""/>
+            </a:pPr>
+            <a:r>
+              <a:rPr b="0" lang="en-US" sz="2600" spc="-1" strike="noStrike">
+                <a:solidFill>
+                  <a:srgbClr val="050505"/>
+                </a:solidFill>
+                <a:uFill>
+                  <a:solidFill>
+                    <a:srgbClr val="ffffff"/>
+                  </a:solidFill>
+                </a:uFill>
+                <a:latin typeface="Times New Roman"/>
+                <a:ea typeface="DejaVu Sans"/>
+              </a:rPr>
+              <a:t>SCOPE FOR FUTURE WORK</a:t>
+            </a:r>
+            <a:endParaRPr b="0" lang="en-US" sz="2600" spc="-1" strike="noStrike">
+              <a:solidFill>
+                <a:srgbClr val="000000"/>
+              </a:solidFill>
+              <a:uFill>
+                <a:solidFill>
+                  <a:srgbClr val="ffffff"/>
+                </a:solidFill>
+              </a:uFill>
+              <a:latin typeface="Arial"/>
+            </a:endParaRPr>
+          </a:p>
+        </p:txBody>
+      </p:sp>
+      <p:sp>
+        <p:nvSpPr>
+          <p:cNvPr id="122" name="TextShape 2"/>
           <p:cNvSpPr txBox="1"/>
           <p:nvPr/>
         </p:nvSpPr>
         <p:spPr>
           <a:xfrm>
-            <a:off x="4023360" y="1463040"/>
-            <a:ext cx="3383280" cy="457200"/>
+            <a:off x="2103120" y="1097280"/>
+            <a:ext cx="6858000" cy="4469040"/>
           </a:xfrm>
           <a:prstGeom prst="rect">
             <a:avLst/>
@@ -4691,21 +5592,218 @@
         <p:txBody>
           <a:bodyPr lIns="90000" rIns="90000" tIns="45000" bIns="45000"/>
           <a:p>
-            <a:r>
-              <a:rPr b="0" lang="en-US" sz="1800" spc="-1" strike="noStrike">
-                <a:solidFill>
-                  <a:srgbClr val="000000"/>
-                </a:solidFill>
-                <a:uFill>
-                  <a:solidFill>
-                    <a:srgbClr val="ffffff"/>
-                  </a:solidFill>
-                </a:uFill>
-                <a:latin typeface="Arial"/>
-              </a:rPr>
-              <a:t>THANK YOU...</a:t>
-            </a:r>
-            <a:endParaRPr b="0" lang="en-US" sz="1800" spc="-1" strike="noStrike">
+            <a:pPr marL="216000" indent="-216000">
+              <a:lnSpc>
+                <a:spcPct val="115000"/>
+              </a:lnSpc>
+              <a:buClr>
+                <a:srgbClr val="000000"/>
+              </a:buClr>
+              <a:buSzPct val="45000"/>
+              <a:buFont typeface="Wingdings" charset="2"/>
+              <a:buChar char=""/>
+            </a:pPr>
+            <a:r>
+              <a:rPr b="0" lang="en-US" sz="1600" spc="-1" strike="noStrike">
+                <a:solidFill>
+                  <a:srgbClr val="000000"/>
+                </a:solidFill>
+                <a:uFill>
+                  <a:solidFill>
+                    <a:srgbClr val="ffffff"/>
+                  </a:solidFill>
+                </a:uFill>
+                <a:latin typeface="Arial"/>
+              </a:rPr>
+              <a:t>The study can help students in the future to make extensive study about the fundamental nature of TCP communication between client and server. </a:t>
+            </a:r>
+            <a:endParaRPr b="0" lang="en-US" sz="1600" spc="-1" strike="noStrike">
+              <a:solidFill>
+                <a:srgbClr val="000000"/>
+              </a:solidFill>
+              <a:uFill>
+                <a:solidFill>
+                  <a:srgbClr val="ffffff"/>
+                </a:solidFill>
+              </a:uFill>
+              <a:latin typeface="Arial"/>
+            </a:endParaRPr>
+          </a:p>
+          <a:p>
+            <a:pPr marL="216000" indent="-216000">
+              <a:lnSpc>
+                <a:spcPct val="115000"/>
+              </a:lnSpc>
+              <a:buClr>
+                <a:srgbClr val="000000"/>
+              </a:buClr>
+              <a:buSzPct val="45000"/>
+              <a:buFont typeface="Wingdings" charset="2"/>
+              <a:buChar char=""/>
+            </a:pPr>
+            <a:endParaRPr b="0" lang="en-US" sz="1600" spc="-1" strike="noStrike">
+              <a:solidFill>
+                <a:srgbClr val="000000"/>
+              </a:solidFill>
+              <a:uFill>
+                <a:solidFill>
+                  <a:srgbClr val="ffffff"/>
+                </a:solidFill>
+              </a:uFill>
+              <a:latin typeface="Arial"/>
+            </a:endParaRPr>
+          </a:p>
+          <a:p>
+            <a:pPr marL="216000" indent="-216000">
+              <a:lnSpc>
+                <a:spcPct val="115000"/>
+              </a:lnSpc>
+              <a:buClr>
+                <a:srgbClr val="000000"/>
+              </a:buClr>
+              <a:buSzPct val="45000"/>
+              <a:buFont typeface="Wingdings" charset="2"/>
+              <a:buChar char=""/>
+            </a:pPr>
+            <a:r>
+              <a:rPr b="0" lang="en-US" sz="1600" spc="-1" strike="noStrike">
+                <a:solidFill>
+                  <a:srgbClr val="000000"/>
+                </a:solidFill>
+                <a:uFill>
+                  <a:solidFill>
+                    <a:srgbClr val="ffffff"/>
+                  </a:solidFill>
+                </a:uFill>
+                <a:latin typeface="Arial"/>
+              </a:rPr>
+              <a:t>Create additional custom metrics for analysing the server behaviour and performance. For example response times to the client requests, number of clients connected to the server can be added to the future scope of the project. </a:t>
+            </a:r>
+            <a:endParaRPr b="0" lang="en-US" sz="1600" spc="-1" strike="noStrike">
+              <a:solidFill>
+                <a:srgbClr val="000000"/>
+              </a:solidFill>
+              <a:uFill>
+                <a:solidFill>
+                  <a:srgbClr val="ffffff"/>
+                </a:solidFill>
+              </a:uFill>
+              <a:latin typeface="Arial"/>
+            </a:endParaRPr>
+          </a:p>
+          <a:p>
+            <a:pPr marL="216000" indent="-216000">
+              <a:lnSpc>
+                <a:spcPct val="115000"/>
+              </a:lnSpc>
+              <a:buClr>
+                <a:srgbClr val="000000"/>
+              </a:buClr>
+              <a:buSzPct val="45000"/>
+              <a:buFont typeface="Wingdings" charset="2"/>
+              <a:buChar char=""/>
+            </a:pPr>
+            <a:endParaRPr b="0" lang="en-US" sz="1600" spc="-1" strike="noStrike">
+              <a:solidFill>
+                <a:srgbClr val="000000"/>
+              </a:solidFill>
+              <a:uFill>
+                <a:solidFill>
+                  <a:srgbClr val="ffffff"/>
+                </a:solidFill>
+              </a:uFill>
+              <a:latin typeface="Arial"/>
+            </a:endParaRPr>
+          </a:p>
+          <a:p>
+            <a:pPr marL="216000" indent="-216000">
+              <a:lnSpc>
+                <a:spcPct val="115000"/>
+              </a:lnSpc>
+              <a:buClr>
+                <a:srgbClr val="000000"/>
+              </a:buClr>
+              <a:buSzPct val="45000"/>
+              <a:buFont typeface="Wingdings" charset="2"/>
+              <a:buChar char=""/>
+            </a:pPr>
+            <a:r>
+              <a:rPr b="0" lang="en-US" sz="1600" spc="-1" strike="noStrike">
+                <a:solidFill>
+                  <a:srgbClr val="000000"/>
+                </a:solidFill>
+                <a:uFill>
+                  <a:solidFill>
+                    <a:srgbClr val="ffffff"/>
+                  </a:solidFill>
+                </a:uFill>
+                <a:latin typeface="Arial"/>
+              </a:rPr>
+              <a:t>The study can replace TCP Echo Server with any other server like webservers, app servers or db servers by changing a single DockerFile configuration to address the problem of Site Reliability on those servers. </a:t>
+            </a:r>
+            <a:endParaRPr b="0" lang="en-US" sz="1600" spc="-1" strike="noStrike">
+              <a:solidFill>
+                <a:srgbClr val="000000"/>
+              </a:solidFill>
+              <a:uFill>
+                <a:solidFill>
+                  <a:srgbClr val="ffffff"/>
+                </a:solidFill>
+              </a:uFill>
+              <a:latin typeface="Arial"/>
+            </a:endParaRPr>
+          </a:p>
+          <a:p>
+            <a:pPr marL="216000" indent="-216000">
+              <a:lnSpc>
+                <a:spcPct val="115000"/>
+              </a:lnSpc>
+              <a:buClr>
+                <a:srgbClr val="000000"/>
+              </a:buClr>
+              <a:buSzPct val="45000"/>
+              <a:buFont typeface="Wingdings" charset="2"/>
+              <a:buChar char=""/>
+            </a:pPr>
+            <a:endParaRPr b="0" lang="en-US" sz="1600" spc="-1" strike="noStrike">
+              <a:solidFill>
+                <a:srgbClr val="000000"/>
+              </a:solidFill>
+              <a:uFill>
+                <a:solidFill>
+                  <a:srgbClr val="ffffff"/>
+                </a:solidFill>
+              </a:uFill>
+              <a:latin typeface="Arial"/>
+            </a:endParaRPr>
+          </a:p>
+          <a:p>
+            <a:pPr marL="216000" indent="-216000">
+              <a:lnSpc>
+                <a:spcPct val="115000"/>
+              </a:lnSpc>
+              <a:buClr>
+                <a:srgbClr val="000000"/>
+              </a:buClr>
+              <a:buSzPct val="45000"/>
+              <a:buFont typeface="Wingdings" charset="2"/>
+              <a:buChar char=""/>
+            </a:pPr>
+            <a:r>
+              <a:rPr b="0" lang="en-US" sz="1600" spc="-1" strike="noStrike">
+                <a:solidFill>
+                  <a:srgbClr val="000000"/>
+                </a:solidFill>
+                <a:uFill>
+                  <a:solidFill>
+                    <a:srgbClr val="ffffff"/>
+                  </a:solidFill>
+                </a:uFill>
+                <a:latin typeface="Arial"/>
+              </a:rPr>
+              <a:t>RHEL pre-built OS image can be replaced with free Linux OS like centos or ubuntu, so that entire project can be made available in a public repository.</a:t>
+            </a:r>
+            <a:endParaRPr b="0" lang="en-US" sz="1600" spc="-1" strike="noStrike">
               <a:solidFill>
                 <a:srgbClr val="000000"/>
               </a:solidFill>
@@ -4724,10 +5822,115 @@
   <p:timing>
     <p:tnLst>
       <p:par>
-        <p:cTn id="21" dur="indefinite" restart="never" nodeType="tmRoot">
+        <p:cTn id="23" dur="indefinite" restart="never" nodeType="tmRoot">
           <p:childTnLst>
             <p:seq>
-              <p:cTn id="22" nodeType="mainSeq"/>
+              <p:cTn id="24" nodeType="mainSeq"/>
+              <p:prevCondLst>
+                <p:cond delay="0" evt="onPrev">
+                  <p:tgtEl>
+                    <p:sldTgt/>
+                  </p:tgtEl>
+                </p:cond>
+              </p:prevCondLst>
+              <p:nextCondLst>
+                <p:cond delay="0" evt="onNext">
+                  <p:tgtEl>
+                    <p:sldTgt/>
+                  </p:tgtEl>
+                </p:cond>
+              </p:nextCondLst>
+            </p:seq>
+          </p:childTnLst>
+        </p:cTn>
+      </p:par>
+    </p:tnLst>
+  </p:timing>
+</p:sld>
+</file>
+
+<file path=ppt/slides/slide13.xml><?xml version="1.0" encoding="utf-8"?>
+<p:sld xmlns:a="http://schemas.openxmlformats.org/drawingml/2006/main" xmlns:p="http://schemas.openxmlformats.org/presentationml/2006/main" xmlns:r="http://schemas.openxmlformats.org/officeDocument/2006/relationships" xmlns:p14="http://schemas.microsoft.com/office/powerpoint/2010/main" xmlns:p15="http://schemas.microsoft.com/office/powerpoint/2012/main" xmlns:mc="http://schemas.openxmlformats.org/markup-compatibility/2006">
+  <p:cSld>
+    <p:spTree>
+      <p:nvGrpSpPr>
+        <p:cNvPr id="1" name=""/>
+        <p:cNvGrpSpPr/>
+        <p:nvPr/>
+      </p:nvGrpSpPr>
+      <p:grpSpPr>
+        <a:xfrm>
+          <a:off x="0" y="0"/>
+          <a:ext cx="0" cy="0"/>
+          <a:chOff x="0" y="0"/>
+          <a:chExt cx="0" cy="0"/>
+        </a:xfrm>
+      </p:grpSpPr>
+      <p:sp>
+        <p:nvSpPr>
+          <p:cNvPr id="123" name="CustomShape 1"/>
+          <p:cNvSpPr/>
+          <p:nvPr/>
+        </p:nvSpPr>
+        <p:spPr>
+          <a:xfrm>
+            <a:off x="4023360" y="1463040"/>
+            <a:ext cx="3382920" cy="456840"/>
+          </a:xfrm>
+          <a:prstGeom prst="rect">
+            <a:avLst/>
+          </a:prstGeom>
+          <a:noFill/>
+          <a:ln>
+            <a:noFill/>
+          </a:ln>
+        </p:spPr>
+        <p:style>
+          <a:lnRef idx="0"/>
+          <a:fillRef idx="0"/>
+          <a:effectRef idx="0"/>
+          <a:fontRef idx="minor"/>
+        </p:style>
+        <p:txBody>
+          <a:bodyPr lIns="90000" rIns="90000" tIns="45000" bIns="45000"/>
+          <a:p>
+            <a:r>
+              <a:rPr b="0" lang="en-US" sz="1800" spc="-1" strike="noStrike">
+                <a:solidFill>
+                  <a:srgbClr val="000000"/>
+                </a:solidFill>
+                <a:uFill>
+                  <a:solidFill>
+                    <a:srgbClr val="ffffff"/>
+                  </a:solidFill>
+                </a:uFill>
+                <a:latin typeface="Arial"/>
+              </a:rPr>
+              <a:t>THANK YOU...</a:t>
+            </a:r>
+            <a:endParaRPr b="0" lang="en-US" sz="1800" spc="-1" strike="noStrike">
+              <a:solidFill>
+                <a:srgbClr val="000000"/>
+              </a:solidFill>
+              <a:uFill>
+                <a:solidFill>
+                  <a:srgbClr val="ffffff"/>
+                </a:solidFill>
+              </a:uFill>
+              <a:latin typeface="Arial"/>
+            </a:endParaRPr>
+          </a:p>
+        </p:txBody>
+      </p:sp>
+    </p:spTree>
+  </p:cSld>
+  <p:timing>
+    <p:tnLst>
+      <p:par>
+        <p:cTn id="25" dur="indefinite" restart="never" nodeType="tmRoot">
+          <p:childTnLst>
+            <p:seq>
+              <p:cTn id="26" nodeType="mainSeq"/>
               <p:prevCondLst>
                 <p:cond delay="0" evt="onPrev">
                   <p:tgtEl>
@@ -4770,14 +5973,14 @@
       </p:grpSpPr>
       <p:sp>
         <p:nvSpPr>
-          <p:cNvPr id="79" name="TextShape 1"/>
-          <p:cNvSpPr txBox="1"/>
+          <p:cNvPr id="79" name="CustomShape 1"/>
+          <p:cNvSpPr/>
           <p:nvPr/>
         </p:nvSpPr>
         <p:spPr>
           <a:xfrm>
             <a:off x="2011680" y="640080"/>
-            <a:ext cx="7040880" cy="5076720"/>
+            <a:ext cx="7040520" cy="5076360"/>
           </a:xfrm>
           <a:prstGeom prst="rect">
             <a:avLst/>
@@ -4787,6 +5990,12 @@
             <a:noFill/>
           </a:ln>
         </p:spPr>
+        <p:style>
+          <a:lnRef idx="0"/>
+          <a:fillRef idx="0"/>
+          <a:effectRef idx="0"/>
+          <a:fontRef idx="minor"/>
+        </p:style>
         <p:txBody>
           <a:bodyPr lIns="90000" rIns="90000" tIns="45000" bIns="45000"/>
           <a:p>
@@ -4901,20 +6110,6 @@
               </a:rPr>
               <a:t>: 2019HT66015</a:t>
             </a:r>
-            <a:endParaRPr b="1" lang="en-US" sz="900" spc="-1" strike="noStrike">
-              <a:solidFill>
-                <a:srgbClr val="000000"/>
-              </a:solidFill>
-              <a:uFill>
-                <a:solidFill>
-                  <a:srgbClr val="ffffff"/>
-                </a:solidFill>
-              </a:uFill>
-              <a:latin typeface="Verdana"/>
-              <a:ea typeface="Verdana"/>
-            </a:endParaRPr>
-          </a:p>
-          <a:p>
             <a:endParaRPr b="0" lang="en-US" sz="900" spc="-1" strike="noStrike">
               <a:solidFill>
                 <a:srgbClr val="000000"/>
@@ -4924,8 +6119,20 @@
                   <a:srgbClr val="ffffff"/>
                 </a:solidFill>
               </a:uFill>
-              <a:latin typeface="Verdana"/>
-              <a:ea typeface="Verdana"/>
+              <a:latin typeface="Arial"/>
+            </a:endParaRPr>
+          </a:p>
+          <a:p>
+            <a:endParaRPr b="0" lang="en-US" sz="900" spc="-1" strike="noStrike">
+              <a:solidFill>
+                <a:srgbClr val="000000"/>
+              </a:solidFill>
+              <a:uFill>
+                <a:solidFill>
+                  <a:srgbClr val="ffffff"/>
+                </a:solidFill>
+              </a:uFill>
+              <a:latin typeface="Arial"/>
             </a:endParaRPr>
           </a:p>
           <a:p>
@@ -5015,6 +6222,7 @@
                   </a:solidFill>
                 </a:uFill>
                 <a:latin typeface="Verdana"/>
+                <a:ea typeface="Verdana"/>
               </a:rPr>
               <a:t>BASKAR BALASUBRAMANIAN </a:t>
             </a:r>
@@ -5027,8 +6235,7 @@
                   <a:srgbClr val="ffffff"/>
                 </a:solidFill>
               </a:uFill>
-              <a:latin typeface="Verdana"/>
-              <a:ea typeface="Verdana"/>
+              <a:latin typeface="Arial"/>
             </a:endParaRPr>
           </a:p>
           <a:p>
@@ -5041,8 +6248,7 @@
                   <a:srgbClr val="ffffff"/>
                 </a:solidFill>
               </a:uFill>
-              <a:latin typeface="Verdana"/>
-              <a:ea typeface="Verdana"/>
+              <a:latin typeface="Arial"/>
             </a:endParaRPr>
           </a:p>
           <a:p>
@@ -5132,6 +6338,7 @@
                   </a:solidFill>
                 </a:uFill>
                 <a:latin typeface="Verdana"/>
+                <a:ea typeface="Verdana"/>
               </a:rPr>
               <a:t>2019HT66015@wilp.bits-pilani.ac.in</a:t>
             </a:r>
@@ -5144,8 +6351,7 @@
                   <a:srgbClr val="ffffff"/>
                 </a:solidFill>
               </a:uFill>
-              <a:latin typeface="Verdana"/>
-              <a:ea typeface="Verdana"/>
+              <a:latin typeface="Arial"/>
             </a:endParaRPr>
           </a:p>
           <a:p>
@@ -5158,8 +6364,7 @@
                   <a:srgbClr val="ffffff"/>
                 </a:solidFill>
               </a:uFill>
-              <a:latin typeface="Verdana"/>
-              <a:ea typeface="Verdana"/>
+              <a:latin typeface="Arial"/>
             </a:endParaRPr>
           </a:p>
           <a:p>
@@ -5234,6 +6439,7 @@
                   </a:solidFill>
                 </a:uFill>
                 <a:latin typeface="Verdana"/>
+                <a:ea typeface="Verdana"/>
               </a:rPr>
               <a:t>IBM India</a:t>
             </a:r>
@@ -5246,50 +6452,7 @@
                   <a:srgbClr val="ffffff"/>
                 </a:solidFill>
               </a:uFill>
-              <a:latin typeface="Verdana"/>
-              <a:ea typeface="Verdana"/>
-            </a:endParaRPr>
-          </a:p>
-          <a:p>
-            <a:r>
-              <a:rPr b="1" lang="en-US" sz="900" spc="-1" strike="noStrike">
-                <a:solidFill>
-                  <a:srgbClr val="000000"/>
-                </a:solidFill>
-                <a:uFill>
-                  <a:solidFill>
-                    <a:srgbClr val="ffffff"/>
-                  </a:solidFill>
-                </a:uFill>
-                <a:latin typeface="Verdana"/>
-              </a:rPr>
-              <a:t>ORGANIZATION &amp; LOCATION</a:t>
-            </a:r>
-            <a:endParaRPr b="1" lang="en-US" sz="900" spc="-1" strike="noStrike">
-              <a:solidFill>
-                <a:srgbClr val="000000"/>
-              </a:solidFill>
-              <a:uFill>
-                <a:solidFill>
-                  <a:srgbClr val="ffffff"/>
-                </a:solidFill>
-              </a:uFill>
-              <a:latin typeface="Verdana"/>
-              <a:ea typeface="Verdana"/>
-            </a:endParaRPr>
-          </a:p>
-          <a:p>
-            <a:endParaRPr b="0" lang="en-US" sz="900" spc="-1" strike="noStrike">
-              <a:solidFill>
-                <a:srgbClr val="000000"/>
-              </a:solidFill>
-              <a:uFill>
-                <a:solidFill>
-                  <a:srgbClr val="ffffff"/>
-                </a:solidFill>
-              </a:uFill>
-              <a:latin typeface="Verdana"/>
-              <a:ea typeface="Verdana"/>
+              <a:latin typeface="Arial"/>
             </a:endParaRPr>
           </a:p>
           <a:p>
@@ -5306,8 +6469,34 @@
                 <a:latin typeface="Verdana"/>
                 <a:ea typeface="Verdana"/>
               </a:rPr>
-              <a:t>SUPERVISOR</a:t>
-            </a:r>
+              <a:t>ORGANIZATION &amp; LOCATION</a:t>
+            </a:r>
+            <a:endParaRPr b="0" lang="en-US" sz="900" spc="-1" strike="noStrike">
+              <a:solidFill>
+                <a:srgbClr val="000000"/>
+              </a:solidFill>
+              <a:uFill>
+                <a:solidFill>
+                  <a:srgbClr val="ffffff"/>
+                </a:solidFill>
+              </a:uFill>
+              <a:latin typeface="Arial"/>
+            </a:endParaRPr>
+          </a:p>
+          <a:p>
+            <a:endParaRPr b="0" lang="en-US" sz="900" spc="-1" strike="noStrike">
+              <a:solidFill>
+                <a:srgbClr val="000000"/>
+              </a:solidFill>
+              <a:uFill>
+                <a:solidFill>
+                  <a:srgbClr val="ffffff"/>
+                </a:solidFill>
+              </a:uFill>
+              <a:latin typeface="Arial"/>
+            </a:endParaRPr>
+          </a:p>
+          <a:p>
             <a:r>
               <a:rPr b="1" lang="en-US" sz="900" spc="-1" strike="noStrike">
                 <a:solidFill>
@@ -5321,7 +6510,7 @@
                 <a:latin typeface="Verdana"/>
                 <a:ea typeface="Verdana"/>
               </a:rPr>
-              <a:t>	</a:t>
+              <a:t>SUPERVISOR</a:t>
             </a:r>
             <a:r>
               <a:rPr b="1" lang="en-US" sz="900" spc="-1" strike="noStrike">
@@ -5336,7 +6525,7 @@
                 <a:latin typeface="Verdana"/>
                 <a:ea typeface="Verdana"/>
               </a:rPr>
-              <a:t>        </a:t>
+              <a:t>	</a:t>
             </a:r>
             <a:r>
               <a:rPr b="1" lang="en-US" sz="900" spc="-1" strike="noStrike">
@@ -5351,7 +6540,7 @@
                 <a:latin typeface="Verdana"/>
                 <a:ea typeface="Verdana"/>
               </a:rPr>
-              <a:t>	</a:t>
+              <a:t>        </a:t>
             </a:r>
             <a:r>
               <a:rPr b="1" lang="en-US" sz="900" spc="-1" strike="noStrike">
@@ -5396,50 +6585,8 @@
                 <a:latin typeface="Verdana"/>
                 <a:ea typeface="Verdana"/>
               </a:rPr>
-              <a:t>: </a:t>
-            </a:r>
-            <a:r>
-              <a:rPr b="0" lang="en-US" sz="900" spc="-1" strike="noStrike">
-                <a:solidFill>
-                  <a:srgbClr val="000000"/>
-                </a:solidFill>
-                <a:uFill>
-                  <a:solidFill>
-                    <a:srgbClr val="ffffff"/>
-                  </a:solidFill>
-                </a:uFill>
-                <a:latin typeface="Verdana"/>
-              </a:rPr>
-              <a:t>Swetha J, SAP Technical Architect, IBM</a:t>
-            </a:r>
-            <a:endParaRPr b="0" lang="en-US" sz="900" spc="-1" strike="noStrike">
-              <a:solidFill>
-                <a:srgbClr val="000000"/>
-              </a:solidFill>
-              <a:uFill>
-                <a:solidFill>
-                  <a:srgbClr val="ffffff"/>
-                </a:solidFill>
-              </a:uFill>
-              <a:latin typeface="Verdana"/>
-              <a:ea typeface="Verdana"/>
-            </a:endParaRPr>
-          </a:p>
-          <a:p>
-            <a:endParaRPr b="0" lang="en-US" sz="900" spc="-1" strike="noStrike">
-              <a:solidFill>
-                <a:srgbClr val="000000"/>
-              </a:solidFill>
-              <a:uFill>
-                <a:solidFill>
-                  <a:srgbClr val="ffffff"/>
-                </a:solidFill>
-              </a:uFill>
-              <a:latin typeface="Verdana"/>
-              <a:ea typeface="Verdana"/>
-            </a:endParaRPr>
-          </a:p>
-          <a:p>
+              <a:t>	</a:t>
+            </a:r>
             <a:r>
               <a:rPr b="1" lang="en-US" sz="900" spc="-1" strike="noStrike">
                 <a:solidFill>
@@ -5453,10 +6600,10 @@
                 <a:latin typeface="Verdana"/>
                 <a:ea typeface="Verdana"/>
               </a:rPr>
-              <a:t>SUPERVISOR’S EMPLOYING </a:t>
-            </a:r>
-            <a:r>
-              <a:rPr b="1" lang="en-US" sz="900" spc="-1" strike="noStrike">
+              <a:t>: </a:t>
+            </a:r>
+            <a:r>
+              <a:rPr b="0" lang="en-US" sz="900" spc="-1" strike="noStrike">
                 <a:solidFill>
                   <a:srgbClr val="000000"/>
                 </a:solidFill>
@@ -5468,8 +6615,34 @@
                 <a:latin typeface="Verdana"/>
                 <a:ea typeface="Verdana"/>
               </a:rPr>
-              <a:t>	</a:t>
-            </a:r>
+              <a:t>Swetha J, SAP Technical Architect, IBM</a:t>
+            </a:r>
+            <a:endParaRPr b="0" lang="en-US" sz="900" spc="-1" strike="noStrike">
+              <a:solidFill>
+                <a:srgbClr val="000000"/>
+              </a:solidFill>
+              <a:uFill>
+                <a:solidFill>
+                  <a:srgbClr val="ffffff"/>
+                </a:solidFill>
+              </a:uFill>
+              <a:latin typeface="Arial"/>
+            </a:endParaRPr>
+          </a:p>
+          <a:p>
+            <a:endParaRPr b="0" lang="en-US" sz="900" spc="-1" strike="noStrike">
+              <a:solidFill>
+                <a:srgbClr val="000000"/>
+              </a:solidFill>
+              <a:uFill>
+                <a:solidFill>
+                  <a:srgbClr val="ffffff"/>
+                </a:solidFill>
+              </a:uFill>
+              <a:latin typeface="Arial"/>
+            </a:endParaRPr>
+          </a:p>
+          <a:p>
             <a:r>
               <a:rPr b="1" lang="en-US" sz="900" spc="-1" strike="noStrike">
                 <a:solidFill>
@@ -5483,7 +6656,7 @@
                 <a:latin typeface="Verdana"/>
                 <a:ea typeface="Verdana"/>
               </a:rPr>
-              <a:t>	</a:t>
+              <a:t>SUPERVISOR’S EMPLOYING </a:t>
             </a:r>
             <a:r>
               <a:rPr b="1" lang="en-US" sz="900" spc="-1" strike="noStrike">
@@ -5498,78 +6671,8 @@
                 <a:latin typeface="Verdana"/>
                 <a:ea typeface="Verdana"/>
               </a:rPr>
-              <a:t>: </a:t>
-            </a:r>
-            <a:r>
-              <a:rPr b="0" lang="en-US" sz="900" spc="-1" strike="noStrike">
-                <a:solidFill>
-                  <a:srgbClr val="000000"/>
-                </a:solidFill>
-                <a:uFill>
-                  <a:solidFill>
-                    <a:srgbClr val="ffffff"/>
-                  </a:solidFill>
-                </a:uFill>
-                <a:latin typeface="Verdana"/>
-              </a:rPr>
-              <a:t>IBM India, Chennai</a:t>
-            </a:r>
-            <a:endParaRPr b="0" lang="en-US" sz="900" spc="-1" strike="noStrike">
-              <a:solidFill>
-                <a:srgbClr val="000000"/>
-              </a:solidFill>
-              <a:uFill>
-                <a:solidFill>
-                  <a:srgbClr val="ffffff"/>
-                </a:solidFill>
-              </a:uFill>
-              <a:latin typeface="Verdana"/>
-              <a:ea typeface="Verdana"/>
-            </a:endParaRPr>
-          </a:p>
-          <a:p>
-            <a:r>
-              <a:rPr b="1" lang="en-US" sz="900" spc="-1" strike="noStrike">
-                <a:solidFill>
-                  <a:srgbClr val="000000"/>
-                </a:solidFill>
-                <a:uFill>
-                  <a:solidFill>
-                    <a:srgbClr val="ffffff"/>
-                  </a:solidFill>
-                </a:uFill>
-                <a:latin typeface="Verdana"/>
-              </a:rPr>
-              <a:t>ORGANIZATION &amp; LOCATION</a:t>
-            </a:r>
-            <a:endParaRPr b="1" lang="en-US" sz="900" spc="-1" strike="noStrike">
-              <a:solidFill>
-                <a:srgbClr val="000000"/>
-              </a:solidFill>
-              <a:uFill>
-                <a:solidFill>
-                  <a:srgbClr val="ffffff"/>
-                </a:solidFill>
-              </a:uFill>
-              <a:latin typeface="Verdana"/>
-              <a:ea typeface="Verdana"/>
-            </a:endParaRPr>
-          </a:p>
-          <a:p>
-            <a:endParaRPr b="0" lang="en-US" sz="900" spc="-1" strike="noStrike">
-              <a:solidFill>
-                <a:srgbClr val="000000"/>
-              </a:solidFill>
-              <a:uFill>
-                <a:solidFill>
-                  <a:srgbClr val="ffffff"/>
-                </a:solidFill>
-              </a:uFill>
-              <a:latin typeface="Verdana"/>
-              <a:ea typeface="Verdana"/>
-            </a:endParaRPr>
-          </a:p>
-          <a:p>
+              <a:t>	</a:t>
+            </a:r>
             <a:r>
               <a:rPr b="1" lang="en-US" sz="900" spc="-1" strike="noStrike">
                 <a:solidFill>
@@ -5583,7 +6686,7 @@
                 <a:latin typeface="Verdana"/>
                 <a:ea typeface="Verdana"/>
               </a:rPr>
-              <a:t>SUPERVISOR’S EMAIL </a:t>
+              <a:t>	</a:t>
             </a:r>
             <a:r>
               <a:rPr b="1" lang="en-US" sz="900" spc="-1" strike="noStrike">
@@ -5598,10 +6701,10 @@
                 <a:latin typeface="Verdana"/>
                 <a:ea typeface="Verdana"/>
               </a:rPr>
-              <a:t>	</a:t>
-            </a:r>
-            <a:r>
-              <a:rPr b="1" lang="en-US" sz="900" spc="-1" strike="noStrike">
+              <a:t>: </a:t>
+            </a:r>
+            <a:r>
+              <a:rPr b="0" lang="en-US" sz="900" spc="-1" strike="noStrike">
                 <a:solidFill>
                   <a:srgbClr val="000000"/>
                 </a:solidFill>
@@ -5613,8 +6716,21 @@
                 <a:latin typeface="Verdana"/>
                 <a:ea typeface="Verdana"/>
               </a:rPr>
-              <a:t> </a:t>
-            </a:r>
+              <a:t>IBM India, Chennai</a:t>
+            </a:r>
+            <a:endParaRPr b="0" lang="en-US" sz="900" spc="-1" strike="noStrike">
+              <a:solidFill>
+                <a:srgbClr val="000000"/>
+              </a:solidFill>
+              <a:uFill>
+                <a:solidFill>
+                  <a:srgbClr val="ffffff"/>
+                </a:solidFill>
+              </a:uFill>
+              <a:latin typeface="Arial"/>
+            </a:endParaRPr>
+          </a:p>
+          <a:p>
             <a:r>
               <a:rPr b="1" lang="en-US" sz="900" spc="-1" strike="noStrike">
                 <a:solidFill>
@@ -5628,8 +6744,34 @@
                 <a:latin typeface="Verdana"/>
                 <a:ea typeface="Verdana"/>
               </a:rPr>
-              <a:t>	</a:t>
-            </a:r>
+              <a:t>ORGANIZATION &amp; LOCATION</a:t>
+            </a:r>
+            <a:endParaRPr b="0" lang="en-US" sz="900" spc="-1" strike="noStrike">
+              <a:solidFill>
+                <a:srgbClr val="000000"/>
+              </a:solidFill>
+              <a:uFill>
+                <a:solidFill>
+                  <a:srgbClr val="ffffff"/>
+                </a:solidFill>
+              </a:uFill>
+              <a:latin typeface="Arial"/>
+            </a:endParaRPr>
+          </a:p>
+          <a:p>
+            <a:endParaRPr b="0" lang="en-US" sz="900" spc="-1" strike="noStrike">
+              <a:solidFill>
+                <a:srgbClr val="000000"/>
+              </a:solidFill>
+              <a:uFill>
+                <a:solidFill>
+                  <a:srgbClr val="ffffff"/>
+                </a:solidFill>
+              </a:uFill>
+              <a:latin typeface="Arial"/>
+            </a:endParaRPr>
+          </a:p>
+          <a:p>
             <a:r>
               <a:rPr b="1" lang="en-US" sz="900" spc="-1" strike="noStrike">
                 <a:solidFill>
@@ -5643,12 +6785,72 @@
                 <a:latin typeface="Verdana"/>
                 <a:ea typeface="Verdana"/>
               </a:rPr>
+              <a:t>SUPERVISOR’S EMAIL </a:t>
+            </a:r>
+            <a:r>
+              <a:rPr b="1" lang="en-US" sz="900" spc="-1" strike="noStrike">
+                <a:solidFill>
+                  <a:srgbClr val="000000"/>
+                </a:solidFill>
+                <a:uFill>
+                  <a:solidFill>
+                    <a:srgbClr val="ffffff"/>
+                  </a:solidFill>
+                </a:uFill>
+                <a:latin typeface="Verdana"/>
+                <a:ea typeface="Verdana"/>
+              </a:rPr>
+              <a:t>	</a:t>
+            </a:r>
+            <a:r>
+              <a:rPr b="1" lang="en-US" sz="900" spc="-1" strike="noStrike">
+                <a:solidFill>
+                  <a:srgbClr val="000000"/>
+                </a:solidFill>
+                <a:uFill>
+                  <a:solidFill>
+                    <a:srgbClr val="ffffff"/>
+                  </a:solidFill>
+                </a:uFill>
+                <a:latin typeface="Verdana"/>
+                <a:ea typeface="Verdana"/>
+              </a:rPr>
+              <a:t> </a:t>
+            </a:r>
+            <a:r>
+              <a:rPr b="1" lang="en-US" sz="900" spc="-1" strike="noStrike">
+                <a:solidFill>
+                  <a:srgbClr val="000000"/>
+                </a:solidFill>
+                <a:uFill>
+                  <a:solidFill>
+                    <a:srgbClr val="ffffff"/>
+                  </a:solidFill>
+                </a:uFill>
+                <a:latin typeface="Verdana"/>
+                <a:ea typeface="Verdana"/>
+              </a:rPr>
+              <a:t>	</a:t>
+            </a:r>
+            <a:r>
+              <a:rPr b="1" lang="en-US" sz="900" spc="-1" strike="noStrike">
+                <a:solidFill>
+                  <a:srgbClr val="000000"/>
+                </a:solidFill>
+                <a:uFill>
+                  <a:solidFill>
+                    <a:srgbClr val="ffffff"/>
+                  </a:solidFill>
+                </a:uFill>
+                <a:latin typeface="Verdana"/>
+                <a:ea typeface="Verdana"/>
+              </a:rPr>
               <a:t>: </a:t>
             </a:r>
             <a:r>
-              <a:rPr b="1" lang="en-US" sz="900" spc="-1" strike="noStrike">
-                <a:solidFill>
-                  <a:srgbClr val="000000"/>
+              <a:rPr b="1" lang="en-US" sz="900" spc="-1" strike="noStrike" u="sng">
+                <a:solidFill>
+                  <a:srgbClr val="0000ff"/>
                 </a:solidFill>
                 <a:uFill>
                   <a:solidFill>
@@ -5758,6 +6960,7 @@
                   </a:solidFill>
                 </a:uFill>
                 <a:latin typeface="Verdana"/>
+                <a:ea typeface="Verdana"/>
               </a:rPr>
               <a:t>Raghu Srinivasan, Senior Technical Staff Member - </a:t>
             </a:r>
@@ -5770,153 +6973,12 @@
                   <a:srgbClr val="ffffff"/>
                 </a:solidFill>
               </a:uFill>
-              <a:latin typeface="Verdana"/>
-              <a:ea typeface="Verdana"/>
+              <a:latin typeface="Arial"/>
             </a:endParaRPr>
           </a:p>
           <a:p>
             <a:r>
               <a:rPr b="0" lang="en-US" sz="900" spc="-1" strike="noStrike">
-                <a:solidFill>
-                  <a:srgbClr val="000000"/>
-                </a:solidFill>
-                <a:uFill>
-                  <a:solidFill>
-                    <a:srgbClr val="ffffff"/>
-                  </a:solidFill>
-                </a:uFill>
-                <a:latin typeface="Verdana"/>
-              </a:rPr>
-              <a:t>	</a:t>
-            </a:r>
-            <a:r>
-              <a:rPr b="0" lang="en-US" sz="900" spc="-1" strike="noStrike">
-                <a:solidFill>
-                  <a:srgbClr val="000000"/>
-                </a:solidFill>
-                <a:uFill>
-                  <a:solidFill>
-                    <a:srgbClr val="ffffff"/>
-                  </a:solidFill>
-                </a:uFill>
-                <a:latin typeface="Verdana"/>
-              </a:rPr>
-              <a:t>	</a:t>
-            </a:r>
-            <a:r>
-              <a:rPr b="0" lang="en-US" sz="900" spc="-1" strike="noStrike">
-                <a:solidFill>
-                  <a:srgbClr val="000000"/>
-                </a:solidFill>
-                <a:uFill>
-                  <a:solidFill>
-                    <a:srgbClr val="ffffff"/>
-                  </a:solidFill>
-                </a:uFill>
-                <a:latin typeface="Verdana"/>
-              </a:rPr>
-              <a:t>	</a:t>
-            </a:r>
-            <a:r>
-              <a:rPr b="0" lang="en-US" sz="900" spc="-1" strike="noStrike">
-                <a:solidFill>
-                  <a:srgbClr val="000000"/>
-                </a:solidFill>
-                <a:uFill>
-                  <a:solidFill>
-                    <a:srgbClr val="ffffff"/>
-                  </a:solidFill>
-                </a:uFill>
-                <a:latin typeface="Verdana"/>
-              </a:rPr>
-              <a:t>  </a:t>
-            </a:r>
-            <a:r>
-              <a:rPr b="0" lang="en-US" sz="900" spc="-1" strike="noStrike">
-                <a:solidFill>
-                  <a:srgbClr val="000000"/>
-                </a:solidFill>
-                <a:uFill>
-                  <a:solidFill>
-                    <a:srgbClr val="ffffff"/>
-                  </a:solidFill>
-                </a:uFill>
-                <a:latin typeface="Verdana"/>
-              </a:rPr>
-              <a:t>	</a:t>
-            </a:r>
-            <a:r>
-              <a:rPr b="0" lang="en-US" sz="900" spc="-1" strike="noStrike">
-                <a:solidFill>
-                  <a:srgbClr val="000000"/>
-                </a:solidFill>
-                <a:uFill>
-                  <a:solidFill>
-                    <a:srgbClr val="ffffff"/>
-                  </a:solidFill>
-                </a:uFill>
-                <a:latin typeface="Verdana"/>
-              </a:rPr>
-              <a:t>	</a:t>
-            </a:r>
-            <a:r>
-              <a:rPr b="0" lang="en-US" sz="900" spc="-1" strike="noStrike">
-                <a:solidFill>
-                  <a:srgbClr val="000000"/>
-                </a:solidFill>
-                <a:uFill>
-                  <a:solidFill>
-                    <a:srgbClr val="ffffff"/>
-                  </a:solidFill>
-                </a:uFill>
-                <a:latin typeface="Verdana"/>
-              </a:rPr>
-              <a:t> </a:t>
-            </a:r>
-            <a:r>
-              <a:rPr b="0" lang="en-US" sz="900" spc="-1" strike="noStrike">
-                <a:solidFill>
-                  <a:srgbClr val="000000"/>
-                </a:solidFill>
-                <a:uFill>
-                  <a:solidFill>
-                    <a:srgbClr val="ffffff"/>
-                  </a:solidFill>
-                </a:uFill>
-                <a:latin typeface="Verdana"/>
-              </a:rPr>
-              <a:t>Technology Architect Lead Client Transformation SRE </a:t>
-            </a:r>
-            <a:endParaRPr b="0" lang="en-US" sz="900" spc="-1" strike="noStrike">
-              <a:solidFill>
-                <a:srgbClr val="000000"/>
-              </a:solidFill>
-              <a:uFill>
-                <a:solidFill>
-                  <a:srgbClr val="ffffff"/>
-                </a:solidFill>
-              </a:uFill>
-              <a:latin typeface="Verdana"/>
-              <a:ea typeface="Verdana"/>
-            </a:endParaRPr>
-          </a:p>
-          <a:p>
-            <a:endParaRPr b="0" lang="en-US" sz="900" spc="-1" strike="noStrike">
-              <a:solidFill>
-                <a:srgbClr val="000000"/>
-              </a:solidFill>
-              <a:uFill>
-                <a:solidFill>
-                  <a:srgbClr val="ffffff"/>
-                </a:solidFill>
-              </a:uFill>
-              <a:latin typeface="Verdana"/>
-              <a:ea typeface="Verdana"/>
-            </a:endParaRPr>
-          </a:p>
-          <a:p>
-            <a:r>
-              <a:rPr b="1" lang="en-US" sz="900" spc="-1" strike="noStrike">
                 <a:solidFill>
                   <a:srgbClr val="000000"/>
                 </a:solidFill>
@@ -5928,10 +6990,10 @@
                 <a:latin typeface="Verdana"/>
                 <a:ea typeface="Verdana"/>
               </a:rPr>
-              <a:t>ADDITIONAL EXAMINER’S EMAIL </a:t>
-            </a:r>
-            <a:r>
-              <a:rPr b="1" lang="en-US" sz="900" spc="-1" strike="noStrike">
+              <a:t>	</a:t>
+            </a:r>
+            <a:r>
+              <a:rPr b="0" lang="en-US" sz="900" spc="-1" strike="noStrike">
                 <a:solidFill>
                   <a:srgbClr val="000000"/>
                 </a:solidFill>
@@ -5946,7 +7008,7 @@
               <a:t>	</a:t>
             </a:r>
             <a:r>
-              <a:rPr b="1" lang="en-US" sz="1000" spc="-1" strike="noStrike">
+              <a:rPr b="0" lang="en-US" sz="900" spc="-1" strike="noStrike">
                 <a:solidFill>
                   <a:srgbClr val="000000"/>
                 </a:solidFill>
@@ -5958,10 +7020,10 @@
                 <a:latin typeface="Verdana"/>
                 <a:ea typeface="Verdana"/>
               </a:rPr>
-              <a:t>:</a:t>
-            </a:r>
-            <a:r>
-              <a:rPr b="0" lang="en-US" sz="1000" spc="-1" strike="noStrike">
+              <a:t>	</a:t>
+            </a:r>
+            <a:r>
+              <a:rPr b="0" lang="en-US" sz="900" spc="-1" strike="noStrike">
                 <a:solidFill>
                   <a:srgbClr val="000000"/>
                 </a:solidFill>
@@ -5973,12 +7035,158 @@
                 <a:latin typeface="Verdana"/>
                 <a:ea typeface="Verdana"/>
               </a:rPr>
+              <a:t>  </a:t>
+            </a:r>
+            <a:r>
+              <a:rPr b="0" lang="en-US" sz="900" spc="-1" strike="noStrike">
+                <a:solidFill>
+                  <a:srgbClr val="000000"/>
+                </a:solidFill>
+                <a:uFill>
+                  <a:solidFill>
+                    <a:srgbClr val="ffffff"/>
+                  </a:solidFill>
+                </a:uFill>
+                <a:latin typeface="Verdana"/>
+                <a:ea typeface="Verdana"/>
+              </a:rPr>
+              <a:t>	</a:t>
+            </a:r>
+            <a:r>
+              <a:rPr b="0" lang="en-US" sz="900" spc="-1" strike="noStrike">
+                <a:solidFill>
+                  <a:srgbClr val="000000"/>
+                </a:solidFill>
+                <a:uFill>
+                  <a:solidFill>
+                    <a:srgbClr val="ffffff"/>
+                  </a:solidFill>
+                </a:uFill>
+                <a:latin typeface="Verdana"/>
+                <a:ea typeface="Verdana"/>
+              </a:rPr>
+              <a:t>	</a:t>
+            </a:r>
+            <a:r>
+              <a:rPr b="0" lang="en-US" sz="900" spc="-1" strike="noStrike">
+                <a:solidFill>
+                  <a:srgbClr val="000000"/>
+                </a:solidFill>
+                <a:uFill>
+                  <a:solidFill>
+                    <a:srgbClr val="ffffff"/>
+                  </a:solidFill>
+                </a:uFill>
+                <a:latin typeface="Verdana"/>
+                <a:ea typeface="Verdana"/>
+              </a:rPr>
               <a:t> </a:t>
             </a:r>
             <a:r>
+              <a:rPr b="0" lang="en-US" sz="900" spc="-1" strike="noStrike">
+                <a:solidFill>
+                  <a:srgbClr val="000000"/>
+                </a:solidFill>
+                <a:uFill>
+                  <a:solidFill>
+                    <a:srgbClr val="ffffff"/>
+                  </a:solidFill>
+                </a:uFill>
+                <a:latin typeface="Verdana"/>
+                <a:ea typeface="Verdana"/>
+              </a:rPr>
+              <a:t>Technology Architect Lead Client Transformation SRE </a:t>
+            </a:r>
+            <a:endParaRPr b="0" lang="en-US" sz="900" spc="-1" strike="noStrike">
+              <a:solidFill>
+                <a:srgbClr val="000000"/>
+              </a:solidFill>
+              <a:uFill>
+                <a:solidFill>
+                  <a:srgbClr val="ffffff"/>
+                </a:solidFill>
+              </a:uFill>
+              <a:latin typeface="Arial"/>
+            </a:endParaRPr>
+          </a:p>
+          <a:p>
+            <a:endParaRPr b="0" lang="en-US" sz="900" spc="-1" strike="noStrike">
+              <a:solidFill>
+                <a:srgbClr val="000000"/>
+              </a:solidFill>
+              <a:uFill>
+                <a:solidFill>
+                  <a:srgbClr val="ffffff"/>
+                </a:solidFill>
+              </a:uFill>
+              <a:latin typeface="Arial"/>
+            </a:endParaRPr>
+          </a:p>
+          <a:p>
+            <a:r>
               <a:rPr b="1" lang="en-US" sz="900" spc="-1" strike="noStrike">
                 <a:solidFill>
                   <a:srgbClr val="000000"/>
+                </a:solidFill>
+                <a:uFill>
+                  <a:solidFill>
+                    <a:srgbClr val="ffffff"/>
+                  </a:solidFill>
+                </a:uFill>
+                <a:latin typeface="Verdana"/>
+                <a:ea typeface="Verdana"/>
+              </a:rPr>
+              <a:t>ADDITIONAL EXAMINER’S EMAIL </a:t>
+            </a:r>
+            <a:r>
+              <a:rPr b="1" lang="en-US" sz="900" spc="-1" strike="noStrike">
+                <a:solidFill>
+                  <a:srgbClr val="000000"/>
+                </a:solidFill>
+                <a:uFill>
+                  <a:solidFill>
+                    <a:srgbClr val="ffffff"/>
+                  </a:solidFill>
+                </a:uFill>
+                <a:latin typeface="Verdana"/>
+                <a:ea typeface="Verdana"/>
+              </a:rPr>
+              <a:t>	</a:t>
+            </a:r>
+            <a:r>
+              <a:rPr b="1" lang="en-US" sz="1000" spc="-1" strike="noStrike">
+                <a:solidFill>
+                  <a:srgbClr val="000000"/>
+                </a:solidFill>
+                <a:uFill>
+                  <a:solidFill>
+                    <a:srgbClr val="ffffff"/>
+                  </a:solidFill>
+                </a:uFill>
+                <a:latin typeface="Verdana"/>
+                <a:ea typeface="Verdana"/>
+              </a:rPr>
+              <a:t>:</a:t>
+            </a:r>
+            <a:r>
+              <a:rPr b="0" lang="en-US" sz="1000" spc="-1" strike="noStrike">
+                <a:solidFill>
+                  <a:srgbClr val="000000"/>
+                </a:solidFill>
+                <a:uFill>
+                  <a:solidFill>
+                    <a:srgbClr val="ffffff"/>
+                  </a:solidFill>
+                </a:uFill>
+                <a:latin typeface="Verdana"/>
+                <a:ea typeface="Verdana"/>
+              </a:rPr>
+              <a:t> </a:t>
+            </a:r>
+            <a:r>
+              <a:rPr b="1" lang="en-US" sz="900" spc="-1" strike="noStrike" u="sng">
+                <a:solidFill>
+                  <a:srgbClr val="0000ff"/>
                 </a:solidFill>
                 <a:uFill>
                   <a:solidFill>
@@ -6013,8 +7221,7 @@
                   <a:srgbClr val="ffffff"/>
                 </a:solidFill>
               </a:uFill>
-              <a:latin typeface="Verdana"/>
-              <a:ea typeface="Verdana"/>
+              <a:latin typeface="Arial"/>
             </a:endParaRPr>
           </a:p>
           <a:p>
@@ -6119,6 +7326,7 @@
                   </a:solidFill>
                 </a:uFill>
                 <a:latin typeface="Verdana"/>
+                <a:ea typeface="Verdana"/>
               </a:rPr>
               <a:t>Rajesh Kumar, Assistant Professor, Dept of Computer Science</a:t>
             </a:r>
@@ -6131,8 +7339,7 @@
                   <a:srgbClr val="ffffff"/>
                 </a:solidFill>
               </a:uFill>
-              <a:latin typeface="Verdana"/>
-              <a:ea typeface="Verdana"/>
+              <a:latin typeface="Arial"/>
             </a:endParaRPr>
           </a:p>
           <a:p>
@@ -6145,8 +7352,7 @@
                   <a:srgbClr val="ffffff"/>
                 </a:solidFill>
               </a:uFill>
-              <a:latin typeface="Verdana"/>
-              <a:ea typeface="Verdana"/>
+              <a:latin typeface="Arial"/>
             </a:endParaRPr>
           </a:p>
           <a:p>
@@ -6226,9 +7432,9 @@
               <a:t>: </a:t>
             </a:r>
             <a:r>
-              <a:rPr b="1" lang="zxx" sz="900" spc="-1" strike="noStrike" u="sng">
-                <a:solidFill>
-                  <a:srgbClr val="000080"/>
+              <a:rPr b="1" lang="en-US" sz="900" spc="-1" strike="noStrike" u="sng">
+                <a:solidFill>
+                  <a:srgbClr val="0000ff"/>
                 </a:solidFill>
                 <a:uFill>
                   <a:solidFill>
@@ -6263,8 +7469,7 @@
                   <a:srgbClr val="ffffff"/>
                 </a:solidFill>
               </a:uFill>
-              <a:latin typeface="Verdana"/>
-              <a:ea typeface="Verdana"/>
+              <a:latin typeface="Arial"/>
             </a:endParaRPr>
           </a:p>
           <a:p>
@@ -6277,8 +7482,7 @@
                   <a:srgbClr val="ffffff"/>
                 </a:solidFill>
               </a:uFill>
-              <a:latin typeface="Verdana"/>
-              <a:ea typeface="Verdana"/>
+              <a:latin typeface="Arial"/>
             </a:endParaRPr>
           </a:p>
           <a:p>
@@ -6366,8 +7570,7 @@
                   <a:srgbClr val="ffffff"/>
                 </a:solidFill>
               </a:uFill>
-              <a:latin typeface="Verdana"/>
-              <a:ea typeface="Verdana"/>
+              <a:latin typeface="Arial"/>
             </a:endParaRPr>
           </a:p>
         </p:txBody>
@@ -6381,7 +7584,7 @@
         <p:spPr>
           <a:xfrm>
             <a:off x="1596600" y="-109080"/>
-            <a:ext cx="8096040" cy="932040"/>
+            <a:ext cx="8095680" cy="931680"/>
           </a:xfrm>
           <a:prstGeom prst="rect">
             <a:avLst/>
@@ -6420,97 +7623,7 @@
                 <a:latin typeface="Times New Roman"/>
                 <a:ea typeface="DejaVu Sans"/>
               </a:rPr>
-              <a:t>ME</a:t>
-            </a:r>
-            <a:r>
-              <a:rPr b="0" lang="en-US" sz="3300" spc="-1" strike="noStrike" u="sng">
-                <a:solidFill>
-                  <a:srgbClr val="050505"/>
-                </a:solidFill>
-                <a:uFill>
-                  <a:solidFill>
-                    <a:srgbClr val="ffffff"/>
-                  </a:solidFill>
-                </a:uFill>
-                <a:latin typeface="Times New Roman"/>
-                <a:ea typeface="DejaVu Sans"/>
-              </a:rPr>
-              <a:t>NTO</a:t>
-            </a:r>
-            <a:r>
-              <a:rPr b="0" lang="en-US" sz="3300" spc="-1" strike="noStrike" u="sng">
-                <a:solidFill>
-                  <a:srgbClr val="050505"/>
-                </a:solidFill>
-                <a:uFill>
-                  <a:solidFill>
-                    <a:srgbClr val="ffffff"/>
-                  </a:solidFill>
-                </a:uFill>
-                <a:latin typeface="Times New Roman"/>
-                <a:ea typeface="DejaVu Sans"/>
-              </a:rPr>
-              <a:t>R </a:t>
-            </a:r>
-            <a:r>
-              <a:rPr b="0" lang="en-US" sz="3300" spc="-1" strike="noStrike" u="sng">
-                <a:solidFill>
-                  <a:srgbClr val="050505"/>
-                </a:solidFill>
-                <a:uFill>
-                  <a:solidFill>
-                    <a:srgbClr val="ffffff"/>
-                  </a:solidFill>
-                </a:uFill>
-                <a:latin typeface="Times New Roman"/>
-                <a:ea typeface="DejaVu Sans"/>
-              </a:rPr>
-              <a:t>INF</a:t>
-            </a:r>
-            <a:r>
-              <a:rPr b="0" lang="en-US" sz="3300" spc="-1" strike="noStrike" u="sng">
-                <a:solidFill>
-                  <a:srgbClr val="050505"/>
-                </a:solidFill>
-                <a:uFill>
-                  <a:solidFill>
-                    <a:srgbClr val="ffffff"/>
-                  </a:solidFill>
-                </a:uFill>
-                <a:latin typeface="Times New Roman"/>
-                <a:ea typeface="DejaVu Sans"/>
-              </a:rPr>
-              <a:t>OR</a:t>
-            </a:r>
-            <a:r>
-              <a:rPr b="0" lang="en-US" sz="3300" spc="-1" strike="noStrike" u="sng">
-                <a:solidFill>
-                  <a:srgbClr val="050505"/>
-                </a:solidFill>
-                <a:uFill>
-                  <a:solidFill>
-                    <a:srgbClr val="ffffff"/>
-                  </a:solidFill>
-                </a:uFill>
-                <a:latin typeface="Times New Roman"/>
-                <a:ea typeface="DejaVu Sans"/>
-              </a:rPr>
-              <a:t>MAT</a:t>
-            </a:r>
-            <a:r>
-              <a:rPr b="0" lang="en-US" sz="3300" spc="-1" strike="noStrike" u="sng">
-                <a:solidFill>
-                  <a:srgbClr val="050505"/>
-                </a:solidFill>
-                <a:uFill>
-                  <a:solidFill>
-                    <a:srgbClr val="ffffff"/>
-                  </a:solidFill>
-                </a:uFill>
-                <a:latin typeface="Times New Roman"/>
-                <a:ea typeface="DejaVu Sans"/>
-              </a:rPr>
-              <a:t>ION</a:t>
+              <a:t>MENTOR INFORMATION</a:t>
             </a:r>
             <a:endParaRPr b="0" lang="en-US" sz="3300" spc="-1" strike="noStrike">
               <a:solidFill>
@@ -6584,7 +7697,7 @@
         <p:spPr>
           <a:xfrm>
             <a:off x="7040880" y="822960"/>
-            <a:ext cx="2103120" cy="365760"/>
+            <a:ext cx="2102760" cy="365400"/>
           </a:xfrm>
           <a:prstGeom prst="wedgeRoundRectCallout">
             <a:avLst>
@@ -6611,7 +7724,11 @@
         <p:txBody>
           <a:bodyPr wrap="none" lIns="90000" rIns="90000" tIns="45000" bIns="45000" anchor="ctr"/>
           <a:p>
-            <a:pPr algn="ctr"/>
+            <a:pPr algn="ctr">
+              <a:lnSpc>
+                <a:spcPct val="100000"/>
+              </a:lnSpc>
+            </a:pPr>
             <a:r>
               <a:rPr b="0" lang="en-US" sz="900" spc="-1" strike="noStrike">
                 <a:solidFill>
@@ -6623,6 +7740,7 @@
                   </a:solidFill>
                 </a:uFill>
                 <a:latin typeface="Arial"/>
+                <a:ea typeface="DejaVu Sans"/>
               </a:rPr>
               <a:t>Is the application available </a:t>
             </a:r>
@@ -6636,11 +7754,14 @@
                 </a:solidFill>
               </a:uFill>
               <a:latin typeface="Arial"/>
-              <a:ea typeface="WenQuanYi Zen Hei Sharp"/>
-            </a:endParaRPr>
-          </a:p>
-          <a:p>
-            <a:pPr algn="ctr"/>
+            </a:endParaRPr>
+          </a:p>
+          <a:p>
+            <a:pPr algn="ctr">
+              <a:lnSpc>
+                <a:spcPct val="100000"/>
+              </a:lnSpc>
+            </a:pPr>
             <a:r>
               <a:rPr b="0" lang="en-US" sz="900" spc="-1" strike="noStrike">
                 <a:solidFill>
@@ -6652,6 +7773,7 @@
                   </a:solidFill>
                 </a:uFill>
                 <a:latin typeface="Arial"/>
+                <a:ea typeface="DejaVu Sans"/>
               </a:rPr>
               <a:t>every time accessed by the user?</a:t>
             </a:r>
@@ -6665,7 +7787,6 @@
                 </a:solidFill>
               </a:uFill>
               <a:latin typeface="Arial"/>
-              <a:ea typeface="WenQuanYi Zen Hei Sharp"/>
             </a:endParaRPr>
           </a:p>
         </p:txBody>
@@ -6679,7 +7800,7 @@
         <p:spPr>
           <a:xfrm>
             <a:off x="2079720" y="822960"/>
-            <a:ext cx="2194560" cy="548640"/>
+            <a:ext cx="2194200" cy="548280"/>
           </a:xfrm>
           <a:prstGeom prst="wedgeRoundRectCallout">
             <a:avLst>
@@ -6706,7 +7827,11 @@
         <p:txBody>
           <a:bodyPr wrap="none" lIns="90000" rIns="90000" tIns="45000" bIns="45000" anchor="ctr"/>
           <a:p>
-            <a:pPr algn="ctr"/>
+            <a:pPr algn="ctr">
+              <a:lnSpc>
+                <a:spcPct val="100000"/>
+              </a:lnSpc>
+            </a:pPr>
             <a:r>
               <a:rPr b="0" lang="en-US" sz="900" spc="-1" strike="noStrike">
                 <a:solidFill>
@@ -6718,6 +7843,7 @@
                   </a:solidFill>
                 </a:uFill>
                 <a:latin typeface="Arial"/>
+                <a:ea typeface="DejaVu Sans"/>
               </a:rPr>
               <a:t>how flexible is the system </a:t>
             </a:r>
@@ -6734,7 +7860,11 @@
             </a:endParaRPr>
           </a:p>
           <a:p>
-            <a:pPr algn="ctr"/>
+            <a:pPr algn="ctr">
+              <a:lnSpc>
+                <a:spcPct val="100000"/>
+              </a:lnSpc>
+            </a:pPr>
             <a:r>
               <a:rPr b="0" lang="en-US" sz="900" spc="-1" strike="noStrike">
                 <a:solidFill>
@@ -6746,6 +7876,7 @@
                   </a:solidFill>
                 </a:uFill>
                 <a:latin typeface="Arial"/>
+                <a:ea typeface="DejaVu Sans"/>
               </a:rPr>
               <a:t>when there is a need to address </a:t>
             </a:r>
@@ -6762,7 +7893,11 @@
             </a:endParaRPr>
           </a:p>
           <a:p>
-            <a:pPr algn="ctr"/>
+            <a:pPr algn="ctr">
+              <a:lnSpc>
+                <a:spcPct val="100000"/>
+              </a:lnSpc>
+            </a:pPr>
             <a:r>
               <a:rPr b="0" lang="en-US" sz="900" spc="-1" strike="noStrike">
                 <a:solidFill>
@@ -6774,6 +7909,7 @@
                   </a:solidFill>
                 </a:uFill>
                 <a:latin typeface="Arial"/>
+                <a:ea typeface="DejaVu Sans"/>
               </a:rPr>
               <a:t>an increase in the number of users ?</a:t>
             </a:r>
@@ -6804,7 +7940,7 @@
         <p:spPr>
           <a:xfrm>
             <a:off x="4425840" y="1539720"/>
-            <a:ext cx="2066400" cy="2209320"/>
+            <a:ext cx="2066040" cy="2208960"/>
           </a:xfrm>
           <a:prstGeom prst="rect">
             <a:avLst/>
@@ -6816,14 +7952,14 @@
       </p:pic>
       <p:sp>
         <p:nvSpPr>
-          <p:cNvPr id="84" name="TextShape 3"/>
-          <p:cNvSpPr txBox="1"/>
+          <p:cNvPr id="84" name="CustomShape 3"/>
+          <p:cNvSpPr/>
           <p:nvPr/>
         </p:nvSpPr>
         <p:spPr>
           <a:xfrm>
             <a:off x="4920480" y="3017520"/>
-            <a:ext cx="1097280" cy="548640"/>
+            <a:ext cx="1096920" cy="548280"/>
           </a:xfrm>
           <a:prstGeom prst="rect">
             <a:avLst/>
@@ -6833,6 +7969,12 @@
             <a:noFill/>
           </a:ln>
         </p:spPr>
+        <p:style>
+          <a:lnRef idx="0"/>
+          <a:fillRef idx="0"/>
+          <a:effectRef idx="0"/>
+          <a:fontRef idx="minor"/>
+        </p:style>
         <p:txBody>
           <a:bodyPr lIns="90000" rIns="90000" tIns="45000" bIns="45000"/>
           <a:p>
@@ -6852,14 +7994,14 @@
             </a:r>
             <a:endParaRPr b="0" lang="en-US" sz="1600" spc="-1" strike="noStrike">
               <a:solidFill>
-                <a:srgbClr val="999999"/>
-              </a:solidFill>
-              <a:uFill>
-                <a:solidFill>
-                  <a:srgbClr val="ffffff"/>
-                </a:solidFill>
-              </a:uFill>
-              <a:latin typeface="DejaVu Sans"/>
+                <a:srgbClr val="000000"/>
+              </a:solidFill>
+              <a:uFill>
+                <a:solidFill>
+                  <a:srgbClr val="ffffff"/>
+                </a:solidFill>
+              </a:uFill>
+              <a:latin typeface="Arial"/>
             </a:endParaRPr>
           </a:p>
         </p:txBody>
@@ -6873,7 +8015,7 @@
         <p:spPr>
           <a:xfrm>
             <a:off x="1645920" y="2011680"/>
-            <a:ext cx="2194560" cy="457200"/>
+            <a:ext cx="2194200" cy="456840"/>
           </a:xfrm>
           <a:prstGeom prst="wedgeRoundRectCallout">
             <a:avLst>
@@ -6900,7 +8042,11 @@
         <p:txBody>
           <a:bodyPr wrap="none" lIns="90000" rIns="90000" tIns="45000" bIns="45000" anchor="ctr"/>
           <a:p>
-            <a:pPr algn="ctr"/>
+            <a:pPr algn="ctr">
+              <a:lnSpc>
+                <a:spcPct val="100000"/>
+              </a:lnSpc>
+            </a:pPr>
             <a:r>
               <a:rPr b="0" lang="en-US" sz="900" spc="-1" strike="noStrike">
                 <a:solidFill>
@@ -6912,6 +8058,7 @@
                   </a:solidFill>
                 </a:uFill>
                 <a:latin typeface="Arial"/>
+                <a:ea typeface="DejaVu Sans"/>
               </a:rPr>
               <a:t>how quickly </a:t>
             </a:r>
@@ -6925,11 +8072,14 @@
                 </a:solidFill>
               </a:uFill>
               <a:latin typeface="Arial"/>
-              <a:ea typeface="WenQuanYi Zen Hei Sharp"/>
-            </a:endParaRPr>
-          </a:p>
-          <a:p>
-            <a:pPr algn="ctr"/>
+            </a:endParaRPr>
+          </a:p>
+          <a:p>
+            <a:pPr algn="ctr">
+              <a:lnSpc>
+                <a:spcPct val="100000"/>
+              </a:lnSpc>
+            </a:pPr>
             <a:r>
               <a:rPr b="0" lang="en-US" sz="900" spc="-1" strike="noStrike">
                 <a:solidFill>
@@ -6941,22 +8091,9 @@
                   </a:solidFill>
                 </a:uFill>
                 <a:latin typeface="Arial"/>
-              </a:rPr>
-              <a:t>can the system  recover from a </a:t>
-            </a:r>
-            <a:r>
-              <a:rPr b="0" lang="en-US" sz="900" spc="-1" strike="noStrike">
-                <a:solidFill>
-                  <a:srgbClr val="000000"/>
-                </a:solidFill>
-                <a:uFill>
-                  <a:solidFill>
-                    <a:srgbClr val="ffffff"/>
-                  </a:solidFill>
-                </a:uFill>
-                <a:latin typeface="Arial"/>
-              </a:rPr>
-              <a:t>failure?</a:t>
+                <a:ea typeface="DejaVu Sans"/>
+              </a:rPr>
+              <a:t>can the system  recover from a failure?</a:t>
             </a:r>
             <a:endParaRPr b="0" lang="en-US" sz="900" spc="-1" strike="noStrike">
               <a:solidFill>
@@ -6968,7 +8105,6 @@
                 </a:solidFill>
               </a:uFill>
               <a:latin typeface="Arial"/>
-              <a:ea typeface="WenQuanYi Zen Hei Sharp"/>
             </a:endParaRPr>
           </a:p>
         </p:txBody>
@@ -6982,7 +8118,7 @@
         <p:spPr>
           <a:xfrm>
             <a:off x="7315200" y="2011680"/>
-            <a:ext cx="2286000" cy="457200"/>
+            <a:ext cx="2285640" cy="456840"/>
           </a:xfrm>
           <a:prstGeom prst="wedgeRoundRectCallout">
             <a:avLst>
@@ -7009,7 +8145,11 @@
         <p:txBody>
           <a:bodyPr wrap="none" lIns="90000" rIns="90000" tIns="45000" bIns="45000" anchor="ctr"/>
           <a:p>
-            <a:pPr algn="ctr"/>
+            <a:pPr algn="ctr">
+              <a:lnSpc>
+                <a:spcPct val="100000"/>
+              </a:lnSpc>
+            </a:pPr>
             <a:r>
               <a:rPr b="0" lang="en-US" sz="900" spc="-1" strike="noStrike">
                 <a:solidFill>
@@ -7021,6 +8161,7 @@
                   </a:solidFill>
                 </a:uFill>
                 <a:latin typeface="Arial"/>
+                <a:ea typeface="DejaVu Sans"/>
               </a:rPr>
               <a:t>how effectively </a:t>
             </a:r>
@@ -7034,11 +8175,14 @@
                 </a:solidFill>
               </a:uFill>
               <a:latin typeface="Arial"/>
-              <a:ea typeface="WenQuanYi Zen Hei Sharp"/>
-            </a:endParaRPr>
-          </a:p>
-          <a:p>
-            <a:pPr algn="ctr"/>
+            </a:endParaRPr>
+          </a:p>
+          <a:p>
+            <a:pPr algn="ctr">
+              <a:lnSpc>
+                <a:spcPct val="100000"/>
+              </a:lnSpc>
+            </a:pPr>
             <a:r>
               <a:rPr b="0" lang="en-US" sz="900" spc="-1" strike="noStrike">
                 <a:solidFill>
@@ -7050,6 +8194,7 @@
                   </a:solidFill>
                 </a:uFill>
                 <a:latin typeface="Arial"/>
+                <a:ea typeface="DejaVu Sans"/>
               </a:rPr>
               <a:t>application changes can be incorporated?</a:t>
             </a:r>
@@ -7063,7 +8208,6 @@
                 </a:solidFill>
               </a:uFill>
               <a:latin typeface="Arial"/>
-              <a:ea typeface="WenQuanYi Zen Hei Sharp"/>
             </a:endParaRPr>
           </a:p>
         </p:txBody>
@@ -7077,7 +8221,7 @@
         <p:spPr>
           <a:xfrm>
             <a:off x="1737360" y="3657600"/>
-            <a:ext cx="2194560" cy="640080"/>
+            <a:ext cx="2194200" cy="639720"/>
           </a:xfrm>
           <a:prstGeom prst="wedgeRoundRectCallout">
             <a:avLst>
@@ -7104,7 +8248,11 @@
         <p:txBody>
           <a:bodyPr wrap="none" lIns="90000" rIns="90000" tIns="45000" bIns="45000" anchor="ctr"/>
           <a:p>
-            <a:pPr algn="ctr"/>
+            <a:pPr algn="ctr">
+              <a:lnSpc>
+                <a:spcPct val="100000"/>
+              </a:lnSpc>
+            </a:pPr>
             <a:r>
               <a:rPr b="0" lang="en-US" sz="900" spc="-1" strike="noStrike">
                 <a:solidFill>
@@ -7116,6 +8264,7 @@
                   </a:solidFill>
                 </a:uFill>
                 <a:latin typeface="Arial"/>
+                <a:ea typeface="DejaVu Sans"/>
               </a:rPr>
               <a:t>What is the level of </a:t>
             </a:r>
@@ -7129,11 +8278,14 @@
                 </a:solidFill>
               </a:uFill>
               <a:latin typeface="Arial"/>
-              <a:ea typeface="WenQuanYi Zen Hei Sharp"/>
-            </a:endParaRPr>
-          </a:p>
-          <a:p>
-            <a:pPr algn="ctr"/>
+            </a:endParaRPr>
+          </a:p>
+          <a:p>
+            <a:pPr algn="ctr">
+              <a:lnSpc>
+                <a:spcPct val="100000"/>
+              </a:lnSpc>
+            </a:pPr>
             <a:r>
               <a:rPr b="0" lang="en-US" sz="900" spc="-1" strike="noStrike">
                 <a:solidFill>
@@ -7145,6 +8297,7 @@
                   </a:solidFill>
                 </a:uFill>
                 <a:latin typeface="Arial"/>
+                <a:ea typeface="DejaVu Sans"/>
               </a:rPr>
               <a:t>confidentiality and integrity </a:t>
             </a:r>
@@ -7158,11 +8311,14 @@
                 </a:solidFill>
               </a:uFill>
               <a:latin typeface="Arial"/>
-              <a:ea typeface="WenQuanYi Zen Hei Sharp"/>
-            </a:endParaRPr>
-          </a:p>
-          <a:p>
-            <a:pPr algn="ctr"/>
+            </a:endParaRPr>
+          </a:p>
+          <a:p>
+            <a:pPr algn="ctr">
+              <a:lnSpc>
+                <a:spcPct val="100000"/>
+              </a:lnSpc>
+            </a:pPr>
             <a:r>
               <a:rPr b="0" lang="en-US" sz="900" spc="-1" strike="noStrike">
                 <a:solidFill>
@@ -7174,6 +8330,7 @@
                   </a:solidFill>
                 </a:uFill>
                 <a:latin typeface="Arial"/>
+                <a:ea typeface="DejaVu Sans"/>
               </a:rPr>
               <a:t>that the system provides to user's data </a:t>
             </a:r>
@@ -7187,11 +8344,14 @@
                 </a:solidFill>
               </a:uFill>
               <a:latin typeface="Arial"/>
-              <a:ea typeface="WenQuanYi Zen Hei Sharp"/>
-            </a:endParaRPr>
-          </a:p>
-          <a:p>
-            <a:pPr algn="ctr"/>
+            </a:endParaRPr>
+          </a:p>
+          <a:p>
+            <a:pPr algn="ctr">
+              <a:lnSpc>
+                <a:spcPct val="100000"/>
+              </a:lnSpc>
+            </a:pPr>
             <a:r>
               <a:rPr b="0" lang="en-US" sz="900" spc="-1" strike="noStrike">
                 <a:solidFill>
@@ -7203,6 +8363,7 @@
                   </a:solidFill>
                 </a:uFill>
                 <a:latin typeface="Arial"/>
+                <a:ea typeface="DejaVu Sans"/>
               </a:rPr>
               <a:t>within the systems and the network?</a:t>
             </a:r>
@@ -7216,7 +8377,6 @@
                 </a:solidFill>
               </a:uFill>
               <a:latin typeface="Arial"/>
-              <a:ea typeface="WenQuanYi Zen Hei Sharp"/>
             </a:endParaRPr>
           </a:p>
         </p:txBody>
@@ -7230,7 +8390,7 @@
         <p:spPr>
           <a:xfrm>
             <a:off x="7315200" y="3474720"/>
-            <a:ext cx="2560320" cy="548640"/>
+            <a:ext cx="2559960" cy="548280"/>
           </a:xfrm>
           <a:prstGeom prst="wedgeRoundRectCallout">
             <a:avLst>
@@ -7257,7 +8417,11 @@
         <p:txBody>
           <a:bodyPr wrap="none" lIns="90000" rIns="90000" tIns="45000" bIns="45000" anchor="ctr"/>
           <a:p>
-            <a:pPr algn="ctr"/>
+            <a:pPr algn="ctr">
+              <a:lnSpc>
+                <a:spcPct val="100000"/>
+              </a:lnSpc>
+            </a:pPr>
             <a:r>
               <a:rPr b="0" lang="en-US" sz="900" spc="-1" strike="noStrike">
                 <a:solidFill>
@@ -7269,6 +8433,7 @@
                   </a:solidFill>
                 </a:uFill>
                 <a:latin typeface="Arial"/>
+                <a:ea typeface="DejaVu Sans"/>
               </a:rPr>
               <a:t>how robust does the system responds </a:t>
             </a:r>
@@ -7282,11 +8447,14 @@
                 </a:solidFill>
               </a:uFill>
               <a:latin typeface="Arial"/>
-              <a:ea typeface="WenQuanYi Zen Hei Sharp"/>
-            </a:endParaRPr>
-          </a:p>
-          <a:p>
-            <a:pPr algn="ctr"/>
+            </a:endParaRPr>
+          </a:p>
+          <a:p>
+            <a:pPr algn="ctr">
+              <a:lnSpc>
+                <a:spcPct val="100000"/>
+              </a:lnSpc>
+            </a:pPr>
             <a:r>
               <a:rPr b="0" lang="en-US" sz="900" spc="-1" strike="noStrike">
                 <a:solidFill>
@@ -7298,6 +8466,7 @@
                   </a:solidFill>
                 </a:uFill>
                 <a:latin typeface="Arial"/>
+                <a:ea typeface="DejaVu Sans"/>
               </a:rPr>
               <a:t>to sudden surge or drop in the processing load?</a:t>
             </a:r>
@@ -7311,7 +8480,6 @@
                 </a:solidFill>
               </a:uFill>
               <a:latin typeface="Arial"/>
-              <a:ea typeface="WenQuanYi Zen Hei Sharp"/>
             </a:endParaRPr>
           </a:p>
         </p:txBody>
@@ -7325,7 +8493,7 @@
         <p:spPr>
           <a:xfrm>
             <a:off x="6035040" y="4389120"/>
-            <a:ext cx="2560320" cy="457200"/>
+            <a:ext cx="2559960" cy="456840"/>
           </a:xfrm>
           <a:prstGeom prst="wedgeRoundRectCallout">
             <a:avLst>
@@ -7352,7 +8520,11 @@
         <p:txBody>
           <a:bodyPr wrap="none" lIns="90000" rIns="90000" tIns="45000" bIns="45000" anchor="ctr"/>
           <a:p>
-            <a:pPr algn="ctr"/>
+            <a:pPr algn="ctr">
+              <a:lnSpc>
+                <a:spcPct val="100000"/>
+              </a:lnSpc>
+            </a:pPr>
             <a:r>
               <a:rPr b="0" lang="en-US" sz="900" spc="-1" strike="noStrike">
                 <a:solidFill>
@@ -7364,6 +8536,7 @@
                   </a:solidFill>
                 </a:uFill>
                 <a:latin typeface="Arial"/>
+                <a:ea typeface="DejaVu Sans"/>
               </a:rPr>
               <a:t>Is there any economic value?</a:t>
             </a:r>
@@ -7377,7 +8550,6 @@
                 </a:solidFill>
               </a:uFill>
               <a:latin typeface="Arial"/>
-              <a:ea typeface="WenQuanYi Zen Hei Sharp"/>
             </a:endParaRPr>
           </a:p>
         </p:txBody>
@@ -7391,7 +8563,7 @@
         <p:spPr>
           <a:xfrm>
             <a:off x="1596600" y="-109080"/>
-            <a:ext cx="8096040" cy="932040"/>
+            <a:ext cx="8095680" cy="931680"/>
           </a:xfrm>
           <a:prstGeom prst="rect">
             <a:avLst/>
@@ -7497,14 +8669,14 @@
       </p:grpSpPr>
       <p:sp>
         <p:nvSpPr>
-          <p:cNvPr id="91" name="TextShape 1"/>
-          <p:cNvSpPr txBox="1"/>
+          <p:cNvPr id="91" name="CustomShape 1"/>
+          <p:cNvSpPr/>
           <p:nvPr/>
         </p:nvSpPr>
         <p:spPr>
           <a:xfrm>
             <a:off x="1828800" y="792720"/>
-            <a:ext cx="3291840" cy="1584720"/>
+            <a:ext cx="3291480" cy="1584360"/>
           </a:xfrm>
           <a:prstGeom prst="rect">
             <a:avLst/>
@@ -7516,10 +8688,16 @@
             </a:solidFill>
           </a:ln>
         </p:spPr>
+        <p:style>
+          <a:lnRef idx="0"/>
+          <a:fillRef idx="0"/>
+          <a:effectRef idx="0"/>
+          <a:fontRef idx="minor"/>
+        </p:style>
         <p:txBody>
           <a:bodyPr lIns="90000" rIns="90000" tIns="45000" bIns="45000"/>
           <a:p>
-            <a:endParaRPr b="0" lang="en-US" sz="1400" spc="-1" strike="noStrike">
+            <a:endParaRPr b="0" lang="en-US" sz="1800" spc="-1" strike="noStrike">
               <a:solidFill>
                 <a:srgbClr val="000000"/>
               </a:solidFill>
@@ -7572,21 +8750,7 @@
                 </a:uFill>
                 <a:latin typeface="Arial"/>
               </a:rPr>
-              <a:t> can be defined as any useful application or software available for use over computer </a:t>
-            </a:r>
-            <a:r>
-              <a:rPr b="0" lang="en-US" sz="1400" spc="-1" strike="noStrike">
-                <a:solidFill>
-                  <a:srgbClr val="000000"/>
-                </a:solidFill>
-                <a:uFill>
-                  <a:solidFill>
-                    <a:srgbClr val="ffffff"/>
-                  </a:solidFill>
-                </a:uFill>
-                <a:latin typeface="Arial"/>
-              </a:rPr>
-              <a:t>networks which is accessible over the Internet or private interconnected networks.</a:t>
+              <a:t> can be defined as any useful application or software available for use over computer networks which is accessible over the Internet or private interconnected networks.</a:t>
             </a:r>
             <a:endParaRPr b="0" lang="en-US" sz="1400" spc="-1" strike="noStrike">
               <a:solidFill>
@@ -7604,14 +8768,14 @@
       </p:sp>
       <p:sp>
         <p:nvSpPr>
-          <p:cNvPr id="92" name="TextShape 2"/>
-          <p:cNvSpPr txBox="1"/>
+          <p:cNvPr id="92" name="CustomShape 2"/>
+          <p:cNvSpPr/>
           <p:nvPr/>
         </p:nvSpPr>
         <p:spPr>
           <a:xfrm>
             <a:off x="5577840" y="709560"/>
-            <a:ext cx="4297680" cy="1679040"/>
+            <a:ext cx="4297320" cy="1678680"/>
           </a:xfrm>
           <a:prstGeom prst="rect">
             <a:avLst/>
@@ -7623,6 +8787,12 @@
             </a:solidFill>
           </a:ln>
         </p:spPr>
+        <p:style>
+          <a:lnRef idx="0"/>
+          <a:fillRef idx="0"/>
+          <a:effectRef idx="0"/>
+          <a:fontRef idx="minor"/>
+        </p:style>
         <p:txBody>
           <a:bodyPr lIns="90000" rIns="90000" tIns="45000" bIns="45000"/>
           <a:p>
@@ -7680,7 +8850,10 @@
             </a:endParaRPr>
           </a:p>
           <a:p>
-            <a:pPr marL="216000" indent="-216000">
+            <a:pPr marL="216000" indent="-215640">
+              <a:lnSpc>
+                <a:spcPct val="100000"/>
+              </a:lnSpc>
               <a:buClr>
                 <a:srgbClr val="000000"/>
               </a:buClr>
@@ -7715,7 +8888,28 @@
             </a:endParaRPr>
           </a:p>
           <a:p>
-            <a:pPr marL="216000" indent="-216000">
+            <a:pPr>
+              <a:lnSpc>
+                <a:spcPct val="100000"/>
+              </a:lnSpc>
+            </a:pPr>
+            <a:endParaRPr b="0" lang="en-US" sz="1400" spc="-1" strike="noStrike">
+              <a:solidFill>
+                <a:srgbClr val="000000"/>
+              </a:solidFill>
+              <a:uFill>
+                <a:solidFill>
+                  <a:srgbClr val="ffffff"/>
+                </a:solidFill>
+              </a:uFill>
+              <a:latin typeface="Arial"/>
+            </a:endParaRPr>
+          </a:p>
+          <a:p>
+            <a:pPr marL="216000" indent="-215640">
+              <a:lnSpc>
+                <a:spcPct val="100000"/>
+              </a:lnSpc>
               <a:buClr>
                 <a:srgbClr val="000000"/>
               </a:buClr>
@@ -7723,27 +8917,6 @@
               <a:buFont typeface="Wingdings" charset="2"/>
               <a:buChar char=""/>
             </a:pPr>
-            <a:endParaRPr b="0" lang="en-US" sz="1400" spc="-1" strike="noStrike">
-              <a:solidFill>
-                <a:srgbClr val="000000"/>
-              </a:solidFill>
-              <a:uFill>
-                <a:solidFill>
-                  <a:srgbClr val="ffffff"/>
-                </a:solidFill>
-              </a:uFill>
-              <a:latin typeface="Arial"/>
-            </a:endParaRPr>
-          </a:p>
-          <a:p>
-            <a:pPr marL="216000" indent="-216000">
-              <a:buClr>
-                <a:srgbClr val="000000"/>
-              </a:buClr>
-              <a:buSzPct val="45000"/>
-              <a:buFont typeface="Wingdings" charset="2"/>
-              <a:buChar char=""/>
-            </a:pPr>
             <a:r>
               <a:rPr b="0" lang="en-US" sz="1400" spc="-1" strike="noStrike">
                 <a:solidFill>
@@ -7774,14 +8947,14 @@
       </p:sp>
       <p:sp>
         <p:nvSpPr>
-          <p:cNvPr id="93" name="TextShape 3"/>
-          <p:cNvSpPr txBox="1"/>
+          <p:cNvPr id="93" name="CustomShape 3"/>
+          <p:cNvSpPr/>
           <p:nvPr/>
         </p:nvSpPr>
         <p:spPr>
           <a:xfrm>
             <a:off x="2286000" y="2834640"/>
-            <a:ext cx="7132320" cy="2377440"/>
+            <a:ext cx="7131960" cy="2377080"/>
           </a:xfrm>
           <a:prstGeom prst="rect">
             <a:avLst/>
@@ -7793,6 +8966,12 @@
             </a:solidFill>
           </a:ln>
         </p:spPr>
+        <p:style>
+          <a:lnRef idx="0"/>
+          <a:fillRef idx="0"/>
+          <a:effectRef idx="0"/>
+          <a:fontRef idx="minor"/>
+        </p:style>
         <p:txBody>
           <a:bodyPr lIns="90000" rIns="90000" tIns="45000" bIns="45000"/>
           <a:p>
@@ -7808,8 +8987,34 @@
                 </a:uFill>
                 <a:latin typeface="Arial"/>
               </a:rPr>
-              <a:t>A reliable site is one where the users of the sites </a:t>
-            </a:r>
+              <a:t>A reliable site is one where the users of the sites would fall back for the services of the service provider. </a:t>
+            </a:r>
+            <a:endParaRPr b="0" lang="en-US" sz="1400" spc="-1" strike="noStrike">
+              <a:solidFill>
+                <a:srgbClr val="000000"/>
+              </a:solidFill>
+              <a:uFill>
+                <a:solidFill>
+                  <a:srgbClr val="ffffff"/>
+                </a:solidFill>
+              </a:uFill>
+              <a:latin typeface="Arial"/>
+            </a:endParaRPr>
+          </a:p>
+          <a:p>
+            <a:endParaRPr b="0" lang="en-US" sz="1400" spc="-1" strike="noStrike">
+              <a:solidFill>
+                <a:srgbClr val="000000"/>
+              </a:solidFill>
+              <a:uFill>
+                <a:solidFill>
+                  <a:srgbClr val="ffffff"/>
+                </a:solidFill>
+              </a:uFill>
+              <a:latin typeface="Arial"/>
+            </a:endParaRPr>
+          </a:p>
+          <a:p>
             <a:r>
               <a:rPr b="0" lang="en-US" sz="1400" spc="-1" strike="noStrike">
                 <a:solidFill>
@@ -7822,8 +9027,34 @@
                 </a:uFill>
                 <a:latin typeface="Arial"/>
               </a:rPr>
-              <a:t>would fall back for the services of the service </a:t>
-            </a:r>
+              <a:t>Sites are considered reliable from user experience perspective, which becomes the primary goal for anyone providing information services.</a:t>
+            </a:r>
+            <a:endParaRPr b="0" lang="en-US" sz="1400" spc="-1" strike="noStrike">
+              <a:solidFill>
+                <a:srgbClr val="000000"/>
+              </a:solidFill>
+              <a:uFill>
+                <a:solidFill>
+                  <a:srgbClr val="ffffff"/>
+                </a:solidFill>
+              </a:uFill>
+              <a:latin typeface="Arial"/>
+            </a:endParaRPr>
+          </a:p>
+          <a:p>
+            <a:endParaRPr b="0" lang="en-US" sz="1400" spc="-1" strike="noStrike">
+              <a:solidFill>
+                <a:srgbClr val="000000"/>
+              </a:solidFill>
+              <a:uFill>
+                <a:solidFill>
+                  <a:srgbClr val="ffffff"/>
+                </a:solidFill>
+              </a:uFill>
+              <a:latin typeface="Arial"/>
+            </a:endParaRPr>
+          </a:p>
+          <a:p>
             <a:r>
               <a:rPr b="0" lang="en-US" sz="1400" spc="-1" strike="noStrike">
                 <a:solidFill>
@@ -7836,7 +9067,21 @@
                 </a:uFill>
                 <a:latin typeface="Arial"/>
               </a:rPr>
-              <a:t>provider. </a:t>
+              <a:t>When reliable services are realized with the hosted websites, then the sites are meant to have an added quality called as </a:t>
+            </a:r>
+            <a:r>
+              <a:rPr b="1" lang="en-US" sz="1400" spc="-1" strike="noStrike">
+                <a:solidFill>
+                  <a:srgbClr val="000000"/>
+                </a:solidFill>
+                <a:uFill>
+                  <a:solidFill>
+                    <a:srgbClr val="ffffff"/>
+                  </a:solidFill>
+                </a:uFill>
+                <a:latin typeface="Arial"/>
+              </a:rPr>
+              <a:t>Site Reliability.</a:t>
             </a:r>
             <a:endParaRPr b="0" lang="en-US" sz="1400" spc="-1" strike="noStrike">
               <a:solidFill>
@@ -7876,185 +9121,7 @@
                 </a:uFill>
                 <a:latin typeface="Arial"/>
               </a:rPr>
-              <a:t>Sites are considered reliable from user experience </a:t>
-            </a:r>
-            <a:r>
-              <a:rPr b="0" lang="en-US" sz="1400" spc="-1" strike="noStrike">
-                <a:solidFill>
-                  <a:srgbClr val="000000"/>
-                </a:solidFill>
-                <a:uFill>
-                  <a:solidFill>
-                    <a:srgbClr val="ffffff"/>
-                  </a:solidFill>
-                </a:uFill>
-                <a:latin typeface="Arial"/>
-              </a:rPr>
-              <a:t>perspective, which becomes the primary goal for </a:t>
-            </a:r>
-            <a:r>
-              <a:rPr b="0" lang="en-US" sz="1400" spc="-1" strike="noStrike">
-                <a:solidFill>
-                  <a:srgbClr val="000000"/>
-                </a:solidFill>
-                <a:uFill>
-                  <a:solidFill>
-                    <a:srgbClr val="ffffff"/>
-                  </a:solidFill>
-                </a:uFill>
-                <a:latin typeface="Arial"/>
-              </a:rPr>
-              <a:t>anyone providing information services.</a:t>
-            </a:r>
-            <a:endParaRPr b="0" lang="en-US" sz="1400" spc="-1" strike="noStrike">
-              <a:solidFill>
-                <a:srgbClr val="000000"/>
-              </a:solidFill>
-              <a:uFill>
-                <a:solidFill>
-                  <a:srgbClr val="ffffff"/>
-                </a:solidFill>
-              </a:uFill>
-              <a:latin typeface="Arial"/>
-            </a:endParaRPr>
-          </a:p>
-          <a:p>
-            <a:endParaRPr b="0" lang="en-US" sz="1400" spc="-1" strike="noStrike">
-              <a:solidFill>
-                <a:srgbClr val="000000"/>
-              </a:solidFill>
-              <a:uFill>
-                <a:solidFill>
-                  <a:srgbClr val="ffffff"/>
-                </a:solidFill>
-              </a:uFill>
-              <a:latin typeface="Arial"/>
-            </a:endParaRPr>
-          </a:p>
-          <a:p>
-            <a:r>
-              <a:rPr b="0" lang="en-US" sz="1400" spc="-1" strike="noStrike">
-                <a:solidFill>
-                  <a:srgbClr val="000000"/>
-                </a:solidFill>
-                <a:uFill>
-                  <a:solidFill>
-                    <a:srgbClr val="ffffff"/>
-                  </a:solidFill>
-                </a:uFill>
-                <a:latin typeface="Arial"/>
-              </a:rPr>
-              <a:t>When reliable services are realized with the </a:t>
-            </a:r>
-            <a:r>
-              <a:rPr b="0" lang="en-US" sz="1400" spc="-1" strike="noStrike">
-                <a:solidFill>
-                  <a:srgbClr val="000000"/>
-                </a:solidFill>
-                <a:uFill>
-                  <a:solidFill>
-                    <a:srgbClr val="ffffff"/>
-                  </a:solidFill>
-                </a:uFill>
-                <a:latin typeface="Arial"/>
-              </a:rPr>
-              <a:t>hosted websites, then the sites are meant to have </a:t>
-            </a:r>
-            <a:r>
-              <a:rPr b="0" lang="en-US" sz="1400" spc="-1" strike="noStrike">
-                <a:solidFill>
-                  <a:srgbClr val="000000"/>
-                </a:solidFill>
-                <a:uFill>
-                  <a:solidFill>
-                    <a:srgbClr val="ffffff"/>
-                  </a:solidFill>
-                </a:uFill>
-                <a:latin typeface="Arial"/>
-              </a:rPr>
-              <a:t>an added quality called as </a:t>
-            </a:r>
-            <a:r>
-              <a:rPr b="1" lang="en-US" sz="1400" spc="-1" strike="noStrike">
-                <a:solidFill>
-                  <a:srgbClr val="000000"/>
-                </a:solidFill>
-                <a:uFill>
-                  <a:solidFill>
-                    <a:srgbClr val="ffffff"/>
-                  </a:solidFill>
-                </a:uFill>
-                <a:latin typeface="Arial"/>
-              </a:rPr>
-              <a:t>Site Reliability.</a:t>
-            </a:r>
-            <a:endParaRPr b="0" lang="en-US" sz="1400" spc="-1" strike="noStrike">
-              <a:solidFill>
-                <a:srgbClr val="000000"/>
-              </a:solidFill>
-              <a:uFill>
-                <a:solidFill>
-                  <a:srgbClr val="ffffff"/>
-                </a:solidFill>
-              </a:uFill>
-              <a:latin typeface="Arial"/>
-            </a:endParaRPr>
-          </a:p>
-          <a:p>
-            <a:endParaRPr b="0" lang="en-US" sz="1400" spc="-1" strike="noStrike">
-              <a:solidFill>
-                <a:srgbClr val="000000"/>
-              </a:solidFill>
-              <a:uFill>
-                <a:solidFill>
-                  <a:srgbClr val="ffffff"/>
-                </a:solidFill>
-              </a:uFill>
-              <a:latin typeface="Arial"/>
-            </a:endParaRPr>
-          </a:p>
-          <a:p>
-            <a:r>
-              <a:rPr b="0" lang="en-US" sz="1400" spc="-1" strike="noStrike">
-                <a:solidFill>
-                  <a:srgbClr val="000000"/>
-                </a:solidFill>
-                <a:uFill>
-                  <a:solidFill>
-                    <a:srgbClr val="ffffff"/>
-                  </a:solidFill>
-                </a:uFill>
-                <a:latin typeface="Arial"/>
-              </a:rPr>
-              <a:t>The art of practicing the principles to meet the </a:t>
-            </a:r>
-            <a:r>
-              <a:rPr b="0" lang="en-US" sz="1400" spc="-1" strike="noStrike">
-                <a:solidFill>
-                  <a:srgbClr val="000000"/>
-                </a:solidFill>
-                <a:uFill>
-                  <a:solidFill>
-                    <a:srgbClr val="ffffff"/>
-                  </a:solidFill>
-                </a:uFill>
-                <a:latin typeface="Arial"/>
-              </a:rPr>
-              <a:t>expectations from reliability perspective can be </a:t>
-            </a:r>
-            <a:r>
-              <a:rPr b="0" lang="en-US" sz="1400" spc="-1" strike="noStrike">
-                <a:solidFill>
-                  <a:srgbClr val="000000"/>
-                </a:solidFill>
-                <a:uFill>
-                  <a:solidFill>
-                    <a:srgbClr val="ffffff"/>
-                  </a:solidFill>
-                </a:uFill>
-                <a:latin typeface="Arial"/>
-              </a:rPr>
-              <a:t>named as </a:t>
+              <a:t>The art of practicing the principles to meet the expectations from reliability perspective can be named as </a:t>
             </a:r>
             <a:r>
               <a:rPr b="1" lang="en-US" sz="1400" spc="-1" strike="noStrike">
@@ -8093,7 +9160,7 @@
         <p:spPr>
           <a:xfrm>
             <a:off x="1596600" y="-109080"/>
-            <a:ext cx="8096040" cy="932040"/>
+            <a:ext cx="8095680" cy="931680"/>
           </a:xfrm>
           <a:prstGeom prst="rect">
             <a:avLst/>
@@ -8206,7 +9273,7 @@
         <p:spPr>
           <a:xfrm>
             <a:off x="1620000" y="216000"/>
-            <a:ext cx="8096040" cy="932040"/>
+            <a:ext cx="8095680" cy="931680"/>
           </a:xfrm>
           <a:prstGeom prst="rect">
             <a:avLst/>
@@ -8227,7 +9294,11 @@
             <a:normAutofit/>
           </a:bodyPr>
           <a:p>
-            <a:pPr algn="ctr"/>
+            <a:pPr algn="ctr">
+              <a:lnSpc>
+                <a:spcPct val="100000"/>
+              </a:lnSpc>
+            </a:pPr>
             <a:r>
               <a:rPr b="0" lang="en-US" sz="3300" spc="-1" strike="noStrike" u="sng">
                 <a:solidFill>
@@ -8241,22 +9312,7 @@
                 <a:latin typeface="Times New Roman"/>
                 <a:ea typeface="DejaVu Sans"/>
               </a:rPr>
-              <a:t>About the project - </a:t>
-            </a:r>
-            <a:r>
-              <a:rPr b="0" lang="en-US" sz="3300" spc="-1" strike="noStrike" u="sng">
-                <a:solidFill>
-                  <a:srgbClr val="050505"/>
-                </a:solidFill>
-                <a:uFill>
-                  <a:solidFill>
-                    <a:srgbClr val="ffffff"/>
-                  </a:solidFill>
-                </a:uFill>
-                <a:latin typeface="Times New Roman"/>
-                <a:ea typeface="DejaVu Sans"/>
-              </a:rPr>
-              <a:t>PROJECT OBJECTIVE</a:t>
+              <a:t>About the project - PROJECT OBJECTIVE</a:t>
             </a:r>
             <a:endParaRPr b="0" lang="en-US" sz="3300" spc="-1" strike="noStrike">
               <a:solidFill>
@@ -8281,7 +9337,7 @@
         <p:spPr>
           <a:xfrm>
             <a:off x="1779480" y="1463040"/>
-            <a:ext cx="8096040" cy="3284280"/>
+            <a:ext cx="8095680" cy="3283920"/>
           </a:xfrm>
           <a:prstGeom prst="rect">
             <a:avLst/>
@@ -8761,7 +9817,7 @@
         <p:spPr>
           <a:xfrm>
             <a:off x="2117520" y="4707000"/>
-            <a:ext cx="6383160" cy="593280"/>
+            <a:ext cx="6382800" cy="592920"/>
           </a:xfrm>
           <a:prstGeom prst="rect">
             <a:avLst/>
@@ -8787,7 +9843,7 @@
         <p:spPr>
           <a:xfrm>
             <a:off x="8371080" y="2973600"/>
-            <a:ext cx="8096040" cy="3284280"/>
+            <a:ext cx="8095680" cy="3283920"/>
           </a:xfrm>
           <a:prstGeom prst="rect">
             <a:avLst/>
@@ -8862,7 +9918,7 @@
         <p:spPr>
           <a:xfrm>
             <a:off x="1620000" y="216000"/>
-            <a:ext cx="8096040" cy="932040"/>
+            <a:ext cx="8095680" cy="931680"/>
           </a:xfrm>
           <a:prstGeom prst="rect">
             <a:avLst/>
@@ -8883,7 +9939,11 @@
             <a:normAutofit/>
           </a:bodyPr>
           <a:p>
-            <a:pPr algn="ctr"/>
+            <a:pPr algn="ctr">
+              <a:lnSpc>
+                <a:spcPct val="100000"/>
+              </a:lnSpc>
+            </a:pPr>
             <a:r>
               <a:rPr b="0" lang="en-US" sz="3300" spc="-1" strike="noStrike" u="sng">
                 <a:solidFill>
@@ -8922,7 +9982,7 @@
         <p:spPr>
           <a:xfrm>
             <a:off x="1779480" y="1463040"/>
-            <a:ext cx="4712760" cy="2926080"/>
+            <a:ext cx="4712400" cy="2925720"/>
           </a:xfrm>
           <a:prstGeom prst="rect">
             <a:avLst/>
@@ -8956,7 +10016,10 @@
             </a:endParaRPr>
           </a:p>
           <a:p>
-            <a:pPr marL="216000" indent="-216000">
+            <a:pPr marL="216000" indent="-215640">
+              <a:lnSpc>
+                <a:spcPct val="100000"/>
+              </a:lnSpc>
               <a:buClr>
                 <a:srgbClr val="050505"/>
               </a:buClr>
@@ -8976,7 +10039,22 @@
                 <a:latin typeface="Arial"/>
                 <a:ea typeface="Droid Sans Fallback"/>
               </a:rPr>
-              <a:t>Study, practice and </a:t>
+              <a:t>Study, practice and document how </a:t>
+            </a:r>
+            <a:r>
+              <a:rPr b="1" lang="en-US" sz="1600" spc="-1" strike="noStrike">
+                <a:solidFill>
+                  <a:srgbClr val="050505"/>
+                </a:solidFill>
+                <a:uFill>
+                  <a:solidFill>
+                    <a:srgbClr val="ffffff"/>
+                  </a:solidFill>
+                </a:uFill>
+                <a:latin typeface="Arial"/>
+                <a:ea typeface="Droid Sans Fallback"/>
+              </a:rPr>
+              <a:t>Ansible </a:t>
             </a:r>
             <a:r>
               <a:rPr b="0" lang="en-US" sz="1600" spc="-1" strike="noStrike">
@@ -8991,7 +10069,7 @@
                 <a:latin typeface="Arial"/>
                 <a:ea typeface="Droid Sans Fallback"/>
               </a:rPr>
-              <a:t>document how </a:t>
+              <a:t>would help </a:t>
             </a:r>
             <a:r>
               <a:rPr b="1" lang="en-US" sz="1600" spc="-1" strike="noStrike">
@@ -9006,7 +10084,7 @@
                 <a:latin typeface="Arial"/>
                 <a:ea typeface="Droid Sans Fallback"/>
               </a:rPr>
-              <a:t>Ansible </a:t>
+              <a:t>to automate system functions</a:t>
             </a:r>
             <a:r>
               <a:rPr b="0" lang="en-US" sz="1600" spc="-1" strike="noStrike">
@@ -9021,97 +10099,7 @@
                 <a:latin typeface="Arial"/>
                 <a:ea typeface="Droid Sans Fallback"/>
               </a:rPr>
-              <a:t>would help </a:t>
-            </a:r>
-            <a:r>
-              <a:rPr b="1" lang="en-US" sz="1600" spc="-1" strike="noStrike">
-                <a:solidFill>
-                  <a:srgbClr val="050505"/>
-                </a:solidFill>
-                <a:uFill>
-                  <a:solidFill>
-                    <a:srgbClr val="ffffff"/>
-                  </a:solidFill>
-                </a:uFill>
-                <a:latin typeface="Arial"/>
-                <a:ea typeface="Droid Sans Fallback"/>
-              </a:rPr>
-              <a:t>to automate system </a:t>
-            </a:r>
-            <a:r>
-              <a:rPr b="1" lang="en-US" sz="1600" spc="-1" strike="noStrike">
-                <a:solidFill>
-                  <a:srgbClr val="050505"/>
-                </a:solidFill>
-                <a:uFill>
-                  <a:solidFill>
-                    <a:srgbClr val="ffffff"/>
-                  </a:solidFill>
-                </a:uFill>
-                <a:latin typeface="Arial"/>
-                <a:ea typeface="Droid Sans Fallback"/>
-              </a:rPr>
-              <a:t>functions</a:t>
-            </a:r>
-            <a:r>
-              <a:rPr b="0" lang="en-US" sz="1600" spc="-1" strike="noStrike">
-                <a:solidFill>
-                  <a:srgbClr val="050505"/>
-                </a:solidFill>
-                <a:uFill>
-                  <a:solidFill>
-                    <a:srgbClr val="ffffff"/>
-                  </a:solidFill>
-                </a:uFill>
-                <a:latin typeface="Arial"/>
-                <a:ea typeface="Droid Sans Fallback"/>
-              </a:rPr>
-              <a:t> and </a:t>
-            </a:r>
-            <a:r>
-              <a:rPr b="0" lang="en-US" sz="1600" spc="-1" strike="noStrike">
-                <a:solidFill>
-                  <a:srgbClr val="050505"/>
-                </a:solidFill>
-                <a:uFill>
-                  <a:solidFill>
-                    <a:srgbClr val="ffffff"/>
-                  </a:solidFill>
-                </a:uFill>
-                <a:latin typeface="Arial"/>
-                <a:ea typeface="Droid Sans Fallback"/>
-              </a:rPr>
-              <a:t>reduce toil using the </a:t>
-            </a:r>
-            <a:r>
-              <a:rPr b="0" lang="en-US" sz="1600" spc="-1" strike="noStrike">
-                <a:solidFill>
-                  <a:srgbClr val="050505"/>
-                </a:solidFill>
-                <a:uFill>
-                  <a:solidFill>
-                    <a:srgbClr val="ffffff"/>
-                  </a:solidFill>
-                </a:uFill>
-                <a:latin typeface="Arial"/>
-                <a:ea typeface="Droid Sans Fallback"/>
-              </a:rPr>
-              <a:t>rich set of ansible </a:t>
-            </a:r>
-            <a:r>
-              <a:rPr b="0" lang="en-US" sz="1600" spc="-1" strike="noStrike">
-                <a:solidFill>
-                  <a:srgbClr val="050505"/>
-                </a:solidFill>
-                <a:uFill>
-                  <a:solidFill>
-                    <a:srgbClr val="ffffff"/>
-                  </a:solidFill>
-                </a:uFill>
-                <a:latin typeface="Arial"/>
-                <a:ea typeface="Droid Sans Fallback"/>
-              </a:rPr>
-              <a:t>modules.</a:t>
+              <a:t> and reduce toil using the rich set of ansible modules.</a:t>
             </a:r>
             <a:endParaRPr b="0" lang="en-US" sz="1600" spc="-1" strike="noStrike">
               <a:solidFill>
@@ -9126,13 +10114,124 @@
             </a:endParaRPr>
           </a:p>
           <a:p>
-            <a:pPr marL="216000" indent="-216000">
+            <a:pPr>
+              <a:lnSpc>
+                <a:spcPct val="100000"/>
+              </a:lnSpc>
+            </a:pPr>
+            <a:endParaRPr b="0" lang="en-US" sz="1600" spc="-1" strike="noStrike">
+              <a:solidFill>
+                <a:srgbClr val="000000"/>
+              </a:solidFill>
+              <a:uFill>
+                <a:solidFill>
+                  <a:srgbClr val="ffffff"/>
+                </a:solidFill>
+              </a:uFill>
+              <a:latin typeface="Arial"/>
+            </a:endParaRPr>
+          </a:p>
+          <a:p>
+            <a:pPr marL="216000" indent="-215640">
+              <a:lnSpc>
+                <a:spcPct val="100000"/>
+              </a:lnSpc>
               <a:buClr>
                 <a:srgbClr val="050505"/>
               </a:buClr>
               <a:buFont typeface="Wingdings" charset="2"/>
               <a:buChar char=""/>
             </a:pPr>
+            <a:r>
+              <a:rPr b="1" lang="en-US" sz="1600" spc="-1" strike="noStrike">
+                <a:solidFill>
+                  <a:srgbClr val="050505"/>
+                </a:solidFill>
+                <a:uFill>
+                  <a:solidFill>
+                    <a:srgbClr val="ffffff"/>
+                  </a:solidFill>
+                </a:uFill>
+                <a:latin typeface="Arial"/>
+                <a:ea typeface="Droid Sans Fallback"/>
+              </a:rPr>
+              <a:t>System Monitoring and Visualization</a:t>
+            </a:r>
+            <a:r>
+              <a:rPr b="0" lang="en-US" sz="1600" spc="-1" strike="noStrike">
+                <a:solidFill>
+                  <a:srgbClr val="050505"/>
+                </a:solidFill>
+                <a:uFill>
+                  <a:solidFill>
+                    <a:srgbClr val="ffffff"/>
+                  </a:solidFill>
+                </a:uFill>
+                <a:latin typeface="Arial"/>
+                <a:ea typeface="Droid Sans Fallback"/>
+              </a:rPr>
+              <a:t> of the metrics using </a:t>
+            </a:r>
+            <a:r>
+              <a:rPr b="1" lang="en-US" sz="1600" spc="-1" strike="noStrike">
+                <a:solidFill>
+                  <a:srgbClr val="050505"/>
+                </a:solidFill>
+                <a:uFill>
+                  <a:solidFill>
+                    <a:srgbClr val="ffffff"/>
+                  </a:solidFill>
+                </a:uFill>
+                <a:latin typeface="Arial"/>
+                <a:ea typeface="Droid Sans Fallback"/>
+              </a:rPr>
+              <a:t>Prometheus</a:t>
+            </a:r>
+            <a:r>
+              <a:rPr b="0" lang="en-US" sz="1600" spc="-1" strike="noStrike">
+                <a:solidFill>
+                  <a:srgbClr val="050505"/>
+                </a:solidFill>
+                <a:uFill>
+                  <a:solidFill>
+                    <a:srgbClr val="ffffff"/>
+                  </a:solidFill>
+                </a:uFill>
+                <a:latin typeface="Arial"/>
+                <a:ea typeface="Droid Sans Fallback"/>
+              </a:rPr>
+              <a:t> and </a:t>
+            </a:r>
+            <a:r>
+              <a:rPr b="1" lang="en-US" sz="1600" spc="-1" strike="noStrike">
+                <a:solidFill>
+                  <a:srgbClr val="050505"/>
+                </a:solidFill>
+                <a:uFill>
+                  <a:solidFill>
+                    <a:srgbClr val="ffffff"/>
+                  </a:solidFill>
+                </a:uFill>
+                <a:latin typeface="Arial"/>
+                <a:ea typeface="Droid Sans Fallback"/>
+              </a:rPr>
+              <a:t>Grafana</a:t>
+            </a:r>
+            <a:r>
+              <a:rPr b="0" lang="en-US" sz="1600" spc="-1" strike="noStrike">
+                <a:solidFill>
+                  <a:srgbClr val="050505"/>
+                </a:solidFill>
+                <a:uFill>
+                  <a:solidFill>
+                    <a:srgbClr val="ffffff"/>
+                  </a:solidFill>
+                </a:uFill>
+                <a:latin typeface="Arial"/>
+                <a:ea typeface="Droid Sans Fallback"/>
+              </a:rPr>
+              <a:t> respectively.</a:t>
+            </a:r>
             <a:endParaRPr b="0" lang="en-US" sz="1600" spc="-1" strike="noStrike">
               <a:solidFill>
                 <a:srgbClr val="000000"/>
@@ -9146,7 +10245,28 @@
             </a:endParaRPr>
           </a:p>
           <a:p>
-            <a:pPr marL="216000" indent="-216000">
+            <a:pPr>
+              <a:lnSpc>
+                <a:spcPct val="100000"/>
+              </a:lnSpc>
+            </a:pPr>
+            <a:endParaRPr b="0" lang="en-US" sz="1600" spc="-1" strike="noStrike">
+              <a:solidFill>
+                <a:srgbClr val="000000"/>
+              </a:solidFill>
+              <a:uFill>
+                <a:solidFill>
+                  <a:srgbClr val="ffffff"/>
+                </a:solidFill>
+              </a:uFill>
+              <a:latin typeface="Arial"/>
+            </a:endParaRPr>
+          </a:p>
+          <a:p>
+            <a:pPr marL="216000" indent="-215640">
+              <a:lnSpc>
+                <a:spcPct val="100000"/>
+              </a:lnSpc>
               <a:buClr>
                 <a:srgbClr val="050505"/>
               </a:buClr>
@@ -9166,7 +10286,22 @@
                 <a:latin typeface="Arial"/>
                 <a:ea typeface="Droid Sans Fallback"/>
               </a:rPr>
-              <a:t>System Monitoring </a:t>
+              <a:t>Alerting</a:t>
+            </a:r>
+            <a:r>
+              <a:rPr b="0" lang="en-US" sz="1600" spc="-1" strike="noStrike">
+                <a:solidFill>
+                  <a:srgbClr val="050505"/>
+                </a:solidFill>
+                <a:uFill>
+                  <a:solidFill>
+                    <a:srgbClr val="ffffff"/>
+                  </a:solidFill>
+                </a:uFill>
+                <a:latin typeface="Arial"/>
+                <a:ea typeface="Droid Sans Fallback"/>
+              </a:rPr>
+              <a:t> when there is anamoly found in the system functionality </a:t>
             </a:r>
             <a:r>
               <a:rPr b="1" lang="en-US" sz="1600" spc="-1" strike="noStrike">
@@ -9181,7 +10316,7 @@
                 <a:latin typeface="Arial"/>
                 <a:ea typeface="Droid Sans Fallback"/>
               </a:rPr>
-              <a:t>and Visualization</a:t>
+              <a:t>by sending an email</a:t>
             </a:r>
             <a:r>
               <a:rPr b="0" lang="en-US" sz="1600" spc="-1" strike="noStrike">
@@ -9196,257 +10331,7 @@
                 <a:latin typeface="Arial"/>
                 <a:ea typeface="Droid Sans Fallback"/>
               </a:rPr>
-              <a:t> of </a:t>
-            </a:r>
-            <a:r>
-              <a:rPr b="0" lang="en-US" sz="1600" spc="-1" strike="noStrike">
-                <a:solidFill>
-                  <a:srgbClr val="050505"/>
-                </a:solidFill>
-                <a:uFill>
-                  <a:solidFill>
-                    <a:srgbClr val="ffffff"/>
-                  </a:solidFill>
-                </a:uFill>
-                <a:latin typeface="Arial"/>
-                <a:ea typeface="Droid Sans Fallback"/>
-              </a:rPr>
-              <a:t>the metrics using </a:t>
-            </a:r>
-            <a:r>
-              <a:rPr b="1" lang="en-US" sz="1600" spc="-1" strike="noStrike">
-                <a:solidFill>
-                  <a:srgbClr val="050505"/>
-                </a:solidFill>
-                <a:uFill>
-                  <a:solidFill>
-                    <a:srgbClr val="ffffff"/>
-                  </a:solidFill>
-                </a:uFill>
-                <a:latin typeface="Arial"/>
-                <a:ea typeface="Droid Sans Fallback"/>
-              </a:rPr>
-              <a:t>Prometheus</a:t>
-            </a:r>
-            <a:r>
-              <a:rPr b="0" lang="en-US" sz="1600" spc="-1" strike="noStrike">
-                <a:solidFill>
-                  <a:srgbClr val="050505"/>
-                </a:solidFill>
-                <a:uFill>
-                  <a:solidFill>
-                    <a:srgbClr val="ffffff"/>
-                  </a:solidFill>
-                </a:uFill>
-                <a:latin typeface="Arial"/>
-                <a:ea typeface="Droid Sans Fallback"/>
-              </a:rPr>
-              <a:t> and </a:t>
-            </a:r>
-            <a:r>
-              <a:rPr b="1" lang="en-US" sz="1600" spc="-1" strike="noStrike">
-                <a:solidFill>
-                  <a:srgbClr val="050505"/>
-                </a:solidFill>
-                <a:uFill>
-                  <a:solidFill>
-                    <a:srgbClr val="ffffff"/>
-                  </a:solidFill>
-                </a:uFill>
-                <a:latin typeface="Arial"/>
-                <a:ea typeface="Droid Sans Fallback"/>
-              </a:rPr>
-              <a:t>Grafana</a:t>
-            </a:r>
-            <a:r>
-              <a:rPr b="0" lang="en-US" sz="1600" spc="-1" strike="noStrike">
-                <a:solidFill>
-                  <a:srgbClr val="050505"/>
-                </a:solidFill>
-                <a:uFill>
-                  <a:solidFill>
-                    <a:srgbClr val="ffffff"/>
-                  </a:solidFill>
-                </a:uFill>
-                <a:latin typeface="Arial"/>
-                <a:ea typeface="Droid Sans Fallback"/>
-              </a:rPr>
-              <a:t> respectively.</a:t>
-            </a:r>
-            <a:endParaRPr b="0" lang="en-US" sz="1600" spc="-1" strike="noStrike">
-              <a:solidFill>
-                <a:srgbClr val="000000"/>
-              </a:solidFill>
-              <a:uFill>
-                <a:solidFill>
-                  <a:srgbClr val="ffffff"/>
-                </a:solidFill>
-              </a:uFill>
-              <a:latin typeface="Arial"/>
-            </a:endParaRPr>
-          </a:p>
-          <a:p>
-            <a:pPr marL="216000" indent="-216000">
-              <a:buClr>
-                <a:srgbClr val="050505"/>
-              </a:buClr>
-              <a:buFont typeface="Wingdings" charset="2"/>
-              <a:buChar char=""/>
-            </a:pPr>
-            <a:endParaRPr b="0" lang="en-US" sz="1600" spc="-1" strike="noStrike">
-              <a:solidFill>
-                <a:srgbClr val="000000"/>
-              </a:solidFill>
-              <a:uFill>
-                <a:solidFill>
-                  <a:srgbClr val="ffffff"/>
-                </a:solidFill>
-              </a:uFill>
-              <a:latin typeface="Arial"/>
-            </a:endParaRPr>
-          </a:p>
-          <a:p>
-            <a:pPr marL="216000" indent="-216000">
-              <a:buClr>
-                <a:srgbClr val="050505"/>
-              </a:buClr>
-              <a:buFont typeface="Wingdings" charset="2"/>
-              <a:buChar char=""/>
-            </a:pPr>
-            <a:r>
-              <a:rPr b="1" lang="en-US" sz="1600" spc="-1" strike="noStrike">
-                <a:solidFill>
-                  <a:srgbClr val="050505"/>
-                </a:solidFill>
-                <a:uFill>
-                  <a:solidFill>
-                    <a:srgbClr val="ffffff"/>
-                  </a:solidFill>
-                </a:uFill>
-                <a:latin typeface="Arial"/>
-                <a:ea typeface="Droid Sans Fallback"/>
-              </a:rPr>
-              <a:t>Alerting</a:t>
-            </a:r>
-            <a:r>
-              <a:rPr b="0" lang="en-US" sz="1600" spc="-1" strike="noStrike">
-                <a:solidFill>
-                  <a:srgbClr val="050505"/>
-                </a:solidFill>
-                <a:uFill>
-                  <a:solidFill>
-                    <a:srgbClr val="ffffff"/>
-                  </a:solidFill>
-                </a:uFill>
-                <a:latin typeface="Arial"/>
-                <a:ea typeface="Droid Sans Fallback"/>
-              </a:rPr>
-              <a:t> when there </a:t>
-            </a:r>
-            <a:r>
-              <a:rPr b="0" lang="en-US" sz="1600" spc="-1" strike="noStrike">
-                <a:solidFill>
-                  <a:srgbClr val="050505"/>
-                </a:solidFill>
-                <a:uFill>
-                  <a:solidFill>
-                    <a:srgbClr val="ffffff"/>
-                  </a:solidFill>
-                </a:uFill>
-                <a:latin typeface="Arial"/>
-                <a:ea typeface="Droid Sans Fallback"/>
-              </a:rPr>
-              <a:t>is anamoly found in </a:t>
-            </a:r>
-            <a:r>
-              <a:rPr b="0" lang="en-US" sz="1600" spc="-1" strike="noStrike">
-                <a:solidFill>
-                  <a:srgbClr val="050505"/>
-                </a:solidFill>
-                <a:uFill>
-                  <a:solidFill>
-                    <a:srgbClr val="ffffff"/>
-                  </a:solidFill>
-                </a:uFill>
-                <a:latin typeface="Arial"/>
-                <a:ea typeface="Droid Sans Fallback"/>
-              </a:rPr>
-              <a:t>the system </a:t>
-            </a:r>
-            <a:r>
-              <a:rPr b="0" lang="en-US" sz="1600" spc="-1" strike="noStrike">
-                <a:solidFill>
-                  <a:srgbClr val="050505"/>
-                </a:solidFill>
-                <a:uFill>
-                  <a:solidFill>
-                    <a:srgbClr val="ffffff"/>
-                  </a:solidFill>
-                </a:uFill>
-                <a:latin typeface="Arial"/>
-                <a:ea typeface="Droid Sans Fallback"/>
-              </a:rPr>
-              <a:t>functionality </a:t>
-            </a:r>
-            <a:r>
-              <a:rPr b="1" lang="en-US" sz="1600" spc="-1" strike="noStrike">
-                <a:solidFill>
-                  <a:srgbClr val="050505"/>
-                </a:solidFill>
-                <a:uFill>
-                  <a:solidFill>
-                    <a:srgbClr val="ffffff"/>
-                  </a:solidFill>
-                </a:uFill>
-                <a:latin typeface="Arial"/>
-                <a:ea typeface="Droid Sans Fallback"/>
-              </a:rPr>
-              <a:t>by </a:t>
-            </a:r>
-            <a:r>
-              <a:rPr b="1" lang="en-US" sz="1600" spc="-1" strike="noStrike">
-                <a:solidFill>
-                  <a:srgbClr val="050505"/>
-                </a:solidFill>
-                <a:uFill>
-                  <a:solidFill>
-                    <a:srgbClr val="ffffff"/>
-                  </a:solidFill>
-                </a:uFill>
-                <a:latin typeface="Arial"/>
-                <a:ea typeface="Droid Sans Fallback"/>
-              </a:rPr>
-              <a:t>sending an email</a:t>
-            </a:r>
-            <a:r>
-              <a:rPr b="0" lang="en-US" sz="1600" spc="-1" strike="noStrike">
-                <a:solidFill>
-                  <a:srgbClr val="050505"/>
-                </a:solidFill>
-                <a:uFill>
-                  <a:solidFill>
-                    <a:srgbClr val="ffffff"/>
-                  </a:solidFill>
-                </a:uFill>
-                <a:latin typeface="Arial"/>
-                <a:ea typeface="Droid Sans Fallback"/>
-              </a:rPr>
-              <a:t> to </a:t>
-            </a:r>
-            <a:r>
-              <a:rPr b="0" lang="en-US" sz="1600" spc="-1" strike="noStrike">
-                <a:solidFill>
-                  <a:srgbClr val="050505"/>
-                </a:solidFill>
-                <a:uFill>
-                  <a:solidFill>
-                    <a:srgbClr val="ffffff"/>
-                  </a:solidFill>
-                </a:uFill>
-                <a:latin typeface="Arial"/>
-                <a:ea typeface="Droid Sans Fallback"/>
-              </a:rPr>
-              <a:t>the systems support.</a:t>
+              <a:t> to the systems support.</a:t>
             </a:r>
             <a:r>
               <a:rPr b="1" lang="en-US" sz="1600" spc="-1" strike="noStrike">
@@ -9486,7 +10371,7 @@
         <p:spPr>
           <a:xfrm>
             <a:off x="1937880" y="4572000"/>
-            <a:ext cx="6383160" cy="593280"/>
+            <a:ext cx="6382800" cy="592920"/>
           </a:xfrm>
           <a:prstGeom prst="rect">
             <a:avLst/>
@@ -9512,7 +10397,7 @@
         <p:spPr>
           <a:xfrm>
             <a:off x="8371080" y="2973600"/>
-            <a:ext cx="8096040" cy="3284280"/>
+            <a:ext cx="8095680" cy="3283920"/>
           </a:xfrm>
           <a:prstGeom prst="rect">
             <a:avLst/>
@@ -9542,7 +10427,7 @@
         <p:spPr>
           <a:xfrm>
             <a:off x="6949440" y="1280160"/>
-            <a:ext cx="2115000" cy="1371600"/>
+            <a:ext cx="2114640" cy="1371240"/>
           </a:xfrm>
           <a:prstGeom prst="rect">
             <a:avLst/>
@@ -9565,7 +10450,7 @@
         <p:spPr>
           <a:xfrm>
             <a:off x="6675120" y="3108960"/>
-            <a:ext cx="3200400" cy="1408320"/>
+            <a:ext cx="3200040" cy="1407960"/>
           </a:xfrm>
           <a:prstGeom prst="rect">
             <a:avLst/>
@@ -9633,7 +10518,7 @@
         <p:spPr>
           <a:xfrm>
             <a:off x="914400" y="253080"/>
-            <a:ext cx="8096040" cy="932040"/>
+            <a:ext cx="8095680" cy="931680"/>
           </a:xfrm>
           <a:prstGeom prst="rect">
             <a:avLst/>
@@ -9654,7 +10539,7 @@
             <a:normAutofit/>
           </a:bodyPr>
           <a:p>
-            <a:pPr lvl="2" marL="648000" indent="-212040" algn="ctr">
+            <a:pPr lvl="2" marL="648000" indent="-211680" algn="ctr">
               <a:lnSpc>
                 <a:spcPct val="100000"/>
               </a:lnSpc>
@@ -9703,7 +10588,7 @@
         <p:spPr>
           <a:xfrm>
             <a:off x="1775880" y="1097280"/>
-            <a:ext cx="8096040" cy="3284280"/>
+            <a:ext cx="8095680" cy="3283920"/>
           </a:xfrm>
           <a:prstGeom prst="rect">
             <a:avLst/>
@@ -9760,7 +10645,7 @@
             </a:endParaRPr>
           </a:p>
           <a:p>
-            <a:pPr marL="571680" indent="-212400">
+            <a:pPr marL="571680" indent="-212040">
               <a:lnSpc>
                 <a:spcPct val="100000"/>
               </a:lnSpc>
@@ -9802,7 +10687,7 @@
             </a:endParaRPr>
           </a:p>
           <a:p>
-            <a:pPr marL="571680" indent="-212400">
+            <a:pPr marL="571680" indent="-212040">
               <a:lnSpc>
                 <a:spcPct val="100000"/>
               </a:lnSpc>
@@ -9844,7 +10729,7 @@
             </a:endParaRPr>
           </a:p>
           <a:p>
-            <a:pPr marL="571680" indent="-212400">
+            <a:pPr marL="571680" indent="-212040">
               <a:lnSpc>
                 <a:spcPct val="100000"/>
               </a:lnSpc>
@@ -9886,7 +10771,7 @@
             </a:endParaRPr>
           </a:p>
           <a:p>
-            <a:pPr marL="571680" indent="-212400">
+            <a:pPr marL="571680" indent="-212040">
               <a:lnSpc>
                 <a:spcPct val="100000"/>
               </a:lnSpc>
@@ -9975,7 +10860,7 @@
         <p:spPr>
           <a:xfrm>
             <a:off x="2837520" y="3017520"/>
-            <a:ext cx="5117760" cy="2553120"/>
+            <a:ext cx="5117400" cy="2552760"/>
           </a:xfrm>
           <a:prstGeom prst="rect">
             <a:avLst/>
@@ -9996,7 +10881,7 @@
         <p:spPr>
           <a:xfrm>
             <a:off x="2834640" y="3108960"/>
-            <a:ext cx="2009160" cy="594000"/>
+            <a:ext cx="2008800" cy="593640"/>
           </a:xfrm>
           <a:prstGeom prst="rect">
             <a:avLst/>
@@ -10062,7 +10947,7 @@
         <p:spPr>
           <a:xfrm>
             <a:off x="3566160" y="4208400"/>
-            <a:ext cx="855360" cy="179280"/>
+            <a:ext cx="855000" cy="178920"/>
           </a:xfrm>
           <a:prstGeom prst="rect">
             <a:avLst/>
@@ -10085,7 +10970,7 @@
         <p:spPr>
           <a:xfrm>
             <a:off x="6675120" y="4206240"/>
-            <a:ext cx="389160" cy="160560"/>
+            <a:ext cx="388800" cy="160200"/>
           </a:xfrm>
           <a:prstGeom prst="rect">
             <a:avLst/>
@@ -10153,7 +11038,7 @@
         <p:spPr>
           <a:xfrm>
             <a:off x="1620000" y="216000"/>
-            <a:ext cx="8096040" cy="932040"/>
+            <a:ext cx="8095680" cy="931680"/>
           </a:xfrm>
           <a:prstGeom prst="rect">
             <a:avLst/>
@@ -10217,7 +11102,7 @@
         <p:spPr>
           <a:xfrm>
             <a:off x="2050560" y="1518480"/>
-            <a:ext cx="8096040" cy="3284280"/>
+            <a:ext cx="8095680" cy="3283920"/>
           </a:xfrm>
           <a:prstGeom prst="rect">
             <a:avLst/>
@@ -10243,7 +11128,7 @@
         <p:spPr>
           <a:xfrm>
             <a:off x="8371080" y="2973600"/>
-            <a:ext cx="8096040" cy="3284280"/>
+            <a:ext cx="8095680" cy="3283920"/>
           </a:xfrm>
           <a:prstGeom prst="rect">
             <a:avLst/>
@@ -10274,7 +11159,7 @@
         <p:spPr>
           <a:xfrm>
             <a:off x="365760" y="1097280"/>
-            <a:ext cx="9510840" cy="4572000"/>
+            <a:ext cx="9510480" cy="4571640"/>
           </a:xfrm>
           <a:prstGeom prst="rect">
             <a:avLst/>
@@ -10341,8 +11226,8 @@
         </p:nvSpPr>
         <p:spPr>
           <a:xfrm>
-            <a:off x="678600" y="253080"/>
-            <a:ext cx="8096040" cy="932040"/>
+            <a:off x="1620000" y="216000"/>
+            <a:ext cx="8095680" cy="931680"/>
           </a:xfrm>
           <a:prstGeom prst="rect">
             <a:avLst/>
@@ -10363,19 +11248,13 @@
             <a:normAutofit/>
           </a:bodyPr>
           <a:p>
-            <a:pPr lvl="2" marL="648000" indent="-212040" algn="ctr">
+            <a:pPr algn="ctr">
               <a:lnSpc>
                 <a:spcPct val="100000"/>
               </a:lnSpc>
-              <a:buClr>
-                <a:srgbClr val="000000"/>
-              </a:buClr>
-              <a:buSzPct val="45000"/>
-              <a:buFont typeface="Wingdings" charset="2"/>
-              <a:buChar char=""/>
             </a:pPr>
             <a:r>
-              <a:rPr b="0" lang="en-US" sz="2600" spc="-1" strike="noStrike">
+              <a:rPr b="0" lang="en-US" sz="3300" spc="-1" strike="noStrike" u="sng">
                 <a:solidFill>
                   <a:srgbClr val="050505"/>
                 </a:solidFill>
@@ -10387,9 +11266,9 @@
                 <a:latin typeface="Times New Roman"/>
                 <a:ea typeface="DejaVu Sans"/>
               </a:rPr>
-              <a:t>Use case for Monitoring and Alerting</a:t>
-            </a:r>
-            <a:endParaRPr b="0" lang="en-US" sz="2600" spc="-1" strike="noStrike">
+              <a:t>ASSUMPTIONS IN THE AUTOMATION</a:t>
+            </a:r>
+            <a:endParaRPr b="0" lang="en-US" sz="3300" spc="-1" strike="noStrike">
               <a:solidFill>
                 <a:srgbClr val="000000"/>
               </a:solidFill>
@@ -10405,14 +11284,14 @@
       </p:sp>
       <p:sp>
         <p:nvSpPr>
-          <p:cNvPr id="116" name="CustomShape 2"/>
-          <p:cNvSpPr/>
+          <p:cNvPr id="116" name="TextShape 2"/>
+          <p:cNvSpPr txBox="1"/>
           <p:nvPr/>
         </p:nvSpPr>
         <p:spPr>
           <a:xfrm>
-            <a:off x="2430360" y="1319040"/>
-            <a:ext cx="6214680" cy="4258800"/>
+            <a:off x="1828800" y="1280160"/>
+            <a:ext cx="7955280" cy="4243320"/>
           </a:xfrm>
           <a:prstGeom prst="rect">
             <a:avLst/>
@@ -10422,70 +11301,12 @@
             <a:noFill/>
           </a:ln>
         </p:spPr>
-        <p:style>
-          <a:lnRef idx="0"/>
-          <a:fillRef idx="0"/>
-          <a:effectRef idx="0"/>
-          <a:fontRef idx="minor"/>
-        </p:style>
         <p:txBody>
-          <a:bodyPr wrap="none" lIns="0" rIns="0" tIns="0" bIns="0"/>
-          <a:p>
-            <a:pPr>
-              <a:lnSpc>
-                <a:spcPct val="100000"/>
-              </a:lnSpc>
-            </a:pPr>
-            <a:r>
-              <a:rPr b="0" lang="en-US" sz="1400" spc="-1" strike="noStrike">
-                <a:solidFill>
-                  <a:srgbClr val="050505"/>
-                </a:solidFill>
-                <a:uFill>
-                  <a:solidFill>
-                    <a:srgbClr val="ffffff"/>
-                  </a:solidFill>
-                </a:uFill>
-                <a:latin typeface="Arial"/>
-              </a:rPr>
-              <a:t>Project designed to check the following two basic information on the server.</a:t>
-            </a:r>
-            <a:endParaRPr b="0" lang="en-US" sz="1400" spc="-1" strike="noStrike">
-              <a:solidFill>
-                <a:srgbClr val="050505"/>
-              </a:solidFill>
-              <a:uFill>
-                <a:solidFill>
-                  <a:srgbClr val="ffffff"/>
-                </a:solidFill>
-              </a:uFill>
-              <a:latin typeface="Arial"/>
-              <a:ea typeface="DejaVu Sans"/>
-            </a:endParaRPr>
-          </a:p>
-          <a:p>
-            <a:pPr>
-              <a:lnSpc>
-                <a:spcPct val="100000"/>
-              </a:lnSpc>
-            </a:pPr>
-            <a:endParaRPr b="0" lang="en-US" sz="1400" spc="-1" strike="noStrike">
-              <a:solidFill>
-                <a:srgbClr val="050505"/>
-              </a:solidFill>
-              <a:uFill>
-                <a:solidFill>
-                  <a:srgbClr val="ffffff"/>
-                </a:solidFill>
-              </a:uFill>
-              <a:latin typeface="Arial"/>
-              <a:ea typeface="DejaVu Sans"/>
-            </a:endParaRPr>
-          </a:p>
+          <a:bodyPr lIns="90000" rIns="90000" tIns="45000" bIns="45000"/>
           <a:p>
             <a:pPr marL="216000" indent="-216000">
               <a:lnSpc>
-                <a:spcPct val="100000"/>
+                <a:spcPct val="115000"/>
               </a:lnSpc>
               <a:buClr>
                 <a:srgbClr val="000000"/>
@@ -10495,36 +11316,64 @@
               <a:buChar char=""/>
             </a:pPr>
             <a:r>
-              <a:rPr b="0" lang="en-US" sz="1200" spc="-1" strike="noStrike">
-                <a:solidFill>
-                  <a:srgbClr val="050505"/>
-                </a:solidFill>
-                <a:uFill>
-                  <a:solidFill>
-                    <a:srgbClr val="ffffff"/>
-                  </a:solidFill>
-                </a:uFill>
-                <a:latin typeface="Arial"/>
-              </a:rPr>
-              <a:t>TCP Echo Server Running Status – up (1) or down (0)</a:t>
-            </a:r>
-            <a:endParaRPr b="0" lang="en-US" sz="1200" spc="-1" strike="noStrike">
-              <a:solidFill>
-                <a:srgbClr val="050505"/>
-              </a:solidFill>
-              <a:uFill>
-                <a:solidFill>
-                  <a:srgbClr val="ffffff"/>
-                </a:solidFill>
-              </a:uFill>
-              <a:latin typeface="Arial"/>
-              <a:ea typeface="DejaVu Sans"/>
+              <a:rPr b="0" lang="en-US" sz="1500" spc="-1" strike="noStrike">
+                <a:solidFill>
+                  <a:srgbClr val="000000"/>
+                </a:solidFill>
+                <a:uFill>
+                  <a:solidFill>
+                    <a:srgbClr val="ffffff"/>
+                  </a:solidFill>
+                </a:uFill>
+                <a:latin typeface="Arial"/>
+              </a:rPr>
+              <a:t>RHEL VM is started from a </a:t>
+            </a:r>
+            <a:r>
+              <a:rPr b="1" lang="en-US" sz="1500" spc="-1" strike="noStrike">
+                <a:solidFill>
+                  <a:srgbClr val="000000"/>
+                </a:solidFill>
+                <a:uFill>
+                  <a:solidFill>
+                    <a:srgbClr val="ffffff"/>
+                  </a:solidFill>
+                </a:uFill>
+                <a:latin typeface="Arial"/>
+              </a:rPr>
+              <a:t>pre-built OS image. </a:t>
+            </a:r>
+            <a:r>
+              <a:rPr b="0" lang="en-US" sz="1500" spc="-1" strike="noStrike">
+                <a:solidFill>
+                  <a:srgbClr val="000000"/>
+                </a:solidFill>
+                <a:uFill>
+                  <a:solidFill>
+                    <a:srgbClr val="ffffff"/>
+                  </a:solidFill>
+                </a:uFill>
+                <a:latin typeface="Arial"/>
+              </a:rPr>
+              <a:t>Building an image from the scratch is not within the scope in this project.</a:t>
+            </a:r>
+            <a:endParaRPr b="0" lang="en-US" sz="1500" spc="-1" strike="noStrike">
+              <a:solidFill>
+                <a:srgbClr val="000000"/>
+              </a:solidFill>
+              <a:uFill>
+                <a:solidFill>
+                  <a:srgbClr val="ffffff"/>
+                </a:solidFill>
+              </a:uFill>
+              <a:latin typeface="Arial"/>
+              <a:ea typeface="WenQuanYi Zen Hei Sharp"/>
             </a:endParaRPr>
           </a:p>
           <a:p>
             <a:pPr marL="216000" indent="-216000">
               <a:lnSpc>
-                <a:spcPct val="100000"/>
+                <a:spcPct val="115000"/>
               </a:lnSpc>
               <a:buClr>
                 <a:srgbClr val="000000"/>
@@ -10533,106 +11382,21 @@
               <a:buFont typeface="Wingdings" charset="2"/>
               <a:buChar char=""/>
             </a:pPr>
-            <a:r>
-              <a:rPr b="0" lang="en-US" sz="1200" spc="-1" strike="noStrike">
-                <a:solidFill>
-                  <a:srgbClr val="050505"/>
-                </a:solidFill>
-                <a:uFill>
-                  <a:solidFill>
-                    <a:srgbClr val="ffffff"/>
-                  </a:solidFill>
-                </a:uFill>
-                <a:latin typeface="Arial"/>
-              </a:rPr>
-              <a:t>TCP Echo Server Socket State – Listening (1) or Not listening (0)</a:t>
-            </a:r>
-            <a:endParaRPr b="0" lang="en-US" sz="1200" spc="-1" strike="noStrike">
-              <a:solidFill>
-                <a:srgbClr val="050505"/>
-              </a:solidFill>
-              <a:uFill>
-                <a:solidFill>
-                  <a:srgbClr val="ffffff"/>
-                </a:solidFill>
-              </a:uFill>
-              <a:latin typeface="Arial"/>
-              <a:ea typeface="DejaVu Sans"/>
-            </a:endParaRPr>
-          </a:p>
-          <a:p>
-            <a:pPr>
-              <a:lnSpc>
-                <a:spcPct val="100000"/>
-              </a:lnSpc>
-            </a:pPr>
-            <a:endParaRPr b="0" lang="en-US" sz="1200" spc="-1" strike="noStrike">
-              <a:solidFill>
-                <a:srgbClr val="050505"/>
-              </a:solidFill>
-              <a:uFill>
-                <a:solidFill>
-                  <a:srgbClr val="ffffff"/>
-                </a:solidFill>
-              </a:uFill>
-              <a:latin typeface="Arial"/>
-              <a:ea typeface="DejaVu Sans"/>
-            </a:endParaRPr>
-          </a:p>
-          <a:p>
-            <a:pPr>
-              <a:lnSpc>
-                <a:spcPct val="100000"/>
-              </a:lnSpc>
-            </a:pPr>
-            <a:r>
-              <a:rPr b="0" lang="en-US" sz="1400" spc="-1" strike="noStrike">
-                <a:solidFill>
-                  <a:srgbClr val="050505"/>
-                </a:solidFill>
-                <a:uFill>
-                  <a:solidFill>
-                    <a:srgbClr val="ffffff"/>
-                  </a:solidFill>
-                </a:uFill>
-                <a:latin typeface="Arial"/>
-              </a:rPr>
-              <a:t>Using Node Exporter Standard Dashboard the following metrics are visualized.</a:t>
-            </a:r>
-            <a:endParaRPr b="0" lang="en-US" sz="1400" spc="-1" strike="noStrike">
-              <a:solidFill>
-                <a:srgbClr val="050505"/>
-              </a:solidFill>
-              <a:uFill>
-                <a:solidFill>
-                  <a:srgbClr val="ffffff"/>
-                </a:solidFill>
-              </a:uFill>
-              <a:latin typeface="Arial"/>
-              <a:ea typeface="DejaVu Sans"/>
-            </a:endParaRPr>
-          </a:p>
-          <a:p>
-            <a:pPr>
-              <a:lnSpc>
-                <a:spcPct val="100000"/>
-              </a:lnSpc>
-            </a:pPr>
-            <a:endParaRPr b="0" lang="en-US" sz="1400" spc="-1" strike="noStrike">
-              <a:solidFill>
-                <a:srgbClr val="050505"/>
-              </a:solidFill>
-              <a:uFill>
-                <a:solidFill>
-                  <a:srgbClr val="ffffff"/>
-                </a:solidFill>
-              </a:uFill>
-              <a:latin typeface="Arial"/>
-              <a:ea typeface="DejaVu Sans"/>
-            </a:endParaRPr>
-          </a:p>
-          <a:p>
-            <a:pPr marL="457200">
+            <a:endParaRPr b="0" lang="en-US" sz="1500" spc="-1" strike="noStrike">
+              <a:solidFill>
+                <a:srgbClr val="000000"/>
+              </a:solidFill>
+              <a:uFill>
+                <a:solidFill>
+                  <a:srgbClr val="ffffff"/>
+                </a:solidFill>
+              </a:uFill>
+              <a:latin typeface="Arial"/>
+              <a:ea typeface="WenQuanYi Zen Hei Sharp"/>
+            </a:endParaRPr>
+          </a:p>
+          <a:p>
+            <a:pPr marL="216000" indent="-216000">
               <a:lnSpc>
                 <a:spcPct val="115000"/>
               </a:lnSpc>
@@ -10644,33 +11408,103 @@
               <a:buChar char=""/>
             </a:pPr>
             <a:r>
-              <a:rPr b="0" lang="en-US" sz="1200" spc="-1" strike="noStrike">
-                <a:solidFill>
-                  <a:srgbClr val="000000"/>
-                </a:solidFill>
-                <a:uFill>
-                  <a:solidFill>
-                    <a:srgbClr val="ffffff"/>
-                  </a:solidFill>
-                </a:uFill>
-                <a:latin typeface="Arial"/>
-              </a:rPr>
-              <a:t>CPU Usage</a:t>
-            </a:r>
-            <a:endParaRPr b="0" lang="en-US" sz="1200" spc="-1" strike="noStrike">
-              <a:solidFill>
-                <a:srgbClr val="000000"/>
-              </a:solidFill>
-              <a:uFill>
-                <a:solidFill>
-                  <a:srgbClr val="ffffff"/>
-                </a:solidFill>
-              </a:uFill>
-              <a:latin typeface="Arial"/>
-            </a:endParaRPr>
-          </a:p>
-          <a:p>
-            <a:pPr marL="457200">
+              <a:rPr b="1" lang="en-US" sz="1500" spc="-1" strike="noStrike">
+                <a:solidFill>
+                  <a:srgbClr val="000000"/>
+                </a:solidFill>
+                <a:uFill>
+                  <a:solidFill>
+                    <a:srgbClr val="ffffff"/>
+                  </a:solidFill>
+                </a:uFill>
+                <a:latin typeface="Arial"/>
+              </a:rPr>
+              <a:t>Network interfaces</a:t>
+            </a:r>
+            <a:r>
+              <a:rPr b="0" lang="en-US" sz="1500" spc="-1" strike="noStrike">
+                <a:solidFill>
+                  <a:srgbClr val="000000"/>
+                </a:solidFill>
+                <a:uFill>
+                  <a:solidFill>
+                    <a:srgbClr val="ffffff"/>
+                  </a:solidFill>
+                </a:uFill>
+                <a:latin typeface="Arial"/>
+              </a:rPr>
+              <a:t> are </a:t>
+            </a:r>
+            <a:r>
+              <a:rPr b="1" lang="en-US" sz="1500" spc="-1" strike="noStrike">
+                <a:solidFill>
+                  <a:srgbClr val="000000"/>
+                </a:solidFill>
+                <a:uFill>
+                  <a:solidFill>
+                    <a:srgbClr val="ffffff"/>
+                  </a:solidFill>
+                </a:uFill>
+                <a:latin typeface="Arial"/>
+              </a:rPr>
+              <a:t>well defined</a:t>
+            </a:r>
+            <a:r>
+              <a:rPr b="0" lang="en-US" sz="1500" spc="-1" strike="noStrike">
+                <a:solidFill>
+                  <a:srgbClr val="000000"/>
+                </a:solidFill>
+                <a:uFill>
+                  <a:solidFill>
+                    <a:srgbClr val="ffffff"/>
+                  </a:solidFill>
+                </a:uFill>
+                <a:latin typeface="Arial"/>
+              </a:rPr>
+              <a:t> </a:t>
+            </a:r>
+            <a:r>
+              <a:rPr b="1" lang="en-US" sz="1500" spc="-1" strike="noStrike">
+                <a:solidFill>
+                  <a:srgbClr val="000000"/>
+                </a:solidFill>
+                <a:uFill>
+                  <a:solidFill>
+                    <a:srgbClr val="ffffff"/>
+                  </a:solidFill>
+                </a:uFill>
+                <a:latin typeface="Arial"/>
+              </a:rPr>
+              <a:t>and configured</a:t>
+            </a:r>
+            <a:r>
+              <a:rPr b="0" lang="en-US" sz="1500" spc="-1" strike="noStrike">
+                <a:solidFill>
+                  <a:srgbClr val="000000"/>
+                </a:solidFill>
+                <a:uFill>
+                  <a:solidFill>
+                    <a:srgbClr val="ffffff"/>
+                  </a:solidFill>
+                </a:uFill>
+                <a:latin typeface="Arial"/>
+              </a:rPr>
+              <a:t> on both host and virtual operating systems., so that the development work in the project involves only at the application layer and TCP layers of the Network protocol stack.</a:t>
+            </a:r>
+            <a:endParaRPr b="0" lang="en-US" sz="1500" spc="-1" strike="noStrike">
+              <a:solidFill>
+                <a:srgbClr val="000000"/>
+              </a:solidFill>
+              <a:uFill>
+                <a:solidFill>
+                  <a:srgbClr val="ffffff"/>
+                </a:solidFill>
+              </a:uFill>
+              <a:latin typeface="Arial"/>
+            </a:endParaRPr>
+          </a:p>
+          <a:p>
+            <a:pPr marL="216000" indent="-216000">
               <a:lnSpc>
                 <a:spcPct val="115000"/>
               </a:lnSpc>
@@ -10681,34 +11515,20 @@
               <a:buFont typeface="Wingdings" charset="2"/>
               <a:buChar char=""/>
             </a:pPr>
-            <a:r>
-              <a:rPr b="0" lang="en-US" sz="1200" spc="-1" strike="noStrike">
-                <a:solidFill>
-                  <a:srgbClr val="000000"/>
-                </a:solidFill>
-                <a:uFill>
-                  <a:solidFill>
-                    <a:srgbClr val="ffffff"/>
-                  </a:solidFill>
-                </a:uFill>
-                <a:latin typeface="Arial"/>
-              </a:rPr>
-              <a:t>Load Average</a:t>
-            </a:r>
-            <a:endParaRPr b="0" lang="en-US" sz="1200" spc="-1" strike="noStrike">
-              <a:solidFill>
-                <a:srgbClr val="000000"/>
-              </a:solidFill>
-              <a:uFill>
-                <a:solidFill>
-                  <a:srgbClr val="ffffff"/>
-                </a:solidFill>
-              </a:uFill>
-              <a:latin typeface="Arial"/>
-            </a:endParaRPr>
-          </a:p>
-          <a:p>
-            <a:pPr marL="457200">
+            <a:endParaRPr b="0" lang="en-US" sz="1500" spc="-1" strike="noStrike">
+              <a:solidFill>
+                <a:srgbClr val="000000"/>
+              </a:solidFill>
+              <a:uFill>
+                <a:solidFill>
+                  <a:srgbClr val="ffffff"/>
+                </a:solidFill>
+              </a:uFill>
+              <a:latin typeface="Arial"/>
+            </a:endParaRPr>
+          </a:p>
+          <a:p>
+            <a:pPr marL="216000" indent="-216000">
               <a:lnSpc>
                 <a:spcPct val="115000"/>
               </a:lnSpc>
@@ -10720,33 +11540,117 @@
               <a:buChar char=""/>
             </a:pPr>
             <a:r>
-              <a:rPr b="0" lang="en-US" sz="1200" spc="-1" strike="noStrike">
-                <a:solidFill>
-                  <a:srgbClr val="000000"/>
-                </a:solidFill>
-                <a:uFill>
-                  <a:solidFill>
-                    <a:srgbClr val="ffffff"/>
-                  </a:solidFill>
-                </a:uFill>
-                <a:latin typeface="Arial"/>
-              </a:rPr>
-              <a:t>Memory Usage</a:t>
-            </a:r>
-            <a:endParaRPr b="0" lang="en-US" sz="1200" spc="-1" strike="noStrike">
-              <a:solidFill>
-                <a:srgbClr val="000000"/>
-              </a:solidFill>
-              <a:uFill>
-                <a:solidFill>
-                  <a:srgbClr val="ffffff"/>
-                </a:solidFill>
-              </a:uFill>
-              <a:latin typeface="Arial"/>
-            </a:endParaRPr>
-          </a:p>
-          <a:p>
-            <a:pPr marL="457200">
+              <a:rPr b="0" lang="en-US" sz="1500" spc="-1" strike="noStrike">
+                <a:solidFill>
+                  <a:srgbClr val="000000"/>
+                </a:solidFill>
+                <a:uFill>
+                  <a:solidFill>
+                    <a:srgbClr val="ffffff"/>
+                  </a:solidFill>
+                </a:uFill>
+                <a:latin typeface="Arial"/>
+              </a:rPr>
+              <a:t>Linux VM would be readily </a:t>
+            </a:r>
+            <a:r>
+              <a:rPr b="1" lang="en-US" sz="1500" spc="-1" strike="noStrike">
+                <a:solidFill>
+                  <a:srgbClr val="000000"/>
+                </a:solidFill>
+                <a:uFill>
+                  <a:solidFill>
+                    <a:srgbClr val="ffffff"/>
+                  </a:solidFill>
+                </a:uFill>
+                <a:latin typeface="Arial"/>
+              </a:rPr>
+              <a:t>connecting to</a:t>
+            </a:r>
+            <a:r>
+              <a:rPr b="0" lang="en-US" sz="1500" spc="-1" strike="noStrike">
+                <a:solidFill>
+                  <a:srgbClr val="000000"/>
+                </a:solidFill>
+                <a:uFill>
+                  <a:solidFill>
+                    <a:srgbClr val="ffffff"/>
+                  </a:solidFill>
+                </a:uFill>
+                <a:latin typeface="Arial"/>
+              </a:rPr>
+              <a:t> </a:t>
+            </a:r>
+            <a:r>
+              <a:rPr b="1" lang="en-US" sz="1500" spc="-1" strike="noStrike">
+                <a:solidFill>
+                  <a:srgbClr val="000000"/>
+                </a:solidFill>
+                <a:uFill>
+                  <a:solidFill>
+                    <a:srgbClr val="ffffff"/>
+                  </a:solidFill>
+                </a:uFill>
+                <a:latin typeface="Arial"/>
+              </a:rPr>
+              <a:t>the</a:t>
+            </a:r>
+            <a:r>
+              <a:rPr b="0" lang="en-US" sz="1500" spc="-1" strike="noStrike">
+                <a:solidFill>
+                  <a:srgbClr val="000000"/>
+                </a:solidFill>
+                <a:uFill>
+                  <a:solidFill>
+                    <a:srgbClr val="ffffff"/>
+                  </a:solidFill>
+                </a:uFill>
+                <a:latin typeface="Arial"/>
+              </a:rPr>
+              <a:t> </a:t>
+            </a:r>
+            <a:r>
+              <a:rPr b="1" lang="en-US" sz="1500" spc="-1" strike="noStrike">
+                <a:solidFill>
+                  <a:srgbClr val="000000"/>
+                </a:solidFill>
+                <a:uFill>
+                  <a:solidFill>
+                    <a:srgbClr val="ffffff"/>
+                  </a:solidFill>
+                </a:uFill>
+                <a:latin typeface="Arial"/>
+              </a:rPr>
+              <a:t>tool repositories</a:t>
+            </a:r>
+            <a:r>
+              <a:rPr b="0" lang="en-US" sz="1500" spc="-1" strike="noStrike">
+                <a:solidFill>
+                  <a:srgbClr val="000000"/>
+                </a:solidFill>
+                <a:uFill>
+                  <a:solidFill>
+                    <a:srgbClr val="ffffff"/>
+                  </a:solidFill>
+                </a:uFill>
+                <a:latin typeface="Arial"/>
+              </a:rPr>
+              <a:t>, which includes RHEL repositories, Prometheus and Grafana download locations, etc.</a:t>
+            </a:r>
+            <a:endParaRPr b="0" lang="en-US" sz="1500" spc="-1" strike="noStrike">
+              <a:solidFill>
+                <a:srgbClr val="000000"/>
+              </a:solidFill>
+              <a:uFill>
+                <a:solidFill>
+                  <a:srgbClr val="ffffff"/>
+                </a:solidFill>
+              </a:uFill>
+              <a:latin typeface="Arial"/>
+            </a:endParaRPr>
+          </a:p>
+          <a:p>
+            <a:pPr marL="216000" indent="-216000">
               <a:lnSpc>
                 <a:spcPct val="115000"/>
               </a:lnSpc>
@@ -10757,34 +11661,20 @@
               <a:buFont typeface="Wingdings" charset="2"/>
               <a:buChar char=""/>
             </a:pPr>
-            <a:r>
-              <a:rPr b="0" lang="en-US" sz="1200" spc="-1" strike="noStrike">
-                <a:solidFill>
-                  <a:srgbClr val="000000"/>
-                </a:solidFill>
-                <a:uFill>
-                  <a:solidFill>
-                    <a:srgbClr val="ffffff"/>
-                  </a:solidFill>
-                </a:uFill>
-                <a:latin typeface="Arial"/>
-              </a:rPr>
-              <a:t>Disk I/O</a:t>
-            </a:r>
-            <a:endParaRPr b="0" lang="en-US" sz="1200" spc="-1" strike="noStrike">
-              <a:solidFill>
-                <a:srgbClr val="000000"/>
-              </a:solidFill>
-              <a:uFill>
-                <a:solidFill>
-                  <a:srgbClr val="ffffff"/>
-                </a:solidFill>
-              </a:uFill>
-              <a:latin typeface="Arial"/>
-            </a:endParaRPr>
-          </a:p>
-          <a:p>
-            <a:pPr marL="457200">
+            <a:endParaRPr b="0" lang="en-US" sz="1500" spc="-1" strike="noStrike">
+              <a:solidFill>
+                <a:srgbClr val="000000"/>
+              </a:solidFill>
+              <a:uFill>
+                <a:solidFill>
+                  <a:srgbClr val="ffffff"/>
+                </a:solidFill>
+              </a:uFill>
+              <a:latin typeface="Arial"/>
+            </a:endParaRPr>
+          </a:p>
+          <a:p>
+            <a:pPr marL="216000" indent="-216000">
               <a:lnSpc>
                 <a:spcPct val="115000"/>
               </a:lnSpc>
@@ -10796,33 +11686,47 @@
               <a:buChar char=""/>
             </a:pPr>
             <a:r>
-              <a:rPr b="0" lang="en-US" sz="1200" spc="-1" strike="noStrike">
-                <a:solidFill>
-                  <a:srgbClr val="000000"/>
-                </a:solidFill>
-                <a:uFill>
-                  <a:solidFill>
-                    <a:srgbClr val="ffffff"/>
-                  </a:solidFill>
-                </a:uFill>
-                <a:latin typeface="Arial"/>
-              </a:rPr>
-              <a:t>Disk Usage</a:t>
-            </a:r>
-            <a:endParaRPr b="0" lang="en-US" sz="1200" spc="-1" strike="noStrike">
-              <a:solidFill>
-                <a:srgbClr val="000000"/>
-              </a:solidFill>
-              <a:uFill>
-                <a:solidFill>
-                  <a:srgbClr val="ffffff"/>
-                </a:solidFill>
-              </a:uFill>
-              <a:latin typeface="Arial"/>
-            </a:endParaRPr>
-          </a:p>
-          <a:p>
-            <a:pPr marL="457200">
+              <a:rPr b="1" lang="en-US" sz="1500" spc="-1" strike="noStrike">
+                <a:solidFill>
+                  <a:srgbClr val="000000"/>
+                </a:solidFill>
+                <a:uFill>
+                  <a:solidFill>
+                    <a:srgbClr val="ffffff"/>
+                  </a:solidFill>
+                </a:uFill>
+                <a:latin typeface="Arial"/>
+              </a:rPr>
+              <a:t>Network firewall rules are enabled</a:t>
+            </a:r>
+            <a:r>
+              <a:rPr b="0" lang="en-US" sz="1500" spc="-1" strike="noStrike">
+                <a:solidFill>
+                  <a:srgbClr val="000000"/>
+                </a:solidFill>
+                <a:uFill>
+                  <a:solidFill>
+                    <a:srgbClr val="ffffff"/>
+                  </a:solidFill>
+                </a:uFill>
+                <a:latin typeface="Arial"/>
+              </a:rPr>
+              <a:t> so that access to the TCP ports used for prometheus (9090), node_exporter (9100) and grafana (3000) is available to the host Linux machine.</a:t>
+            </a:r>
+            <a:endParaRPr b="0" lang="en-US" sz="1500" spc="-1" strike="noStrike">
+              <a:solidFill>
+                <a:srgbClr val="000000"/>
+              </a:solidFill>
+              <a:uFill>
+                <a:solidFill>
+                  <a:srgbClr val="ffffff"/>
+                </a:solidFill>
+              </a:uFill>
+              <a:latin typeface="Arial"/>
+            </a:endParaRPr>
+          </a:p>
+          <a:p>
+            <a:pPr marL="216000" indent="-216000">
               <a:lnSpc>
                 <a:spcPct val="115000"/>
               </a:lnSpc>
@@ -10833,34 +11737,20 @@
               <a:buFont typeface="Wingdings" charset="2"/>
               <a:buChar char=""/>
             </a:pPr>
-            <a:r>
-              <a:rPr b="0" lang="en-US" sz="1200" spc="-1" strike="noStrike">
-                <a:solidFill>
-                  <a:srgbClr val="000000"/>
-                </a:solidFill>
-                <a:uFill>
-                  <a:solidFill>
-                    <a:srgbClr val="ffffff"/>
-                  </a:solidFill>
-                </a:uFill>
-                <a:latin typeface="Arial"/>
-              </a:rPr>
-              <a:t>Network Received</a:t>
-            </a:r>
-            <a:endParaRPr b="0" lang="en-US" sz="1200" spc="-1" strike="noStrike">
-              <a:solidFill>
-                <a:srgbClr val="000000"/>
-              </a:solidFill>
-              <a:uFill>
-                <a:solidFill>
-                  <a:srgbClr val="ffffff"/>
-                </a:solidFill>
-              </a:uFill>
-              <a:latin typeface="Arial"/>
-            </a:endParaRPr>
-          </a:p>
-          <a:p>
-            <a:pPr marL="457200">
+            <a:endParaRPr b="0" lang="en-US" sz="1500" spc="-1" strike="noStrike">
+              <a:solidFill>
+                <a:srgbClr val="000000"/>
+              </a:solidFill>
+              <a:uFill>
+                <a:solidFill>
+                  <a:srgbClr val="ffffff"/>
+                </a:solidFill>
+              </a:uFill>
+              <a:latin typeface="Arial"/>
+            </a:endParaRPr>
+          </a:p>
+          <a:p>
+            <a:pPr marL="216000" indent="-216000">
               <a:lnSpc>
                 <a:spcPct val="115000"/>
               </a:lnSpc>
@@ -10872,212 +11762,70 @@
               <a:buChar char=""/>
             </a:pPr>
             <a:r>
-              <a:rPr b="0" lang="en-US" sz="1200" spc="-1" strike="noStrike">
-                <a:solidFill>
-                  <a:srgbClr val="000000"/>
-                </a:solidFill>
-                <a:uFill>
-                  <a:solidFill>
-                    <a:srgbClr val="ffffff"/>
-                  </a:solidFill>
-                </a:uFill>
-                <a:latin typeface="Arial"/>
-              </a:rPr>
-              <a:t>Network Transmitted</a:t>
-            </a:r>
-            <a:endParaRPr b="0" lang="en-US" sz="1200" spc="-1" strike="noStrike">
-              <a:solidFill>
-                <a:srgbClr val="000000"/>
-              </a:solidFill>
-              <a:uFill>
-                <a:solidFill>
-                  <a:srgbClr val="ffffff"/>
-                </a:solidFill>
-              </a:uFill>
-              <a:latin typeface="Arial"/>
-            </a:endParaRPr>
-          </a:p>
-          <a:p>
-            <a:endParaRPr b="0" lang="en-US" sz="1200" spc="-1" strike="noStrike">
-              <a:solidFill>
-                <a:srgbClr val="050505"/>
-              </a:solidFill>
-              <a:uFill>
-                <a:solidFill>
-                  <a:srgbClr val="ffffff"/>
-                </a:solidFill>
-              </a:uFill>
-              <a:latin typeface="Arial"/>
-              <a:ea typeface="DejaVu Sans"/>
-            </a:endParaRPr>
-          </a:p>
-          <a:p>
-            <a:r>
-              <a:rPr b="0" lang="en-US" sz="1400" spc="-1" strike="noStrike">
-                <a:solidFill>
-                  <a:srgbClr val="050505"/>
-                </a:solidFill>
-                <a:uFill>
-                  <a:solidFill>
-                    <a:srgbClr val="ffffff"/>
-                  </a:solidFill>
-                </a:uFill>
-                <a:latin typeface="Arial"/>
-              </a:rPr>
-              <a:t>Monitoring tools used are prometheus and node_exporter  </a:t>
-            </a:r>
-            <a:endParaRPr b="0" lang="en-US" sz="1400" spc="-1" strike="noStrike">
-              <a:solidFill>
-                <a:srgbClr val="050505"/>
-              </a:solidFill>
-              <a:uFill>
-                <a:solidFill>
-                  <a:srgbClr val="ffffff"/>
-                </a:solidFill>
-              </a:uFill>
-              <a:latin typeface="Arial"/>
-              <a:ea typeface="DejaVu Sans"/>
-            </a:endParaRPr>
-          </a:p>
-          <a:p>
-            <a:endParaRPr b="0" lang="en-US" sz="1400" spc="-1" strike="noStrike">
-              <a:solidFill>
-                <a:srgbClr val="050505"/>
-              </a:solidFill>
-              <a:uFill>
-                <a:solidFill>
-                  <a:srgbClr val="ffffff"/>
-                </a:solidFill>
-              </a:uFill>
-              <a:latin typeface="Arial"/>
-              <a:ea typeface="DejaVu Sans"/>
-            </a:endParaRPr>
-          </a:p>
-          <a:p>
-            <a:r>
-              <a:rPr b="0" lang="en-US" sz="1400" spc="-1" strike="noStrike">
-                <a:solidFill>
-                  <a:srgbClr val="050505"/>
-                </a:solidFill>
-                <a:uFill>
-                  <a:solidFill>
-                    <a:srgbClr val="ffffff"/>
-                  </a:solidFill>
-                </a:uFill>
-                <a:latin typeface="Arial"/>
-              </a:rPr>
-              <a:t>Visual dashboards are created using Grafana</a:t>
-            </a:r>
-            <a:endParaRPr b="0" lang="en-US" sz="1400" spc="-1" strike="noStrike">
-              <a:solidFill>
-                <a:srgbClr val="050505"/>
-              </a:solidFill>
-              <a:uFill>
-                <a:solidFill>
-                  <a:srgbClr val="ffffff"/>
-                </a:solidFill>
-              </a:uFill>
-              <a:latin typeface="Arial"/>
-              <a:ea typeface="DejaVu Sans"/>
-            </a:endParaRPr>
-          </a:p>
-          <a:p>
-            <a:endParaRPr b="0" lang="en-US" sz="1400" spc="-1" strike="noStrike">
-              <a:solidFill>
-                <a:srgbClr val="050505"/>
-              </a:solidFill>
-              <a:uFill>
-                <a:solidFill>
-                  <a:srgbClr val="ffffff"/>
-                </a:solidFill>
-              </a:uFill>
-              <a:latin typeface="Arial"/>
-              <a:ea typeface="DejaVu Sans"/>
-            </a:endParaRPr>
-          </a:p>
-          <a:p>
-            <a:r>
-              <a:rPr b="0" lang="en-US" sz="1400" spc="-1" strike="noStrike">
-                <a:solidFill>
-                  <a:srgbClr val="050505"/>
-                </a:solidFill>
-                <a:uFill>
-                  <a:solidFill>
-                    <a:srgbClr val="ffffff"/>
-                  </a:solidFill>
-                </a:uFill>
-                <a:latin typeface="Arial"/>
-              </a:rPr>
-              <a:t>E-mail sent to support personnel when </a:t>
-            </a:r>
-            <a:endParaRPr b="0" lang="en-US" sz="1400" spc="-1" strike="noStrike">
-              <a:solidFill>
-                <a:srgbClr val="050505"/>
-              </a:solidFill>
-              <a:uFill>
-                <a:solidFill>
-                  <a:srgbClr val="ffffff"/>
-                </a:solidFill>
-              </a:uFill>
-              <a:latin typeface="Arial"/>
-              <a:ea typeface="DejaVu Sans"/>
-            </a:endParaRPr>
-          </a:p>
-          <a:p>
-            <a:endParaRPr b="0" lang="en-US" sz="1400" spc="-1" strike="noStrike">
-              <a:solidFill>
-                <a:srgbClr val="050505"/>
-              </a:solidFill>
-              <a:uFill>
-                <a:solidFill>
-                  <a:srgbClr val="ffffff"/>
-                </a:solidFill>
-              </a:uFill>
-              <a:latin typeface="Arial"/>
-              <a:ea typeface="DejaVu Sans"/>
-            </a:endParaRPr>
-          </a:p>
-          <a:p>
-            <a:endParaRPr b="0" lang="en-US" sz="1400" spc="-1" strike="noStrike">
-              <a:solidFill>
-                <a:srgbClr val="050505"/>
-              </a:solidFill>
-              <a:uFill>
-                <a:solidFill>
-                  <a:srgbClr val="ffffff"/>
-                </a:solidFill>
-              </a:uFill>
-              <a:latin typeface="Arial"/>
-              <a:ea typeface="DejaVu Sans"/>
+              <a:rPr b="1" lang="en-US" sz="1500" spc="-1" strike="noStrike">
+                <a:solidFill>
+                  <a:srgbClr val="000000"/>
+                </a:solidFill>
+                <a:uFill>
+                  <a:solidFill>
+                    <a:srgbClr val="ffffff"/>
+                  </a:solidFill>
+                </a:uFill>
+                <a:latin typeface="Arial"/>
+              </a:rPr>
+              <a:t>SMTP configuration is setup</a:t>
+            </a:r>
+            <a:r>
+              <a:rPr b="0" lang="en-US" sz="1500" spc="-1" strike="noStrike">
+                <a:solidFill>
+                  <a:srgbClr val="000000"/>
+                </a:solidFill>
+                <a:uFill>
+                  <a:solidFill>
+                    <a:srgbClr val="ffffff"/>
+                  </a:solidFill>
+                </a:uFill>
+                <a:latin typeface="Arial"/>
+              </a:rPr>
+              <a:t> on the Linux VM in order to send the alert messages from Grafana to the support personnel.</a:t>
+            </a:r>
+            <a:endParaRPr b="0" lang="en-US" sz="1500" spc="-1" strike="noStrike">
+              <a:solidFill>
+                <a:srgbClr val="000000"/>
+              </a:solidFill>
+              <a:uFill>
+                <a:solidFill>
+                  <a:srgbClr val="ffffff"/>
+                </a:solidFill>
+              </a:uFill>
+              <a:latin typeface="Arial"/>
+            </a:endParaRPr>
+          </a:p>
+          <a:p>
+            <a:pPr marL="216000" indent="-216000">
+              <a:lnSpc>
+                <a:spcPct val="115000"/>
+              </a:lnSpc>
+              <a:buClr>
+                <a:srgbClr val="000000"/>
+              </a:buClr>
+              <a:buSzPct val="45000"/>
+              <a:buFont typeface="Wingdings" charset="2"/>
+              <a:buChar char=""/>
+            </a:pPr>
+            <a:endParaRPr b="0" lang="en-US" sz="1500" spc="-1" strike="noStrike">
+              <a:solidFill>
+                <a:srgbClr val="000000"/>
+              </a:solidFill>
+              <a:uFill>
+                <a:solidFill>
+                  <a:srgbClr val="ffffff"/>
+                </a:solidFill>
+              </a:uFill>
+              <a:latin typeface="Arial"/>
             </a:endParaRPr>
           </a:p>
         </p:txBody>
-      </p:sp>
-      <p:sp>
-        <p:nvSpPr>
-          <p:cNvPr id="117" name="CustomShape 3"/>
-          <p:cNvSpPr/>
-          <p:nvPr/>
-        </p:nvSpPr>
-        <p:spPr>
-          <a:xfrm>
-            <a:off x="2103120" y="3679560"/>
-            <a:ext cx="4660560" cy="368280"/>
-          </a:xfrm>
-          <a:prstGeom prst="rect">
-            <a:avLst/>
-          </a:prstGeom>
-          <a:noFill/>
-          <a:ln>
-            <a:noFill/>
-          </a:ln>
-        </p:spPr>
-        <p:style>
-          <a:lnRef idx="0"/>
-          <a:fillRef idx="0"/>
-          <a:effectRef idx="0"/>
-          <a:fontRef idx="minor"/>
-        </p:style>
       </p:sp>
     </p:spTree>
   </p:cSld>
